--- a/Power_Platform_Presentation.pptx
+++ b/Power_Platform_Presentation.pptx
@@ -6,21 +6,22 @@
   </p:sldMasterIdLst>
   <p:sldIdLst>
     <p:sldId id="256" r:id="rId2"/>
-    <p:sldId id="257" r:id="rId3"/>
-    <p:sldId id="275" r:id="rId4"/>
-    <p:sldId id="258" r:id="rId5"/>
-    <p:sldId id="259" r:id="rId6"/>
-    <p:sldId id="267" r:id="rId7"/>
-    <p:sldId id="260" r:id="rId8"/>
-    <p:sldId id="270" r:id="rId9"/>
-    <p:sldId id="269" r:id="rId10"/>
-    <p:sldId id="271" r:id="rId11"/>
-    <p:sldId id="272" r:id="rId12"/>
-    <p:sldId id="273" r:id="rId13"/>
-    <p:sldId id="274" r:id="rId14"/>
-    <p:sldId id="277" r:id="rId15"/>
-    <p:sldId id="264" r:id="rId16"/>
-    <p:sldId id="265" r:id="rId17"/>
+    <p:sldId id="279" r:id="rId3"/>
+    <p:sldId id="257" r:id="rId4"/>
+    <p:sldId id="275" r:id="rId5"/>
+    <p:sldId id="258" r:id="rId6"/>
+    <p:sldId id="259" r:id="rId7"/>
+    <p:sldId id="267" r:id="rId8"/>
+    <p:sldId id="260" r:id="rId9"/>
+    <p:sldId id="270" r:id="rId10"/>
+    <p:sldId id="269" r:id="rId11"/>
+    <p:sldId id="271" r:id="rId12"/>
+    <p:sldId id="272" r:id="rId13"/>
+    <p:sldId id="273" r:id="rId14"/>
+    <p:sldId id="274" r:id="rId15"/>
+    <p:sldId id="277" r:id="rId16"/>
+    <p:sldId id="264" r:id="rId17"/>
+    <p:sldId id="265" r:id="rId18"/>
   </p:sldIdLst>
   <p:sldSz cx="9144000" cy="6858000" type="screen4x3"/>
   <p:notesSz cx="6858000" cy="9144000"/>
@@ -30931,7 +30932,7 @@
           <a:p>
             <a:fld id="{5BCAD085-E8A6-8845-BD4E-CB4CCA059FC4}" type="datetimeFigureOut">
               <a:rPr lang="en-US" smtClean="0"/>
-              <a:t>15-Mar-25</a:t>
+              <a:t>25-Mar-25</a:t>
             </a:fld>
             <a:endParaRPr lang="en-US"/>
           </a:p>
@@ -31198,7 +31199,7 @@
           <a:p>
             <a:fld id="{5BCAD085-E8A6-8845-BD4E-CB4CCA059FC4}" type="datetimeFigureOut">
               <a:rPr lang="en-US" smtClean="0"/>
-              <a:t>15-Mar-25</a:t>
+              <a:t>25-Mar-25</a:t>
             </a:fld>
             <a:endParaRPr lang="en-US"/>
           </a:p>
@@ -31429,7 +31430,7 @@
           <a:p>
             <a:fld id="{5BCAD085-E8A6-8845-BD4E-CB4CCA059FC4}" type="datetimeFigureOut">
               <a:rPr lang="en-US" smtClean="0"/>
-              <a:t>15-Mar-25</a:t>
+              <a:t>25-Mar-25</a:t>
             </a:fld>
             <a:endParaRPr lang="en-US"/>
           </a:p>
@@ -31739,7 +31740,7 @@
           <a:p>
             <a:fld id="{5BCAD085-E8A6-8845-BD4E-CB4CCA059FC4}" type="datetimeFigureOut">
               <a:rPr lang="en-US" smtClean="0"/>
-              <a:t>15-Mar-25</a:t>
+              <a:t>25-Mar-25</a:t>
             </a:fld>
             <a:endParaRPr lang="en-US"/>
           </a:p>
@@ -32212,7 +32213,7 @@
           <a:p>
             <a:fld id="{5BCAD085-E8A6-8845-BD4E-CB4CCA059FC4}" type="datetimeFigureOut">
               <a:rPr lang="en-US" smtClean="0"/>
-              <a:t>15-Mar-25</a:t>
+              <a:t>25-Mar-25</a:t>
             </a:fld>
             <a:endParaRPr lang="en-US"/>
           </a:p>
@@ -32759,7 +32760,7 @@
           <a:p>
             <a:fld id="{5BCAD085-E8A6-8845-BD4E-CB4CCA059FC4}" type="datetimeFigureOut">
               <a:rPr lang="en-US" smtClean="0"/>
-              <a:t>15-Mar-25</a:t>
+              <a:t>25-Mar-25</a:t>
             </a:fld>
             <a:endParaRPr lang="en-US"/>
           </a:p>
@@ -33533,7 +33534,7 @@
           <a:p>
             <a:fld id="{5BCAD085-E8A6-8845-BD4E-CB4CCA059FC4}" type="datetimeFigureOut">
               <a:rPr lang="en-US" smtClean="0"/>
-              <a:t>15-Mar-25</a:t>
+              <a:t>25-Mar-25</a:t>
             </a:fld>
             <a:endParaRPr lang="en-US"/>
           </a:p>
@@ -33708,7 +33709,7 @@
           <a:p>
             <a:fld id="{5BCAD085-E8A6-8845-BD4E-CB4CCA059FC4}" type="datetimeFigureOut">
               <a:rPr lang="en-US" smtClean="0"/>
-              <a:t>15-Mar-25</a:t>
+              <a:t>25-Mar-25</a:t>
             </a:fld>
             <a:endParaRPr lang="en-US"/>
           </a:p>
@@ -33931,7 +33932,7 @@
           <a:p>
             <a:fld id="{5BCAD085-E8A6-8845-BD4E-CB4CCA059FC4}" type="datetimeFigureOut">
               <a:rPr lang="en-US" smtClean="0"/>
-              <a:t>15-Mar-25</a:t>
+              <a:t>25-Mar-25</a:t>
             </a:fld>
             <a:endParaRPr lang="en-US"/>
           </a:p>
@@ -34111,7 +34112,7 @@
           <a:p>
             <a:fld id="{5BCAD085-E8A6-8845-BD4E-CB4CCA059FC4}" type="datetimeFigureOut">
               <a:rPr lang="en-US" smtClean="0"/>
-              <a:t>15-Mar-25</a:t>
+              <a:t>25-Mar-25</a:t>
             </a:fld>
             <a:endParaRPr lang="en-US"/>
           </a:p>
@@ -34400,7 +34401,7 @@
           <a:p>
             <a:fld id="{5BCAD085-E8A6-8845-BD4E-CB4CCA059FC4}" type="datetimeFigureOut">
               <a:rPr lang="en-US" smtClean="0"/>
-              <a:t>15-Mar-25</a:t>
+              <a:t>25-Mar-25</a:t>
             </a:fld>
             <a:endParaRPr lang="en-US"/>
           </a:p>
@@ -34642,7 +34643,7 @@
           <a:p>
             <a:fld id="{5BCAD085-E8A6-8845-BD4E-CB4CCA059FC4}" type="datetimeFigureOut">
               <a:rPr lang="en-US" smtClean="0"/>
-              <a:t>15-Mar-25</a:t>
+              <a:t>25-Mar-25</a:t>
             </a:fld>
             <a:endParaRPr lang="en-US"/>
           </a:p>
@@ -35021,7 +35022,7 @@
           <a:p>
             <a:fld id="{5BCAD085-E8A6-8845-BD4E-CB4CCA059FC4}" type="datetimeFigureOut">
               <a:rPr lang="en-US" smtClean="0"/>
-              <a:t>15-Mar-25</a:t>
+              <a:t>25-Mar-25</a:t>
             </a:fld>
             <a:endParaRPr lang="en-US"/>
           </a:p>
@@ -35139,7 +35140,7 @@
           <a:p>
             <a:fld id="{5BCAD085-E8A6-8845-BD4E-CB4CCA059FC4}" type="datetimeFigureOut">
               <a:rPr lang="en-US" smtClean="0"/>
-              <a:t>15-Mar-25</a:t>
+              <a:t>25-Mar-25</a:t>
             </a:fld>
             <a:endParaRPr lang="en-US"/>
           </a:p>
@@ -35234,7 +35235,7 @@
           <a:p>
             <a:fld id="{5BCAD085-E8A6-8845-BD4E-CB4CCA059FC4}" type="datetimeFigureOut">
               <a:rPr lang="en-US" smtClean="0"/>
-              <a:t>15-Mar-25</a:t>
+              <a:t>25-Mar-25</a:t>
             </a:fld>
             <a:endParaRPr lang="en-US"/>
           </a:p>
@@ -35483,7 +35484,7 @@
           <a:p>
             <a:fld id="{5BCAD085-E8A6-8845-BD4E-CB4CCA059FC4}" type="datetimeFigureOut">
               <a:rPr lang="en-US" smtClean="0"/>
-              <a:t>15-Mar-25</a:t>
+              <a:t>25-Mar-25</a:t>
             </a:fld>
             <a:endParaRPr lang="en-US"/>
           </a:p>
@@ -35740,7 +35741,7 @@
           <a:p>
             <a:fld id="{5BCAD085-E8A6-8845-BD4E-CB4CCA059FC4}" type="datetimeFigureOut">
               <a:rPr lang="en-US" smtClean="0"/>
-              <a:t>15-Mar-25</a:t>
+              <a:t>25-Mar-25</a:t>
             </a:fld>
             <a:endParaRPr lang="en-US"/>
           </a:p>
@@ -35983,7 +35984,7 @@
           <a:p>
             <a:fld id="{5BCAD085-E8A6-8845-BD4E-CB4CCA059FC4}" type="datetimeFigureOut">
               <a:rPr lang="en-US" smtClean="0"/>
-              <a:t>15-Mar-25</a:t>
+              <a:t>25-Mar-25</a:t>
             </a:fld>
             <a:endParaRPr lang="en-US"/>
           </a:p>
@@ -36798,4110 +36799,6 @@
 </file>
 
 <file path=ppt/slides/slide10.xml><?xml version="1.0" encoding="utf-8"?>
-<p:sld xmlns:a="http://schemas.openxmlformats.org/drawingml/2006/main" xmlns:r="http://schemas.openxmlformats.org/officeDocument/2006/relationships" xmlns:p="http://schemas.openxmlformats.org/presentationml/2006/main">
-  <p:cSld>
-    <p:spTree>
-      <p:nvGrpSpPr>
-        <p:cNvPr id="1" name="">
-          <a:extLst>
-            <a:ext uri="{FF2B5EF4-FFF2-40B4-BE49-F238E27FC236}">
-              <a16:creationId xmlns:a16="http://schemas.microsoft.com/office/drawing/2014/main" id="{17ECFD12-D8C5-1C76-F3C7-DD07B6E935D7}"/>
-            </a:ext>
-          </a:extLst>
-        </p:cNvPr>
-        <p:cNvGrpSpPr/>
-        <p:nvPr/>
-      </p:nvGrpSpPr>
-      <p:grpSpPr>
-        <a:xfrm>
-          <a:off x="0" y="0"/>
-          <a:ext cx="0" cy="0"/>
-          <a:chOff x="0" y="0"/>
-          <a:chExt cx="0" cy="0"/>
-        </a:xfrm>
-      </p:grpSpPr>
-      <p:sp>
-        <p:nvSpPr>
-          <p:cNvPr id="2" name="Title 1">
-            <a:extLst>
-              <a:ext uri="{FF2B5EF4-FFF2-40B4-BE49-F238E27FC236}">
-                <a16:creationId xmlns:a16="http://schemas.microsoft.com/office/drawing/2014/main" id="{BAC9AA01-8905-AA16-2B55-0C9D57491FC1}"/>
-              </a:ext>
-            </a:extLst>
-          </p:cNvPr>
-          <p:cNvSpPr>
-            <a:spLocks noGrp="1"/>
-          </p:cNvSpPr>
-          <p:nvPr>
-            <p:ph type="title"/>
-          </p:nvPr>
-        </p:nvSpPr>
-        <p:spPr>
-          <a:xfrm>
-            <a:off x="2171700" y="764373"/>
-            <a:ext cx="6457950" cy="1293028"/>
-          </a:xfrm>
-        </p:spPr>
-        <p:txBody>
-          <a:bodyPr>
-            <a:normAutofit/>
-          </a:bodyPr>
-          <a:lstStyle/>
-          <a:p>
-            <a:r>
-              <a:rPr lang="en-US" sz="3400" dirty="0"/>
-              <a:t>Power BI – Data Insights &amp; Reporting: How It Works</a:t>
-            </a:r>
-          </a:p>
-        </p:txBody>
-      </p:sp>
-      <p:graphicFrame>
-        <p:nvGraphicFramePr>
-          <p:cNvPr id="5" name="Content Placeholder 2">
-            <a:extLst>
-              <a:ext uri="{FF2B5EF4-FFF2-40B4-BE49-F238E27FC236}">
-                <a16:creationId xmlns:a16="http://schemas.microsoft.com/office/drawing/2014/main" id="{40BD998A-AC0D-5C36-CF65-25B1A70BFAB4}"/>
-              </a:ext>
-            </a:extLst>
-          </p:cNvPr>
-          <p:cNvGraphicFramePr>
-            <a:graphicFrameLocks noGrp="1"/>
-          </p:cNvGraphicFramePr>
-          <p:nvPr>
-            <p:ph idx="1"/>
-            <p:extLst>
-              <p:ext uri="{D42A27DB-BD31-4B8C-83A1-F6EECF244321}">
-                <p14:modId xmlns:p14="http://schemas.microsoft.com/office/powerpoint/2010/main" val="1959801335"/>
-              </p:ext>
-            </p:extLst>
-          </p:nvPr>
-        </p:nvGraphicFramePr>
-        <p:xfrm>
-          <a:off x="514350" y="2441051"/>
-          <a:ext cx="8115300" cy="3530062"/>
-        </p:xfrm>
-        <a:graphic>
-          <a:graphicData uri="http://schemas.openxmlformats.org/drawingml/2006/diagram">
-            <dgm:relIds xmlns:dgm="http://schemas.openxmlformats.org/drawingml/2006/diagram" xmlns:r="http://schemas.openxmlformats.org/officeDocument/2006/relationships" r:dm="rId2" r:lo="rId3" r:qs="rId4" r:cs="rId5"/>
-          </a:graphicData>
-        </a:graphic>
-      </p:graphicFrame>
-    </p:spTree>
-    <p:extLst>
-      <p:ext uri="{BB962C8B-B14F-4D97-AF65-F5344CB8AC3E}">
-        <p14:creationId xmlns:p14="http://schemas.microsoft.com/office/powerpoint/2010/main" val="1183814328"/>
-      </p:ext>
-    </p:extLst>
-  </p:cSld>
-  <p:clrMapOvr>
-    <a:masterClrMapping/>
-  </p:clrMapOvr>
-</p:sld>
-</file>
-
-<file path=ppt/slides/slide11.xml><?xml version="1.0" encoding="utf-8"?>
-<p:sld xmlns:a="http://schemas.openxmlformats.org/drawingml/2006/main" xmlns:r="http://schemas.openxmlformats.org/officeDocument/2006/relationships" xmlns:p="http://schemas.openxmlformats.org/presentationml/2006/main">
-  <p:cSld>
-    <p:spTree>
-      <p:nvGrpSpPr>
-        <p:cNvPr id="1" name="">
-          <a:extLst>
-            <a:ext uri="{FF2B5EF4-FFF2-40B4-BE49-F238E27FC236}">
-              <a16:creationId xmlns:a16="http://schemas.microsoft.com/office/drawing/2014/main" id="{7CA57CAC-C9FE-9029-E7B4-0AE85C36539F}"/>
-            </a:ext>
-          </a:extLst>
-        </p:cNvPr>
-        <p:cNvGrpSpPr/>
-        <p:nvPr/>
-      </p:nvGrpSpPr>
-      <p:grpSpPr>
-        <a:xfrm>
-          <a:off x="0" y="0"/>
-          <a:ext cx="0" cy="0"/>
-          <a:chOff x="0" y="0"/>
-          <a:chExt cx="0" cy="0"/>
-        </a:xfrm>
-      </p:grpSpPr>
-      <p:sp>
-        <p:nvSpPr>
-          <p:cNvPr id="2" name="Title 1">
-            <a:extLst>
-              <a:ext uri="{FF2B5EF4-FFF2-40B4-BE49-F238E27FC236}">
-                <a16:creationId xmlns:a16="http://schemas.microsoft.com/office/drawing/2014/main" id="{CE3E4BDE-A563-80A0-ACC9-3C82F3234AFD}"/>
-              </a:ext>
-            </a:extLst>
-          </p:cNvPr>
-          <p:cNvSpPr>
-            <a:spLocks noGrp="1"/>
-          </p:cNvSpPr>
-          <p:nvPr>
-            <p:ph type="title"/>
-          </p:nvPr>
-        </p:nvSpPr>
-        <p:spPr>
-          <a:xfrm>
-            <a:off x="685799" y="1309496"/>
-            <a:ext cx="8405446" cy="1240274"/>
-          </a:xfrm>
-        </p:spPr>
-        <p:txBody>
-          <a:bodyPr>
-            <a:normAutofit fontScale="90000"/>
-          </a:bodyPr>
-          <a:lstStyle/>
-          <a:p>
-            <a:pPr algn="l"/>
-            <a:r>
-              <a:rPr lang="en-US" b="1" dirty="0"/>
-              <a:t>Power BI – Data Insights &amp; Reporting: Implementation Steps</a:t>
-            </a:r>
-          </a:p>
-        </p:txBody>
-      </p:sp>
-      <p:graphicFrame>
-        <p:nvGraphicFramePr>
-          <p:cNvPr id="5" name="Content Placeholder 2">
-            <a:extLst>
-              <a:ext uri="{FF2B5EF4-FFF2-40B4-BE49-F238E27FC236}">
-                <a16:creationId xmlns:a16="http://schemas.microsoft.com/office/drawing/2014/main" id="{98089DF1-213C-4FDE-5D55-84A5886D1B93}"/>
-              </a:ext>
-            </a:extLst>
-          </p:cNvPr>
-          <p:cNvGraphicFramePr>
-            <a:graphicFrameLocks noGrp="1"/>
-          </p:cNvGraphicFramePr>
-          <p:nvPr>
-            <p:ph idx="1"/>
-            <p:extLst>
-              <p:ext uri="{D42A27DB-BD31-4B8C-83A1-F6EECF244321}">
-                <p14:modId xmlns:p14="http://schemas.microsoft.com/office/powerpoint/2010/main" val="3068923928"/>
-              </p:ext>
-            </p:extLst>
-          </p:nvPr>
-        </p:nvGraphicFramePr>
-        <p:xfrm>
-          <a:off x="594360" y="2194560"/>
-          <a:ext cx="7955280" cy="4069080"/>
-        </p:xfrm>
-        <a:graphic>
-          <a:graphicData uri="http://schemas.openxmlformats.org/drawingml/2006/diagram">
-            <dgm:relIds xmlns:dgm="http://schemas.openxmlformats.org/drawingml/2006/diagram" xmlns:r="http://schemas.openxmlformats.org/officeDocument/2006/relationships" r:dm="rId2" r:lo="rId3" r:qs="rId4" r:cs="rId5"/>
-          </a:graphicData>
-        </a:graphic>
-      </p:graphicFrame>
-    </p:spTree>
-    <p:extLst>
-      <p:ext uri="{BB962C8B-B14F-4D97-AF65-F5344CB8AC3E}">
-        <p14:creationId xmlns:p14="http://schemas.microsoft.com/office/powerpoint/2010/main" val="1921094419"/>
-      </p:ext>
-    </p:extLst>
-  </p:cSld>
-  <p:clrMapOvr>
-    <a:masterClrMapping/>
-  </p:clrMapOvr>
-</p:sld>
-</file>
-
-<file path=ppt/slides/slide12.xml><?xml version="1.0" encoding="utf-8"?>
-<p:sld xmlns:a="http://schemas.openxmlformats.org/drawingml/2006/main" xmlns:r="http://schemas.openxmlformats.org/officeDocument/2006/relationships" xmlns:p="http://schemas.openxmlformats.org/presentationml/2006/main">
-  <p:cSld>
-    <p:spTree>
-      <p:nvGrpSpPr>
-        <p:cNvPr id="1" name="">
-          <a:extLst>
-            <a:ext uri="{FF2B5EF4-FFF2-40B4-BE49-F238E27FC236}">
-              <a16:creationId xmlns:a16="http://schemas.microsoft.com/office/drawing/2014/main" id="{8C6E9993-2287-3783-E436-F4546D52D49B}"/>
-            </a:ext>
-          </a:extLst>
-        </p:cNvPr>
-        <p:cNvGrpSpPr/>
-        <p:nvPr/>
-      </p:nvGrpSpPr>
-      <p:grpSpPr>
-        <a:xfrm>
-          <a:off x="0" y="0"/>
-          <a:ext cx="0" cy="0"/>
-          <a:chOff x="0" y="0"/>
-          <a:chExt cx="0" cy="0"/>
-        </a:xfrm>
-      </p:grpSpPr>
-      <p:sp>
-        <p:nvSpPr>
-          <p:cNvPr id="2" name="Title 1">
-            <a:extLst>
-              <a:ext uri="{FF2B5EF4-FFF2-40B4-BE49-F238E27FC236}">
-                <a16:creationId xmlns:a16="http://schemas.microsoft.com/office/drawing/2014/main" id="{C55E7757-BC41-7126-06F8-7B50A0195039}"/>
-              </a:ext>
-            </a:extLst>
-          </p:cNvPr>
-          <p:cNvSpPr>
-            <a:spLocks noGrp="1"/>
-          </p:cNvSpPr>
-          <p:nvPr>
-            <p:ph type="title"/>
-          </p:nvPr>
-        </p:nvSpPr>
-        <p:spPr>
-          <a:xfrm>
-            <a:off x="594360" y="936702"/>
-            <a:ext cx="7955280" cy="1293028"/>
-          </a:xfrm>
-        </p:spPr>
-        <p:txBody>
-          <a:bodyPr>
-            <a:normAutofit fontScale="90000"/>
-          </a:bodyPr>
-          <a:lstStyle/>
-          <a:p>
-            <a:r>
-              <a:rPr b="1" dirty="0"/>
-              <a:t>Dataverse – Secure Centralized Database</a:t>
-            </a:r>
-            <a:r>
-              <a:rPr lang="en-US" b="1" dirty="0"/>
-              <a:t>: How It Works</a:t>
-            </a:r>
-            <a:endParaRPr b="1" dirty="0"/>
-          </a:p>
-        </p:txBody>
-      </p:sp>
-      <p:graphicFrame>
-        <p:nvGraphicFramePr>
-          <p:cNvPr id="5" name="Content Placeholder 2">
-            <a:extLst>
-              <a:ext uri="{FF2B5EF4-FFF2-40B4-BE49-F238E27FC236}">
-                <a16:creationId xmlns:a16="http://schemas.microsoft.com/office/drawing/2014/main" id="{CB2932E7-548A-A015-6CD2-A864DB63EDD3}"/>
-              </a:ext>
-            </a:extLst>
-          </p:cNvPr>
-          <p:cNvGraphicFramePr>
-            <a:graphicFrameLocks noGrp="1"/>
-          </p:cNvGraphicFramePr>
-          <p:nvPr>
-            <p:ph idx="1"/>
-            <p:extLst>
-              <p:ext uri="{D42A27DB-BD31-4B8C-83A1-F6EECF244321}">
-                <p14:modId xmlns:p14="http://schemas.microsoft.com/office/powerpoint/2010/main" val="2633841508"/>
-              </p:ext>
-            </p:extLst>
-          </p:nvPr>
-        </p:nvGraphicFramePr>
-        <p:xfrm>
-          <a:off x="594360" y="2194560"/>
-          <a:ext cx="7955280" cy="4069080"/>
-        </p:xfrm>
-        <a:graphic>
-          <a:graphicData uri="http://schemas.openxmlformats.org/drawingml/2006/diagram">
-            <dgm:relIds xmlns:dgm="http://schemas.openxmlformats.org/drawingml/2006/diagram" xmlns:r="http://schemas.openxmlformats.org/officeDocument/2006/relationships" r:dm="rId2" r:lo="rId3" r:qs="rId4" r:cs="rId5"/>
-          </a:graphicData>
-        </a:graphic>
-      </p:graphicFrame>
-    </p:spTree>
-    <p:extLst>
-      <p:ext uri="{BB962C8B-B14F-4D97-AF65-F5344CB8AC3E}">
-        <p14:creationId xmlns:p14="http://schemas.microsoft.com/office/powerpoint/2010/main" val="3624737815"/>
-      </p:ext>
-    </p:extLst>
-  </p:cSld>
-  <p:clrMapOvr>
-    <a:masterClrMapping/>
-  </p:clrMapOvr>
-</p:sld>
-</file>
-
-<file path=ppt/slides/slide13.xml><?xml version="1.0" encoding="utf-8"?>
-<p:sld xmlns:a="http://schemas.openxmlformats.org/drawingml/2006/main" xmlns:r="http://schemas.openxmlformats.org/officeDocument/2006/relationships" xmlns:p="http://schemas.openxmlformats.org/presentationml/2006/main">
-  <p:cSld>
-    <p:spTree>
-      <p:nvGrpSpPr>
-        <p:cNvPr id="1" name="">
-          <a:extLst>
-            <a:ext uri="{FF2B5EF4-FFF2-40B4-BE49-F238E27FC236}">
-              <a16:creationId xmlns:a16="http://schemas.microsoft.com/office/drawing/2014/main" id="{AC23F181-E6BB-01D6-C414-FE25ABE17DF8}"/>
-            </a:ext>
-          </a:extLst>
-        </p:cNvPr>
-        <p:cNvGrpSpPr/>
-        <p:nvPr/>
-      </p:nvGrpSpPr>
-      <p:grpSpPr>
-        <a:xfrm>
-          <a:off x="0" y="0"/>
-          <a:ext cx="0" cy="0"/>
-          <a:chOff x="0" y="0"/>
-          <a:chExt cx="0" cy="0"/>
-        </a:xfrm>
-      </p:grpSpPr>
-      <p:sp>
-        <p:nvSpPr>
-          <p:cNvPr id="2" name="Title 1">
-            <a:extLst>
-              <a:ext uri="{FF2B5EF4-FFF2-40B4-BE49-F238E27FC236}">
-                <a16:creationId xmlns:a16="http://schemas.microsoft.com/office/drawing/2014/main" id="{49620C5A-2341-57FA-CC9C-22F15A2EC8A1}"/>
-              </a:ext>
-            </a:extLst>
-          </p:cNvPr>
-          <p:cNvSpPr>
-            <a:spLocks noGrp="1"/>
-          </p:cNvSpPr>
-          <p:nvPr>
-            <p:ph type="title"/>
-          </p:nvPr>
-        </p:nvSpPr>
-        <p:spPr/>
-        <p:txBody>
-          <a:bodyPr>
-            <a:normAutofit fontScale="90000"/>
-          </a:bodyPr>
-          <a:lstStyle/>
-          <a:p>
-            <a:r>
-              <a:rPr lang="en-US" dirty="0"/>
-              <a:t>Dataverse – Secure Centralized Database: Implementation Steps</a:t>
-            </a:r>
-            <a:br>
-              <a:rPr lang="en-US" dirty="0"/>
-            </a:br>
-            <a:endParaRPr lang="en-US" dirty="0"/>
-          </a:p>
-        </p:txBody>
-      </p:sp>
-      <p:graphicFrame>
-        <p:nvGraphicFramePr>
-          <p:cNvPr id="13" name="Content Placeholder 2">
-            <a:extLst>
-              <a:ext uri="{FF2B5EF4-FFF2-40B4-BE49-F238E27FC236}">
-                <a16:creationId xmlns:a16="http://schemas.microsoft.com/office/drawing/2014/main" id="{6616B280-FEFE-DD11-C1D6-D3D4005275A6}"/>
-              </a:ext>
-            </a:extLst>
-          </p:cNvPr>
-          <p:cNvGraphicFramePr>
-            <a:graphicFrameLocks noGrp="1"/>
-          </p:cNvGraphicFramePr>
-          <p:nvPr>
-            <p:ph idx="1"/>
-          </p:nvPr>
-        </p:nvGraphicFramePr>
-        <p:xfrm>
-          <a:off x="594360" y="2194560"/>
-          <a:ext cx="7955280" cy="4069080"/>
-        </p:xfrm>
-        <a:graphic>
-          <a:graphicData uri="http://schemas.openxmlformats.org/drawingml/2006/diagram">
-            <dgm:relIds xmlns:dgm="http://schemas.openxmlformats.org/drawingml/2006/diagram" xmlns:r="http://schemas.openxmlformats.org/officeDocument/2006/relationships" r:dm="rId2" r:lo="rId3" r:qs="rId4" r:cs="rId5"/>
-          </a:graphicData>
-        </a:graphic>
-      </p:graphicFrame>
-    </p:spTree>
-    <p:extLst>
-      <p:ext uri="{BB962C8B-B14F-4D97-AF65-F5344CB8AC3E}">
-        <p14:creationId xmlns:p14="http://schemas.microsoft.com/office/powerpoint/2010/main" val="561554684"/>
-      </p:ext>
-    </p:extLst>
-  </p:cSld>
-  <p:clrMapOvr>
-    <a:masterClrMapping/>
-  </p:clrMapOvr>
-</p:sld>
-</file>
-
-<file path=ppt/slides/slide14.xml><?xml version="1.0" encoding="utf-8"?>
-<p:sld xmlns:a="http://schemas.openxmlformats.org/drawingml/2006/main" xmlns:r="http://schemas.openxmlformats.org/officeDocument/2006/relationships" xmlns:p="http://schemas.openxmlformats.org/presentationml/2006/main">
-  <p:cSld>
-    <p:bg>
-      <p:bgPr>
-        <a:solidFill>
-          <a:schemeClr val="bg1"/>
-        </a:solidFill>
-        <a:effectLst/>
-      </p:bgPr>
-    </p:bg>
-    <p:spTree>
-      <p:nvGrpSpPr>
-        <p:cNvPr id="1" name=""/>
-        <p:cNvGrpSpPr/>
-        <p:nvPr/>
-      </p:nvGrpSpPr>
-      <p:grpSpPr>
-        <a:xfrm>
-          <a:off x="0" y="0"/>
-          <a:ext cx="0" cy="0"/>
-          <a:chOff x="0" y="0"/>
-          <a:chExt cx="0" cy="0"/>
-        </a:xfrm>
-      </p:grpSpPr>
-      <p:sp useBgFill="1">
-        <p:nvSpPr>
-          <p:cNvPr id="9" name="Rounded Rectangle 14">
-            <a:extLst>
-              <a:ext uri="{FF2B5EF4-FFF2-40B4-BE49-F238E27FC236}">
-                <a16:creationId xmlns:a16="http://schemas.microsoft.com/office/drawing/2014/main" id="{12CC1C37-8BC7-4374-8300-E73C369150D7}"/>
-              </a:ext>
-              <a:ext uri="{C183D7F6-B498-43B3-948B-1728B52AA6E4}">
-                <adec:decorative xmlns:adec="http://schemas.microsoft.com/office/drawing/2017/decorative" val="1"/>
-              </a:ext>
-            </a:extLst>
-          </p:cNvPr>
-          <p:cNvSpPr>
-            <a:spLocks noGrp="1" noRot="1" noChangeAspect="1" noMove="1" noResize="1" noEditPoints="1" noAdjustHandles="1" noChangeArrowheads="1" noChangeShapeType="1" noTextEdit="1"/>
-          </p:cNvSpPr>
-          <p:nvPr>
-            <p:extLst>
-              <p:ext uri="{386F3935-93C4-4BCD-93E2-E3B085C9AB24}">
-                <p16:designElem xmlns:p16="http://schemas.microsoft.com/office/powerpoint/2015/main" val="1"/>
-              </p:ext>
-            </p:extLst>
-          </p:nvPr>
-        </p:nvSpPr>
-        <p:spPr>
-          <a:xfrm>
-            <a:off x="3477006" y="0"/>
-            <a:ext cx="5666994" cy="6858000"/>
-          </a:xfrm>
-          <a:prstGeom prst="roundRect">
-            <a:avLst>
-              <a:gd name="adj" fmla="val 0"/>
-            </a:avLst>
-          </a:prstGeom>
-          <a:ln>
-            <a:noFill/>
-          </a:ln>
-          <a:effectLst/>
-        </p:spPr>
-        <p:style>
-          <a:lnRef idx="2">
-            <a:schemeClr val="accent1">
-              <a:shade val="50000"/>
-            </a:schemeClr>
-          </a:lnRef>
-          <a:fillRef idx="1">
-            <a:schemeClr val="accent1"/>
-          </a:fillRef>
-          <a:effectRef idx="0">
-            <a:schemeClr val="accent1"/>
-          </a:effectRef>
-          <a:fontRef idx="minor">
-            <a:schemeClr val="lt1"/>
-          </a:fontRef>
-        </p:style>
-        <p:txBody>
-          <a:bodyPr rtlCol="0" anchor="ctr"/>
-          <a:lstStyle/>
-          <a:p>
-            <a:pPr algn="ctr"/>
-            <a:endParaRPr lang="en-US"/>
-          </a:p>
-        </p:txBody>
-      </p:sp>
-      <p:sp>
-        <p:nvSpPr>
-          <p:cNvPr id="11" name="Rectangle 10">
-            <a:extLst>
-              <a:ext uri="{FF2B5EF4-FFF2-40B4-BE49-F238E27FC236}">
-                <a16:creationId xmlns:a16="http://schemas.microsoft.com/office/drawing/2014/main" id="{8CC82757-F96F-41CB-B2B8-49689F4362A3}"/>
-              </a:ext>
-              <a:ext uri="{C183D7F6-B498-43B3-948B-1728B52AA6E4}">
-                <adec:decorative xmlns:adec="http://schemas.microsoft.com/office/drawing/2017/decorative" val="1"/>
-              </a:ext>
-            </a:extLst>
-          </p:cNvPr>
-          <p:cNvSpPr>
-            <a:spLocks noGrp="1" noRot="1" noChangeAspect="1" noMove="1" noResize="1" noEditPoints="1" noAdjustHandles="1" noChangeArrowheads="1" noChangeShapeType="1" noTextEdit="1"/>
-          </p:cNvSpPr>
-          <p:nvPr>
-            <p:extLst>
-              <p:ext uri="{386F3935-93C4-4BCD-93E2-E3B085C9AB24}">
-                <p16:designElem xmlns:p16="http://schemas.microsoft.com/office/powerpoint/2015/main" val="1"/>
-              </p:ext>
-            </p:extLst>
-          </p:nvPr>
-        </p:nvSpPr>
-        <p:spPr>
-          <a:xfrm>
-            <a:off x="0" y="0"/>
-            <a:ext cx="3477006" cy="6858000"/>
-          </a:xfrm>
-          <a:prstGeom prst="rect">
-            <a:avLst/>
-          </a:prstGeom>
-          <a:solidFill>
-            <a:schemeClr val="tx1"/>
-          </a:solidFill>
-          <a:ln>
-            <a:noFill/>
-          </a:ln>
-          <a:effectLst>
-            <a:outerShdw blurRad="63500" dist="38100" algn="l" rotWithShape="0">
-              <a:prstClr val="black">
-                <a:alpha val="40000"/>
-              </a:prstClr>
-            </a:outerShdw>
-          </a:effectLst>
-        </p:spPr>
-        <p:style>
-          <a:lnRef idx="2">
-            <a:schemeClr val="accent1">
-              <a:shade val="50000"/>
-            </a:schemeClr>
-          </a:lnRef>
-          <a:fillRef idx="1">
-            <a:schemeClr val="accent1"/>
-          </a:fillRef>
-          <a:effectRef idx="0">
-            <a:schemeClr val="accent1"/>
-          </a:effectRef>
-          <a:fontRef idx="minor">
-            <a:schemeClr val="lt1"/>
-          </a:fontRef>
-        </p:style>
-        <p:txBody>
-          <a:bodyPr rtlCol="0" anchor="ctr"/>
-          <a:lstStyle/>
-          <a:p>
-            <a:pPr algn="ctr"/>
-            <a:endParaRPr lang="en-US"/>
-          </a:p>
-        </p:txBody>
-      </p:sp>
-      <p:pic>
-        <p:nvPicPr>
-          <p:cNvPr id="13" name="Picture 12">
-            <a:extLst>
-              <a:ext uri="{FF2B5EF4-FFF2-40B4-BE49-F238E27FC236}">
-                <a16:creationId xmlns:a16="http://schemas.microsoft.com/office/drawing/2014/main" id="{FA37F53D-999D-4551-B3F8-064DBF315562}"/>
-              </a:ext>
-              <a:ext uri="{C183D7F6-B498-43B3-948B-1728B52AA6E4}">
-                <adec:decorative xmlns:adec="http://schemas.microsoft.com/office/drawing/2017/decorative" val="1"/>
-              </a:ext>
-            </a:extLst>
-          </p:cNvPr>
-          <p:cNvPicPr>
-            <a:picLocks noGrp="1" noRot="1" noChangeAspect="1" noMove="1" noResize="1" noEditPoints="1" noAdjustHandles="1" noChangeArrowheads="1" noChangeShapeType="1" noCrop="1"/>
-          </p:cNvPicPr>
-          <p:nvPr>
-            <p:extLst>
-              <p:ext uri="{386F3935-93C4-4BCD-93E2-E3B085C9AB24}">
-                <p16:designElem xmlns:p16="http://schemas.microsoft.com/office/powerpoint/2015/main" val="1"/>
-              </p:ext>
-            </p:extLst>
-          </p:nvPr>
-        </p:nvPicPr>
-        <p:blipFill rotWithShape="1">
-          <a:blip r:embed="rId2">
-            <a:extLst>
-              <a:ext uri="{28A0092B-C50C-407E-A947-70E740481C1C}">
-                <a14:useLocalDpi xmlns:a14="http://schemas.microsoft.com/office/drawing/2010/main" val="0"/>
-              </a:ext>
-            </a:extLst>
-          </a:blip>
-          <a:srcRect r="61975"/>
-          <a:stretch/>
-        </p:blipFill>
-        <p:spPr>
-          <a:xfrm>
-            <a:off x="0" y="0"/>
-            <a:ext cx="3477006" cy="1441450"/>
-          </a:xfrm>
-          <a:prstGeom prst="rect">
-            <a:avLst/>
-          </a:prstGeom>
-        </p:spPr>
-      </p:pic>
-      <p:pic>
-        <p:nvPicPr>
-          <p:cNvPr id="15" name="Picture 14">
-            <a:extLst>
-              <a:ext uri="{FF2B5EF4-FFF2-40B4-BE49-F238E27FC236}">
-                <a16:creationId xmlns:a16="http://schemas.microsoft.com/office/drawing/2014/main" id="{A9C99389-A1E4-4A6F-BF8E-9013FF049140}"/>
-              </a:ext>
-              <a:ext uri="{C183D7F6-B498-43B3-948B-1728B52AA6E4}">
-                <adec:decorative xmlns:adec="http://schemas.microsoft.com/office/drawing/2017/decorative" val="1"/>
-              </a:ext>
-            </a:extLst>
-          </p:cNvPr>
-          <p:cNvPicPr>
-            <a:picLocks noGrp="1" noRot="1" noChangeAspect="1" noMove="1" noResize="1" noEditPoints="1" noAdjustHandles="1" noChangeArrowheads="1" noChangeShapeType="1" noCrop="1"/>
-          </p:cNvPicPr>
-          <p:nvPr>
-            <p:extLst>
-              <p:ext uri="{386F3935-93C4-4BCD-93E2-E3B085C9AB24}">
-                <p16:designElem xmlns:p16="http://schemas.microsoft.com/office/powerpoint/2015/main" val="1"/>
-              </p:ext>
-            </p:extLst>
-          </p:nvPr>
-        </p:nvPicPr>
-        <p:blipFill rotWithShape="1">
-          <a:blip r:embed="rId3">
-            <a:extLst>
-              <a:ext uri="{28A0092B-C50C-407E-A947-70E740481C1C}">
-                <a14:useLocalDpi xmlns:a14="http://schemas.microsoft.com/office/drawing/2010/main" val="0"/>
-              </a:ext>
-            </a:extLst>
-          </a:blip>
-          <a:srcRect r="61975"/>
-          <a:stretch/>
-        </p:blipFill>
-        <p:spPr>
-          <a:xfrm>
-            <a:off x="0" y="4375150"/>
-            <a:ext cx="3477006" cy="2482850"/>
-          </a:xfrm>
-          <a:prstGeom prst="rect">
-            <a:avLst/>
-          </a:prstGeom>
-        </p:spPr>
-      </p:pic>
-      <p:sp>
-        <p:nvSpPr>
-          <p:cNvPr id="2" name="Title 1">
-            <a:extLst>
-              <a:ext uri="{FF2B5EF4-FFF2-40B4-BE49-F238E27FC236}">
-                <a16:creationId xmlns:a16="http://schemas.microsoft.com/office/drawing/2014/main" id="{64C4AD8C-0027-2E3A-BE9C-33FE53381887}"/>
-              </a:ext>
-            </a:extLst>
-          </p:cNvPr>
-          <p:cNvSpPr>
-            <a:spLocks noGrp="1"/>
-          </p:cNvSpPr>
-          <p:nvPr>
-            <p:ph type="title"/>
-          </p:nvPr>
-        </p:nvSpPr>
-        <p:spPr>
-          <a:xfrm>
-            <a:off x="514350" y="1066163"/>
-            <a:ext cx="2480058" cy="5148371"/>
-          </a:xfrm>
-        </p:spPr>
-        <p:txBody>
-          <a:bodyPr>
-            <a:normAutofit/>
-          </a:bodyPr>
-          <a:lstStyle/>
-          <a:p>
-            <a:pPr algn="ctr"/>
-            <a:r>
-              <a:rPr lang="en-US" sz="2800" b="1" dirty="0">
-                <a:solidFill>
-                  <a:schemeClr val="bg1"/>
-                </a:solidFill>
-              </a:rPr>
-              <a:t>Challenges &amp; </a:t>
-            </a:r>
-            <a:r>
-              <a:rPr lang="en-US" sz="2800" b="1" dirty="0" err="1">
-                <a:solidFill>
-                  <a:schemeClr val="bg1"/>
-                </a:solidFill>
-              </a:rPr>
-              <a:t>MitigatioN</a:t>
-            </a:r>
-            <a:endParaRPr lang="en-US" sz="2800" dirty="0">
-              <a:solidFill>
-                <a:schemeClr val="bg1"/>
-              </a:solidFill>
-            </a:endParaRPr>
-          </a:p>
-        </p:txBody>
-      </p:sp>
-      <p:graphicFrame>
-        <p:nvGraphicFramePr>
-          <p:cNvPr id="4" name="Content Placeholder 3">
-            <a:extLst>
-              <a:ext uri="{FF2B5EF4-FFF2-40B4-BE49-F238E27FC236}">
-                <a16:creationId xmlns:a16="http://schemas.microsoft.com/office/drawing/2014/main" id="{63516887-2816-F689-292F-C860919B9168}"/>
-              </a:ext>
-            </a:extLst>
-          </p:cNvPr>
-          <p:cNvGraphicFramePr>
-            <a:graphicFrameLocks noGrp="1"/>
-          </p:cNvGraphicFramePr>
-          <p:nvPr>
-            <p:ph idx="1"/>
-            <p:extLst>
-              <p:ext uri="{D42A27DB-BD31-4B8C-83A1-F6EECF244321}">
-                <p14:modId xmlns:p14="http://schemas.microsoft.com/office/powerpoint/2010/main" val="1237559882"/>
-              </p:ext>
-            </p:extLst>
-          </p:nvPr>
-        </p:nvGraphicFramePr>
-        <p:xfrm>
-          <a:off x="3959604" y="2068131"/>
-          <a:ext cx="4717670" cy="3066186"/>
-        </p:xfrm>
-        <a:graphic>
-          <a:graphicData uri="http://schemas.openxmlformats.org/drawingml/2006/table">
-            <a:tbl>
-              <a:tblPr/>
-              <a:tblGrid>
-                <a:gridCol w="2352257">
-                  <a:extLst>
-                    <a:ext uri="{9D8B030D-6E8A-4147-A177-3AD203B41FA5}">
-                      <a16:colId xmlns:a16="http://schemas.microsoft.com/office/drawing/2014/main" val="673185302"/>
-                    </a:ext>
-                  </a:extLst>
-                </a:gridCol>
-                <a:gridCol w="2365413">
-                  <a:extLst>
-                    <a:ext uri="{9D8B030D-6E8A-4147-A177-3AD203B41FA5}">
-                      <a16:colId xmlns:a16="http://schemas.microsoft.com/office/drawing/2014/main" val="3067140295"/>
-                    </a:ext>
-                  </a:extLst>
-                </a:gridCol>
-              </a:tblGrid>
-              <a:tr h="416764">
-                <a:tc>
-                  <a:txBody>
-                    <a:bodyPr/>
-                    <a:lstStyle/>
-                    <a:p>
-                      <a:r>
-                        <a:rPr lang="en-US" sz="1900" b="1"/>
-                        <a:t>Challenge</a:t>
-                      </a:r>
-                      <a:endParaRPr lang="en-US" sz="1900"/>
-                    </a:p>
-                  </a:txBody>
-                  <a:tcPr marL="94705" marR="94705" marT="47352" marB="47352" anchor="ctr">
-                    <a:lnL>
-                      <a:noFill/>
-                    </a:lnL>
-                    <a:lnR>
-                      <a:noFill/>
-                    </a:lnR>
-                    <a:lnT>
-                      <a:noFill/>
-                    </a:lnT>
-                    <a:lnB>
-                      <a:noFill/>
-                    </a:lnB>
-                    <a:noFill/>
-                  </a:tcPr>
-                </a:tc>
-                <a:tc>
-                  <a:txBody>
-                    <a:bodyPr/>
-                    <a:lstStyle/>
-                    <a:p>
-                      <a:r>
-                        <a:rPr lang="en-US" sz="1900" b="1"/>
-                        <a:t>Solution</a:t>
-                      </a:r>
-                      <a:endParaRPr lang="en-US" sz="1900"/>
-                    </a:p>
-                  </a:txBody>
-                  <a:tcPr marL="94705" marR="94705" marT="47352" marB="47352" anchor="ctr">
-                    <a:lnL>
-                      <a:noFill/>
-                    </a:lnL>
-                    <a:lnR>
-                      <a:noFill/>
-                    </a:lnR>
-                    <a:lnT>
-                      <a:noFill/>
-                    </a:lnT>
-                    <a:lnB>
-                      <a:noFill/>
-                    </a:lnB>
-                    <a:noFill/>
-                  </a:tcPr>
-                </a:tc>
-                <a:extLst>
-                  <a:ext uri="{0D108BD9-81ED-4DB2-BD59-A6C34878D82A}">
-                    <a16:rowId xmlns:a16="http://schemas.microsoft.com/office/drawing/2014/main" val="3973008383"/>
-                  </a:ext>
-                </a:extLst>
-              </a:tr>
-              <a:tr h="700934">
-                <a:tc>
-                  <a:txBody>
-                    <a:bodyPr/>
-                    <a:lstStyle/>
-                    <a:p>
-                      <a:r>
-                        <a:rPr lang="en-US" sz="1900"/>
-                        <a:t>Initial setup complexity</a:t>
-                      </a:r>
-                    </a:p>
-                  </a:txBody>
-                  <a:tcPr marL="94705" marR="94705" marT="47352" marB="47352" anchor="ctr">
-                    <a:lnL>
-                      <a:noFill/>
-                    </a:lnL>
-                    <a:lnR>
-                      <a:noFill/>
-                    </a:lnR>
-                    <a:lnT>
-                      <a:noFill/>
-                    </a:lnT>
-                    <a:lnB>
-                      <a:noFill/>
-                    </a:lnB>
-                    <a:noFill/>
-                  </a:tcPr>
-                </a:tc>
-                <a:tc>
-                  <a:txBody>
-                    <a:bodyPr/>
-                    <a:lstStyle/>
-                    <a:p>
-                      <a:r>
-                        <a:rPr lang="en-US" sz="1900"/>
-                        <a:t>Hands-on training &amp; documentation</a:t>
-                      </a:r>
-                    </a:p>
-                  </a:txBody>
-                  <a:tcPr marL="94705" marR="94705" marT="47352" marB="47352" anchor="ctr">
-                    <a:lnL>
-                      <a:noFill/>
-                    </a:lnL>
-                    <a:lnR>
-                      <a:noFill/>
-                    </a:lnR>
-                    <a:lnT>
-                      <a:noFill/>
-                    </a:lnT>
-                    <a:lnB>
-                      <a:noFill/>
-                    </a:lnB>
-                    <a:noFill/>
-                  </a:tcPr>
-                </a:tc>
-                <a:extLst>
-                  <a:ext uri="{0D108BD9-81ED-4DB2-BD59-A6C34878D82A}">
-                    <a16:rowId xmlns:a16="http://schemas.microsoft.com/office/drawing/2014/main" val="988191705"/>
-                  </a:ext>
-                </a:extLst>
-              </a:tr>
-              <a:tr h="985104">
-                <a:tc>
-                  <a:txBody>
-                    <a:bodyPr/>
-                    <a:lstStyle/>
-                    <a:p>
-                      <a:r>
-                        <a:rPr lang="en-US" sz="1900"/>
-                        <a:t>Employee adoption resistance</a:t>
-                      </a:r>
-                    </a:p>
-                  </a:txBody>
-                  <a:tcPr marL="94705" marR="94705" marT="47352" marB="47352" anchor="ctr">
-                    <a:lnL>
-                      <a:noFill/>
-                    </a:lnL>
-                    <a:lnR>
-                      <a:noFill/>
-                    </a:lnR>
-                    <a:lnT>
-                      <a:noFill/>
-                    </a:lnT>
-                    <a:lnB>
-                      <a:noFill/>
-                    </a:lnB>
-                    <a:noFill/>
-                  </a:tcPr>
-                </a:tc>
-                <a:tc>
-                  <a:txBody>
-                    <a:bodyPr/>
-                    <a:lstStyle/>
-                    <a:p>
-                      <a:r>
-                        <a:rPr lang="en-US" sz="1900"/>
-                        <a:t>Interactive workshops &amp; user-friendly design</a:t>
-                      </a:r>
-                    </a:p>
-                  </a:txBody>
-                  <a:tcPr marL="94705" marR="94705" marT="47352" marB="47352" anchor="ctr">
-                    <a:lnL>
-                      <a:noFill/>
-                    </a:lnL>
-                    <a:lnR>
-                      <a:noFill/>
-                    </a:lnR>
-                    <a:lnT>
-                      <a:noFill/>
-                    </a:lnT>
-                    <a:lnB>
-                      <a:noFill/>
-                    </a:lnB>
-                    <a:noFill/>
-                  </a:tcPr>
-                </a:tc>
-                <a:extLst>
-                  <a:ext uri="{0D108BD9-81ED-4DB2-BD59-A6C34878D82A}">
-                    <a16:rowId xmlns:a16="http://schemas.microsoft.com/office/drawing/2014/main" val="1993817898"/>
-                  </a:ext>
-                </a:extLst>
-              </a:tr>
-              <a:tr h="700934">
-                <a:tc>
-                  <a:txBody>
-                    <a:bodyPr/>
-                    <a:lstStyle/>
-                    <a:p>
-                      <a:r>
-                        <a:rPr lang="en-US" sz="1900"/>
-                        <a:t>Data migration concerns</a:t>
-                      </a:r>
-                    </a:p>
-                  </a:txBody>
-                  <a:tcPr marL="94705" marR="94705" marT="47352" marB="47352" anchor="ctr">
-                    <a:lnL>
-                      <a:noFill/>
-                    </a:lnL>
-                    <a:lnR>
-                      <a:noFill/>
-                    </a:lnR>
-                    <a:lnT>
-                      <a:noFill/>
-                    </a:lnT>
-                    <a:lnB>
-                      <a:noFill/>
-                    </a:lnB>
-                    <a:noFill/>
-                  </a:tcPr>
-                </a:tc>
-                <a:tc>
-                  <a:txBody>
-                    <a:bodyPr/>
-                    <a:lstStyle/>
-                    <a:p>
-                      <a:r>
-                        <a:rPr lang="en-US" sz="1900"/>
-                        <a:t>Gradual rollout with data integrity checks</a:t>
-                      </a:r>
-                    </a:p>
-                  </a:txBody>
-                  <a:tcPr marL="94705" marR="94705" marT="47352" marB="47352" anchor="ctr">
-                    <a:lnL>
-                      <a:noFill/>
-                    </a:lnL>
-                    <a:lnR>
-                      <a:noFill/>
-                    </a:lnR>
-                    <a:lnT>
-                      <a:noFill/>
-                    </a:lnT>
-                    <a:lnB>
-                      <a:noFill/>
-                    </a:lnB>
-                    <a:noFill/>
-                  </a:tcPr>
-                </a:tc>
-                <a:extLst>
-                  <a:ext uri="{0D108BD9-81ED-4DB2-BD59-A6C34878D82A}">
-                    <a16:rowId xmlns:a16="http://schemas.microsoft.com/office/drawing/2014/main" val="2075041435"/>
-                  </a:ext>
-                </a:extLst>
-              </a:tr>
-            </a:tbl>
-          </a:graphicData>
-        </a:graphic>
-      </p:graphicFrame>
-    </p:spTree>
-    <p:extLst>
-      <p:ext uri="{BB962C8B-B14F-4D97-AF65-F5344CB8AC3E}">
-        <p14:creationId xmlns:p14="http://schemas.microsoft.com/office/powerpoint/2010/main" val="1997266090"/>
-      </p:ext>
-    </p:extLst>
-  </p:cSld>
-  <p:clrMapOvr>
-    <a:masterClrMapping/>
-  </p:clrMapOvr>
-</p:sld>
-</file>
-
-<file path=ppt/slides/slide15.xml><?xml version="1.0" encoding="utf-8"?>
-<p:sld xmlns:a="http://schemas.openxmlformats.org/drawingml/2006/main" xmlns:r="http://schemas.openxmlformats.org/officeDocument/2006/relationships" xmlns:p="http://schemas.openxmlformats.org/presentationml/2006/main">
-  <p:cSld>
-    <p:spTree>
-      <p:nvGrpSpPr>
-        <p:cNvPr id="1" name=""/>
-        <p:cNvGrpSpPr/>
-        <p:nvPr/>
-      </p:nvGrpSpPr>
-      <p:grpSpPr>
-        <a:xfrm>
-          <a:off x="0" y="0"/>
-          <a:ext cx="0" cy="0"/>
-          <a:chOff x="0" y="0"/>
-          <a:chExt cx="0" cy="0"/>
-        </a:xfrm>
-      </p:grpSpPr>
-      <p:sp>
-        <p:nvSpPr>
-          <p:cNvPr id="2" name="Title 1"/>
-          <p:cNvSpPr>
-            <a:spLocks noGrp="1"/>
-          </p:cNvSpPr>
-          <p:nvPr>
-            <p:ph type="title"/>
-          </p:nvPr>
-        </p:nvSpPr>
-        <p:spPr>
-          <a:xfrm>
-            <a:off x="2171700" y="0"/>
-            <a:ext cx="6457950" cy="1293028"/>
-          </a:xfrm>
-        </p:spPr>
-        <p:txBody>
-          <a:bodyPr>
-            <a:normAutofit/>
-          </a:bodyPr>
-          <a:lstStyle/>
-          <a:p>
-            <a:r>
-              <a:rPr dirty="0"/>
-              <a:t>Benefits &amp; ROI</a:t>
-            </a:r>
-          </a:p>
-        </p:txBody>
-      </p:sp>
-      <p:graphicFrame>
-        <p:nvGraphicFramePr>
-          <p:cNvPr id="5" name="Content Placeholder 2">
-            <a:extLst>
-              <a:ext uri="{FF2B5EF4-FFF2-40B4-BE49-F238E27FC236}">
-                <a16:creationId xmlns:a16="http://schemas.microsoft.com/office/drawing/2014/main" id="{FCEF7B91-DF42-FB3E-E751-0C2F39A0FA76}"/>
-              </a:ext>
-            </a:extLst>
-          </p:cNvPr>
-          <p:cNvGraphicFramePr>
-            <a:graphicFrameLocks noGrp="1"/>
-          </p:cNvGraphicFramePr>
-          <p:nvPr>
-            <p:ph idx="1"/>
-            <p:extLst>
-              <p:ext uri="{D42A27DB-BD31-4B8C-83A1-F6EECF244321}">
-                <p14:modId xmlns:p14="http://schemas.microsoft.com/office/powerpoint/2010/main" val="4173446947"/>
-              </p:ext>
-            </p:extLst>
-          </p:nvPr>
-        </p:nvGraphicFramePr>
-        <p:xfrm>
-          <a:off x="514350" y="1385888"/>
-          <a:ext cx="8115300" cy="5072062"/>
-        </p:xfrm>
-        <a:graphic>
-          <a:graphicData uri="http://schemas.openxmlformats.org/drawingml/2006/diagram">
-            <dgm:relIds xmlns:dgm="http://schemas.openxmlformats.org/drawingml/2006/diagram" xmlns:r="http://schemas.openxmlformats.org/officeDocument/2006/relationships" r:dm="rId2" r:lo="rId3" r:qs="rId4" r:cs="rId5"/>
-          </a:graphicData>
-        </a:graphic>
-      </p:graphicFrame>
-    </p:spTree>
-  </p:cSld>
-  <p:clrMapOvr>
-    <a:masterClrMapping/>
-  </p:clrMapOvr>
-</p:sld>
-</file>
-
-<file path=ppt/slides/slide16.xml><?xml version="1.0" encoding="utf-8"?>
-<p:sld xmlns:a="http://schemas.openxmlformats.org/drawingml/2006/main" xmlns:r="http://schemas.openxmlformats.org/officeDocument/2006/relationships" xmlns:p="http://schemas.openxmlformats.org/presentationml/2006/main">
-  <p:cSld>
-    <p:spTree>
-      <p:nvGrpSpPr>
-        <p:cNvPr id="1" name=""/>
-        <p:cNvGrpSpPr/>
-        <p:nvPr/>
-      </p:nvGrpSpPr>
-      <p:grpSpPr>
-        <a:xfrm>
-          <a:off x="0" y="0"/>
-          <a:ext cx="0" cy="0"/>
-          <a:chOff x="0" y="0"/>
-          <a:chExt cx="0" cy="0"/>
-        </a:xfrm>
-      </p:grpSpPr>
-      <p:sp>
-        <p:nvSpPr>
-          <p:cNvPr id="2" name="Title 1"/>
-          <p:cNvSpPr>
-            <a:spLocks noGrp="1"/>
-          </p:cNvSpPr>
-          <p:nvPr>
-            <p:ph type="title"/>
-          </p:nvPr>
-        </p:nvSpPr>
-        <p:spPr>
-          <a:xfrm>
-            <a:off x="911543" y="2571750"/>
-            <a:ext cx="6377940" cy="2386013"/>
-          </a:xfrm>
-        </p:spPr>
-        <p:txBody>
-          <a:bodyPr>
-            <a:normAutofit/>
-          </a:bodyPr>
-          <a:lstStyle/>
-          <a:p>
-            <a:r>
-              <a:rPr lang="en-US" sz="5400" b="1" dirty="0">
-                <a:latin typeface="Lucida Handwriting" panose="03010101010101010101" pitchFamily="66" charset="0"/>
-              </a:rPr>
-              <a:t>THANK YOU</a:t>
-            </a:r>
-            <a:endParaRPr sz="5400" b="1" dirty="0">
-              <a:latin typeface="Lucida Handwriting" panose="03010101010101010101" pitchFamily="66" charset="0"/>
-            </a:endParaRPr>
-          </a:p>
-        </p:txBody>
-      </p:sp>
-    </p:spTree>
-  </p:cSld>
-  <p:clrMapOvr>
-    <a:masterClrMapping/>
-  </p:clrMapOvr>
-</p:sld>
-</file>
-
-<file path=ppt/slides/slide2.xml><?xml version="1.0" encoding="utf-8"?>
-<p:sld xmlns:a="http://schemas.openxmlformats.org/drawingml/2006/main" xmlns:r="http://schemas.openxmlformats.org/officeDocument/2006/relationships" xmlns:p="http://schemas.openxmlformats.org/presentationml/2006/main">
-  <p:cSld>
-    <p:spTree>
-      <p:nvGrpSpPr>
-        <p:cNvPr id="1" name=""/>
-        <p:cNvGrpSpPr/>
-        <p:nvPr/>
-      </p:nvGrpSpPr>
-      <p:grpSpPr>
-        <a:xfrm>
-          <a:off x="0" y="0"/>
-          <a:ext cx="0" cy="0"/>
-          <a:chOff x="0" y="0"/>
-          <a:chExt cx="0" cy="0"/>
-        </a:xfrm>
-      </p:grpSpPr>
-      <p:sp useBgFill="1">
-        <p:nvSpPr>
-          <p:cNvPr id="10" name="Rounded Rectangle 14">
-            <a:extLst>
-              <a:ext uri="{FF2B5EF4-FFF2-40B4-BE49-F238E27FC236}">
-                <a16:creationId xmlns:a16="http://schemas.microsoft.com/office/drawing/2014/main" id="{12CC1C37-8BC7-4374-8300-E73C369150D7}"/>
-              </a:ext>
-              <a:ext uri="{C183D7F6-B498-43B3-948B-1728B52AA6E4}">
-                <adec:decorative xmlns:adec="http://schemas.microsoft.com/office/drawing/2017/decorative" val="1"/>
-              </a:ext>
-            </a:extLst>
-          </p:cNvPr>
-          <p:cNvSpPr>
-            <a:spLocks noGrp="1" noRot="1" noChangeAspect="1" noMove="1" noResize="1" noEditPoints="1" noAdjustHandles="1" noChangeArrowheads="1" noChangeShapeType="1" noTextEdit="1"/>
-          </p:cNvSpPr>
-          <p:nvPr>
-            <p:extLst>
-              <p:ext uri="{386F3935-93C4-4BCD-93E2-E3B085C9AB24}">
-                <p16:designElem xmlns:p16="http://schemas.microsoft.com/office/powerpoint/2015/main" val="1"/>
-              </p:ext>
-            </p:extLst>
-          </p:nvPr>
-        </p:nvSpPr>
-        <p:spPr>
-          <a:xfrm>
-            <a:off x="3477006" y="0"/>
-            <a:ext cx="5666994" cy="6858000"/>
-          </a:xfrm>
-          <a:prstGeom prst="roundRect">
-            <a:avLst>
-              <a:gd name="adj" fmla="val 0"/>
-            </a:avLst>
-          </a:prstGeom>
-          <a:ln>
-            <a:noFill/>
-          </a:ln>
-          <a:effectLst/>
-        </p:spPr>
-        <p:style>
-          <a:lnRef idx="2">
-            <a:schemeClr val="accent1">
-              <a:shade val="50000"/>
-            </a:schemeClr>
-          </a:lnRef>
-          <a:fillRef idx="1">
-            <a:schemeClr val="accent1"/>
-          </a:fillRef>
-          <a:effectRef idx="0">
-            <a:schemeClr val="accent1"/>
-          </a:effectRef>
-          <a:fontRef idx="minor">
-            <a:schemeClr val="lt1"/>
-          </a:fontRef>
-        </p:style>
-        <p:txBody>
-          <a:bodyPr rtlCol="0" anchor="ctr"/>
-          <a:lstStyle/>
-          <a:p>
-            <a:pPr algn="ctr"/>
-            <a:endParaRPr lang="en-US"/>
-          </a:p>
-        </p:txBody>
-      </p:sp>
-      <p:sp>
-        <p:nvSpPr>
-          <p:cNvPr id="11" name="Rectangle 10">
-            <a:extLst>
-              <a:ext uri="{FF2B5EF4-FFF2-40B4-BE49-F238E27FC236}">
-                <a16:creationId xmlns:a16="http://schemas.microsoft.com/office/drawing/2014/main" id="{8CC82757-F96F-41CB-B2B8-49689F4362A3}"/>
-              </a:ext>
-              <a:ext uri="{C183D7F6-B498-43B3-948B-1728B52AA6E4}">
-                <adec:decorative xmlns:adec="http://schemas.microsoft.com/office/drawing/2017/decorative" val="1"/>
-              </a:ext>
-            </a:extLst>
-          </p:cNvPr>
-          <p:cNvSpPr>
-            <a:spLocks noGrp="1" noRot="1" noChangeAspect="1" noMove="1" noResize="1" noEditPoints="1" noAdjustHandles="1" noChangeArrowheads="1" noChangeShapeType="1" noTextEdit="1"/>
-          </p:cNvSpPr>
-          <p:nvPr>
-            <p:extLst>
-              <p:ext uri="{386F3935-93C4-4BCD-93E2-E3B085C9AB24}">
-                <p16:designElem xmlns:p16="http://schemas.microsoft.com/office/powerpoint/2015/main" val="1"/>
-              </p:ext>
-            </p:extLst>
-          </p:nvPr>
-        </p:nvSpPr>
-        <p:spPr>
-          <a:xfrm>
-            <a:off x="0" y="0"/>
-            <a:ext cx="3477006" cy="6858000"/>
-          </a:xfrm>
-          <a:prstGeom prst="rect">
-            <a:avLst/>
-          </a:prstGeom>
-          <a:solidFill>
-            <a:schemeClr val="tx1"/>
-          </a:solidFill>
-          <a:ln>
-            <a:noFill/>
-          </a:ln>
-          <a:effectLst>
-            <a:outerShdw blurRad="63500" dist="38100" algn="l" rotWithShape="0">
-              <a:prstClr val="black">
-                <a:alpha val="40000"/>
-              </a:prstClr>
-            </a:outerShdw>
-          </a:effectLst>
-        </p:spPr>
-        <p:style>
-          <a:lnRef idx="2">
-            <a:schemeClr val="accent1">
-              <a:shade val="50000"/>
-            </a:schemeClr>
-          </a:lnRef>
-          <a:fillRef idx="1">
-            <a:schemeClr val="accent1"/>
-          </a:fillRef>
-          <a:effectRef idx="0">
-            <a:schemeClr val="accent1"/>
-          </a:effectRef>
-          <a:fontRef idx="minor">
-            <a:schemeClr val="lt1"/>
-          </a:fontRef>
-        </p:style>
-        <p:txBody>
-          <a:bodyPr rtlCol="0" anchor="ctr"/>
-          <a:lstStyle/>
-          <a:p>
-            <a:pPr algn="ctr"/>
-            <a:endParaRPr lang="en-US"/>
-          </a:p>
-        </p:txBody>
-      </p:sp>
-      <p:pic>
-        <p:nvPicPr>
-          <p:cNvPr id="14" name="Picture 13">
-            <a:extLst>
-              <a:ext uri="{FF2B5EF4-FFF2-40B4-BE49-F238E27FC236}">
-                <a16:creationId xmlns:a16="http://schemas.microsoft.com/office/drawing/2014/main" id="{FA37F53D-999D-4551-B3F8-064DBF315562}"/>
-              </a:ext>
-              <a:ext uri="{C183D7F6-B498-43B3-948B-1728B52AA6E4}">
-                <adec:decorative xmlns:adec="http://schemas.microsoft.com/office/drawing/2017/decorative" val="1"/>
-              </a:ext>
-            </a:extLst>
-          </p:cNvPr>
-          <p:cNvPicPr>
-            <a:picLocks noGrp="1" noRot="1" noChangeAspect="1" noMove="1" noResize="1" noEditPoints="1" noAdjustHandles="1" noChangeArrowheads="1" noChangeShapeType="1" noCrop="1"/>
-          </p:cNvPicPr>
-          <p:nvPr>
-            <p:extLst>
-              <p:ext uri="{386F3935-93C4-4BCD-93E2-E3B085C9AB24}">
-                <p16:designElem xmlns:p16="http://schemas.microsoft.com/office/powerpoint/2015/main" val="1"/>
-              </p:ext>
-            </p:extLst>
-          </p:nvPr>
-        </p:nvPicPr>
-        <p:blipFill rotWithShape="1">
-          <a:blip r:embed="rId2">
-            <a:extLst>
-              <a:ext uri="{28A0092B-C50C-407E-A947-70E740481C1C}">
-                <a14:useLocalDpi xmlns:a14="http://schemas.microsoft.com/office/drawing/2010/main" val="0"/>
-              </a:ext>
-            </a:extLst>
-          </a:blip>
-          <a:srcRect r="61975"/>
-          <a:stretch/>
-        </p:blipFill>
-        <p:spPr>
-          <a:xfrm>
-            <a:off x="0" y="0"/>
-            <a:ext cx="3477006" cy="1441450"/>
-          </a:xfrm>
-          <a:prstGeom prst="rect">
-            <a:avLst/>
-          </a:prstGeom>
-        </p:spPr>
-      </p:pic>
-      <p:pic>
-        <p:nvPicPr>
-          <p:cNvPr id="16" name="Picture 15">
-            <a:extLst>
-              <a:ext uri="{FF2B5EF4-FFF2-40B4-BE49-F238E27FC236}">
-                <a16:creationId xmlns:a16="http://schemas.microsoft.com/office/drawing/2014/main" id="{A9C99389-A1E4-4A6F-BF8E-9013FF049140}"/>
-              </a:ext>
-              <a:ext uri="{C183D7F6-B498-43B3-948B-1728B52AA6E4}">
-                <adec:decorative xmlns:adec="http://schemas.microsoft.com/office/drawing/2017/decorative" val="1"/>
-              </a:ext>
-            </a:extLst>
-          </p:cNvPr>
-          <p:cNvPicPr>
-            <a:picLocks noGrp="1" noRot="1" noChangeAspect="1" noMove="1" noResize="1" noEditPoints="1" noAdjustHandles="1" noChangeArrowheads="1" noChangeShapeType="1" noCrop="1"/>
-          </p:cNvPicPr>
-          <p:nvPr>
-            <p:extLst>
-              <p:ext uri="{386F3935-93C4-4BCD-93E2-E3B085C9AB24}">
-                <p16:designElem xmlns:p16="http://schemas.microsoft.com/office/powerpoint/2015/main" val="1"/>
-              </p:ext>
-            </p:extLst>
-          </p:nvPr>
-        </p:nvPicPr>
-        <p:blipFill rotWithShape="1">
-          <a:blip r:embed="rId3">
-            <a:extLst>
-              <a:ext uri="{28A0092B-C50C-407E-A947-70E740481C1C}">
-                <a14:useLocalDpi xmlns:a14="http://schemas.microsoft.com/office/drawing/2010/main" val="0"/>
-              </a:ext>
-            </a:extLst>
-          </a:blip>
-          <a:srcRect r="61975"/>
-          <a:stretch/>
-        </p:blipFill>
-        <p:spPr>
-          <a:xfrm>
-            <a:off x="0" y="4375150"/>
-            <a:ext cx="3477006" cy="2482850"/>
-          </a:xfrm>
-          <a:prstGeom prst="rect">
-            <a:avLst/>
-          </a:prstGeom>
-        </p:spPr>
-      </p:pic>
-      <p:sp>
-        <p:nvSpPr>
-          <p:cNvPr id="2" name="Title 1"/>
-          <p:cNvSpPr>
-            <a:spLocks noGrp="1"/>
-          </p:cNvSpPr>
-          <p:nvPr>
-            <p:ph type="title"/>
-          </p:nvPr>
-        </p:nvSpPr>
-        <p:spPr>
-          <a:xfrm>
-            <a:off x="514350" y="1066163"/>
-            <a:ext cx="2480058" cy="5148371"/>
-          </a:xfrm>
-        </p:spPr>
-        <p:txBody>
-          <a:bodyPr>
-            <a:normAutofit/>
-          </a:bodyPr>
-          <a:lstStyle/>
-          <a:p>
-            <a:r>
-              <a:rPr lang="en-US" sz="2800">
-                <a:solidFill>
-                  <a:schemeClr val="bg1"/>
-                </a:solidFill>
-              </a:rPr>
-              <a:t>Company’s Current Challenge &amp; solution</a:t>
-            </a:r>
-          </a:p>
-        </p:txBody>
-      </p:sp>
-      <p:graphicFrame>
-        <p:nvGraphicFramePr>
-          <p:cNvPr id="5" name="Content Placeholder 2">
-            <a:extLst>
-              <a:ext uri="{FF2B5EF4-FFF2-40B4-BE49-F238E27FC236}">
-                <a16:creationId xmlns:a16="http://schemas.microsoft.com/office/drawing/2014/main" id="{1879A314-A337-3CAE-4105-B7F586CD805A}"/>
-              </a:ext>
-            </a:extLst>
-          </p:cNvPr>
-          <p:cNvGraphicFramePr>
-            <a:graphicFrameLocks noGrp="1"/>
-          </p:cNvGraphicFramePr>
-          <p:nvPr>
-            <p:ph idx="1"/>
-            <p:extLst>
-              <p:ext uri="{D42A27DB-BD31-4B8C-83A1-F6EECF244321}">
-                <p14:modId xmlns:p14="http://schemas.microsoft.com/office/powerpoint/2010/main" val="1148879491"/>
-              </p:ext>
-            </p:extLst>
-          </p:nvPr>
-        </p:nvGraphicFramePr>
-        <p:xfrm>
-          <a:off x="3959604" y="746125"/>
-          <a:ext cx="4717669" cy="5447745"/>
-        </p:xfrm>
-        <a:graphic>
-          <a:graphicData uri="http://schemas.openxmlformats.org/drawingml/2006/diagram">
-            <dgm:relIds xmlns:dgm="http://schemas.openxmlformats.org/drawingml/2006/diagram" xmlns:r="http://schemas.openxmlformats.org/officeDocument/2006/relationships" r:dm="rId4" r:lo="rId5" r:qs="rId6" r:cs="rId7"/>
-          </a:graphicData>
-        </a:graphic>
-      </p:graphicFrame>
-    </p:spTree>
-  </p:cSld>
-  <p:clrMapOvr>
-    <a:masterClrMapping/>
-  </p:clrMapOvr>
-</p:sld>
-</file>
-
-<file path=ppt/slides/slide3.xml><?xml version="1.0" encoding="utf-8"?>
-<p:sld xmlns:a="http://schemas.openxmlformats.org/drawingml/2006/main" xmlns:r="http://schemas.openxmlformats.org/officeDocument/2006/relationships" xmlns:p="http://schemas.openxmlformats.org/presentationml/2006/main">
-  <p:cSld>
-    <p:bg>
-      <p:bgPr>
-        <a:solidFill>
-          <a:schemeClr val="bg1"/>
-        </a:solidFill>
-        <a:effectLst/>
-      </p:bgPr>
-    </p:bg>
-    <p:spTree>
-      <p:nvGrpSpPr>
-        <p:cNvPr id="1" name="">
-          <a:extLst>
-            <a:ext uri="{FF2B5EF4-FFF2-40B4-BE49-F238E27FC236}">
-              <a16:creationId xmlns:a16="http://schemas.microsoft.com/office/drawing/2014/main" id="{76E07A44-3122-1770-F013-D7BEE2FE0776}"/>
-            </a:ext>
-          </a:extLst>
-        </p:cNvPr>
-        <p:cNvGrpSpPr/>
-        <p:nvPr/>
-      </p:nvGrpSpPr>
-      <p:grpSpPr>
-        <a:xfrm>
-          <a:off x="0" y="0"/>
-          <a:ext cx="0" cy="0"/>
-          <a:chOff x="0" y="0"/>
-          <a:chExt cx="0" cy="0"/>
-        </a:xfrm>
-      </p:grpSpPr>
-      <p:sp>
-        <p:nvSpPr>
-          <p:cNvPr id="2" name="Title 1">
-            <a:extLst>
-              <a:ext uri="{FF2B5EF4-FFF2-40B4-BE49-F238E27FC236}">
-                <a16:creationId xmlns:a16="http://schemas.microsoft.com/office/drawing/2014/main" id="{59874695-C6C7-0FBA-3CBB-39BCF0848FC8}"/>
-              </a:ext>
-            </a:extLst>
-          </p:cNvPr>
-          <p:cNvSpPr>
-            <a:spLocks noGrp="1"/>
-          </p:cNvSpPr>
-          <p:nvPr>
-            <p:ph type="title"/>
-          </p:nvPr>
-        </p:nvSpPr>
-        <p:spPr>
-          <a:xfrm>
-            <a:off x="2171700" y="764373"/>
-            <a:ext cx="6457950" cy="1293028"/>
-          </a:xfrm>
-        </p:spPr>
-        <p:txBody>
-          <a:bodyPr vert="horz" lIns="91440" tIns="45720" rIns="91440" bIns="45720" rtlCol="0" anchor="ctr">
-            <a:normAutofit/>
-          </a:bodyPr>
-          <a:lstStyle/>
-          <a:p>
-            <a:r>
-              <a:rPr lang="en-US" dirty="0"/>
-              <a:t>PROPSED solution</a:t>
-            </a:r>
-            <a:endParaRPr lang="en-US"/>
-          </a:p>
-        </p:txBody>
-      </p:sp>
-      <p:sp>
-        <p:nvSpPr>
-          <p:cNvPr id="16" name="Content Placeholder 15">
-            <a:extLst>
-              <a:ext uri="{FF2B5EF4-FFF2-40B4-BE49-F238E27FC236}">
-                <a16:creationId xmlns:a16="http://schemas.microsoft.com/office/drawing/2014/main" id="{BE066EC6-5B1F-07EB-67ED-7A9A4634D020}"/>
-              </a:ext>
-            </a:extLst>
-          </p:cNvPr>
-          <p:cNvSpPr>
-            <a:spLocks noGrp="1"/>
-          </p:cNvSpPr>
-          <p:nvPr>
-            <p:ph idx="1"/>
-          </p:nvPr>
-        </p:nvSpPr>
-        <p:spPr>
-          <a:xfrm>
-            <a:off x="4418003" y="2928939"/>
-            <a:ext cx="4362450" cy="4504184"/>
-          </a:xfrm>
-        </p:spPr>
-        <p:txBody>
-          <a:bodyPr vert="horz" lIns="91440" tIns="45720" rIns="91440" bIns="45720" rtlCol="0">
-            <a:normAutofit/>
-          </a:bodyPr>
-          <a:lstStyle/>
-          <a:p>
-            <a:pPr marL="0" lvl="0" indent="0">
-              <a:spcBef>
-                <a:spcPct val="0"/>
-              </a:spcBef>
-              <a:spcAft>
-                <a:spcPct val="35000"/>
-              </a:spcAft>
-              <a:buNone/>
-              <a:defRPr cap="all"/>
-            </a:pPr>
-            <a:r>
-              <a:rPr lang="en-US" sz="3200" b="1" dirty="0"/>
-              <a:t>Power Platform for automation, efficiency, and scalability</a:t>
-            </a:r>
-          </a:p>
-        </p:txBody>
-      </p:sp>
-      <p:sp>
-        <p:nvSpPr>
-          <p:cNvPr id="12" name="Freeform: Shape 11">
-            <a:extLst>
-              <a:ext uri="{FF2B5EF4-FFF2-40B4-BE49-F238E27FC236}">
-                <a16:creationId xmlns:a16="http://schemas.microsoft.com/office/drawing/2014/main" id="{0E4DC2CF-0206-6915-5D33-C3CA596A65FD}"/>
-              </a:ext>
-            </a:extLst>
-          </p:cNvPr>
-          <p:cNvSpPr/>
-          <p:nvPr/>
-        </p:nvSpPr>
-        <p:spPr>
-          <a:xfrm>
-            <a:off x="6599228" y="5440136"/>
-            <a:ext cx="1017773" cy="407109"/>
-          </a:xfrm>
-          <a:custGeom>
-            <a:avLst/>
-            <a:gdLst>
-              <a:gd name="connsiteX0" fmla="*/ 0 w 1017773"/>
-              <a:gd name="connsiteY0" fmla="*/ 0 h 407109"/>
-              <a:gd name="connsiteX1" fmla="*/ 1017773 w 1017773"/>
-              <a:gd name="connsiteY1" fmla="*/ 0 h 407109"/>
-              <a:gd name="connsiteX2" fmla="*/ 1017773 w 1017773"/>
-              <a:gd name="connsiteY2" fmla="*/ 407109 h 407109"/>
-              <a:gd name="connsiteX3" fmla="*/ 0 w 1017773"/>
-              <a:gd name="connsiteY3" fmla="*/ 407109 h 407109"/>
-              <a:gd name="connsiteX4" fmla="*/ 0 w 1017773"/>
-              <a:gd name="connsiteY4" fmla="*/ 0 h 407109"/>
-            </a:gdLst>
-            <a:ahLst/>
-            <a:cxnLst>
-              <a:cxn ang="0">
-                <a:pos x="connsiteX0" y="connsiteY0"/>
-              </a:cxn>
-              <a:cxn ang="0">
-                <a:pos x="connsiteX1" y="connsiteY1"/>
-              </a:cxn>
-              <a:cxn ang="0">
-                <a:pos x="connsiteX2" y="connsiteY2"/>
-              </a:cxn>
-              <a:cxn ang="0">
-                <a:pos x="connsiteX3" y="connsiteY3"/>
-              </a:cxn>
-              <a:cxn ang="0">
-                <a:pos x="connsiteX4" y="connsiteY4"/>
-              </a:cxn>
-            </a:cxnLst>
-            <a:rect l="l" t="t" r="r" b="b"/>
-            <a:pathLst>
-              <a:path w="1017773" h="407109">
-                <a:moveTo>
-                  <a:pt x="0" y="0"/>
-                </a:moveTo>
-                <a:lnTo>
-                  <a:pt x="1017773" y="0"/>
-                </a:lnTo>
-                <a:lnTo>
-                  <a:pt x="1017773" y="407109"/>
-                </a:lnTo>
-                <a:lnTo>
-                  <a:pt x="0" y="407109"/>
-                </a:lnTo>
-                <a:lnTo>
-                  <a:pt x="0" y="0"/>
-                </a:lnTo>
-                <a:close/>
-              </a:path>
-            </a:pathLst>
-          </a:custGeom>
-        </p:spPr>
-        <p:style>
-          <a:lnRef idx="0">
-            <a:schemeClr val="dk1">
-              <a:alpha val="0"/>
-              <a:hueOff val="0"/>
-              <a:satOff val="0"/>
-              <a:lumOff val="0"/>
-              <a:alphaOff val="0"/>
-            </a:schemeClr>
-          </a:lnRef>
-          <a:fillRef idx="0">
-            <a:schemeClr val="lt1">
-              <a:alpha val="0"/>
-              <a:hueOff val="0"/>
-              <a:satOff val="0"/>
-              <a:lumOff val="0"/>
-              <a:alphaOff val="0"/>
-            </a:schemeClr>
-          </a:fillRef>
-          <a:effectRef idx="0">
-            <a:schemeClr val="lt1">
-              <a:alpha val="0"/>
-              <a:hueOff val="0"/>
-              <a:satOff val="0"/>
-              <a:lumOff val="0"/>
-              <a:alphaOff val="0"/>
-            </a:schemeClr>
-          </a:effectRef>
-          <a:fontRef idx="minor">
-            <a:schemeClr val="tx1">
-              <a:hueOff val="0"/>
-              <a:satOff val="0"/>
-              <a:lumOff val="0"/>
-              <a:alphaOff val="0"/>
-            </a:schemeClr>
-          </a:fontRef>
-        </p:style>
-        <p:txBody>
-          <a:bodyPr spcFirstLastPara="0" vert="horz" wrap="square" lIns="0" tIns="0" rIns="0" bIns="0" numCol="1" spcCol="1270" anchor="t" anchorCtr="0">
-            <a:noAutofit/>
-          </a:bodyPr>
-          <a:lstStyle/>
-          <a:p>
-            <a:pPr marL="0" lvl="0" indent="0" algn="ctr" defTabSz="889000">
-              <a:lnSpc>
-                <a:spcPct val="100000"/>
-              </a:lnSpc>
-              <a:spcBef>
-                <a:spcPct val="0"/>
-              </a:spcBef>
-              <a:spcAft>
-                <a:spcPct val="35000"/>
-              </a:spcAft>
-              <a:buNone/>
-              <a:defRPr cap="all"/>
-            </a:pPr>
-            <a:endParaRPr lang="en-US" sz="2000" kern="1200" dirty="0"/>
-          </a:p>
-        </p:txBody>
-      </p:sp>
-      <p:pic>
-        <p:nvPicPr>
-          <p:cNvPr id="1026" name="Picture 2" descr="Power Platform Extension Pack - Visual Studio Marketplace">
-            <a:extLst>
-              <a:ext uri="{FF2B5EF4-FFF2-40B4-BE49-F238E27FC236}">
-                <a16:creationId xmlns:a16="http://schemas.microsoft.com/office/drawing/2014/main" id="{186D6BFF-7FA5-CB0B-15CA-0770332247BC}"/>
-              </a:ext>
-            </a:extLst>
-          </p:cNvPr>
-          <p:cNvPicPr>
-            <a:picLocks noChangeAspect="1" noChangeArrowheads="1"/>
-          </p:cNvPicPr>
-          <p:nvPr/>
-        </p:nvPicPr>
-        <p:blipFill>
-          <a:blip r:embed="rId2">
-            <a:extLst>
-              <a:ext uri="{28A0092B-C50C-407E-A947-70E740481C1C}">
-                <a14:useLocalDpi xmlns:a14="http://schemas.microsoft.com/office/drawing/2010/main" val="0"/>
-              </a:ext>
-            </a:extLst>
-          </a:blip>
-          <a:srcRect/>
-          <a:stretch>
-            <a:fillRect/>
-          </a:stretch>
-        </p:blipFill>
-        <p:spPr bwMode="auto">
-          <a:xfrm>
-            <a:off x="442952" y="2084013"/>
-            <a:ext cx="3824248" cy="3559677"/>
-          </a:xfrm>
-          <a:prstGeom prst="rect">
-            <a:avLst/>
-          </a:prstGeom>
-          <a:noFill/>
-          <a:extLst>
-            <a:ext uri="{909E8E84-426E-40DD-AFC4-6F175D3DCCD1}">
-              <a14:hiddenFill xmlns:a14="http://schemas.microsoft.com/office/drawing/2010/main">
-                <a:solidFill>
-                  <a:srgbClr val="FFFFFF"/>
-                </a:solidFill>
-              </a14:hiddenFill>
-            </a:ext>
-          </a:extLst>
-        </p:spPr>
-      </p:pic>
-    </p:spTree>
-    <p:extLst>
-      <p:ext uri="{BB962C8B-B14F-4D97-AF65-F5344CB8AC3E}">
-        <p14:creationId xmlns:p14="http://schemas.microsoft.com/office/powerpoint/2010/main" val="2664430401"/>
-      </p:ext>
-    </p:extLst>
-  </p:cSld>
-  <p:clrMapOvr>
-    <a:masterClrMapping/>
-  </p:clrMapOvr>
-</p:sld>
-</file>
-
-<file path=ppt/slides/slide4.xml><?xml version="1.0" encoding="utf-8"?>
-<p:sld xmlns:a="http://schemas.openxmlformats.org/drawingml/2006/main" xmlns:r="http://schemas.openxmlformats.org/officeDocument/2006/relationships" xmlns:p="http://schemas.openxmlformats.org/presentationml/2006/main">
-  <p:cSld>
-    <p:bg>
-      <p:bgPr>
-        <a:solidFill>
-          <a:schemeClr val="bg1"/>
-        </a:solidFill>
-        <a:effectLst/>
-      </p:bgPr>
-    </p:bg>
-    <p:spTree>
-      <p:nvGrpSpPr>
-        <p:cNvPr id="1" name=""/>
-        <p:cNvGrpSpPr/>
-        <p:nvPr/>
-      </p:nvGrpSpPr>
-      <p:grpSpPr>
-        <a:xfrm>
-          <a:off x="0" y="0"/>
-          <a:ext cx="0" cy="0"/>
-          <a:chOff x="0" y="0"/>
-          <a:chExt cx="0" cy="0"/>
-        </a:xfrm>
-      </p:grpSpPr>
-      <p:sp useBgFill="1">
-        <p:nvSpPr>
-          <p:cNvPr id="10" name="Rounded Rectangle 14">
-            <a:extLst>
-              <a:ext uri="{FF2B5EF4-FFF2-40B4-BE49-F238E27FC236}">
-                <a16:creationId xmlns:a16="http://schemas.microsoft.com/office/drawing/2014/main" id="{12CC1C37-8BC7-4374-8300-E73C369150D7}"/>
-              </a:ext>
-              <a:ext uri="{C183D7F6-B498-43B3-948B-1728B52AA6E4}">
-                <adec:decorative xmlns:adec="http://schemas.microsoft.com/office/drawing/2017/decorative" val="1"/>
-              </a:ext>
-            </a:extLst>
-          </p:cNvPr>
-          <p:cNvSpPr>
-            <a:spLocks noGrp="1" noRot="1" noChangeAspect="1" noMove="1" noResize="1" noEditPoints="1" noAdjustHandles="1" noChangeArrowheads="1" noChangeShapeType="1" noTextEdit="1"/>
-          </p:cNvSpPr>
-          <p:nvPr>
-            <p:extLst>
-              <p:ext uri="{386F3935-93C4-4BCD-93E2-E3B085C9AB24}">
-                <p16:designElem xmlns:p16="http://schemas.microsoft.com/office/powerpoint/2015/main" val="1"/>
-              </p:ext>
-            </p:extLst>
-          </p:nvPr>
-        </p:nvSpPr>
-        <p:spPr>
-          <a:xfrm>
-            <a:off x="3477006" y="0"/>
-            <a:ext cx="5666994" cy="6858000"/>
-          </a:xfrm>
-          <a:prstGeom prst="roundRect">
-            <a:avLst>
-              <a:gd name="adj" fmla="val 0"/>
-            </a:avLst>
-          </a:prstGeom>
-          <a:ln>
-            <a:noFill/>
-          </a:ln>
-          <a:effectLst/>
-        </p:spPr>
-        <p:style>
-          <a:lnRef idx="2">
-            <a:schemeClr val="accent1">
-              <a:shade val="50000"/>
-            </a:schemeClr>
-          </a:lnRef>
-          <a:fillRef idx="1">
-            <a:schemeClr val="accent1"/>
-          </a:fillRef>
-          <a:effectRef idx="0">
-            <a:schemeClr val="accent1"/>
-          </a:effectRef>
-          <a:fontRef idx="minor">
-            <a:schemeClr val="lt1"/>
-          </a:fontRef>
-        </p:style>
-        <p:txBody>
-          <a:bodyPr rtlCol="0" anchor="ctr"/>
-          <a:lstStyle/>
-          <a:p>
-            <a:pPr algn="ctr"/>
-            <a:endParaRPr lang="en-US"/>
-          </a:p>
-        </p:txBody>
-      </p:sp>
-      <p:sp>
-        <p:nvSpPr>
-          <p:cNvPr id="12" name="Rectangle 11">
-            <a:extLst>
-              <a:ext uri="{FF2B5EF4-FFF2-40B4-BE49-F238E27FC236}">
-                <a16:creationId xmlns:a16="http://schemas.microsoft.com/office/drawing/2014/main" id="{8CC82757-F96F-41CB-B2B8-49689F4362A3}"/>
-              </a:ext>
-              <a:ext uri="{C183D7F6-B498-43B3-948B-1728B52AA6E4}">
-                <adec:decorative xmlns:adec="http://schemas.microsoft.com/office/drawing/2017/decorative" val="1"/>
-              </a:ext>
-            </a:extLst>
-          </p:cNvPr>
-          <p:cNvSpPr>
-            <a:spLocks noGrp="1" noRot="1" noChangeAspect="1" noMove="1" noResize="1" noEditPoints="1" noAdjustHandles="1" noChangeArrowheads="1" noChangeShapeType="1" noTextEdit="1"/>
-          </p:cNvSpPr>
-          <p:nvPr>
-            <p:extLst>
-              <p:ext uri="{386F3935-93C4-4BCD-93E2-E3B085C9AB24}">
-                <p16:designElem xmlns:p16="http://schemas.microsoft.com/office/powerpoint/2015/main" val="1"/>
-              </p:ext>
-            </p:extLst>
-          </p:nvPr>
-        </p:nvSpPr>
-        <p:spPr>
-          <a:xfrm>
-            <a:off x="0" y="0"/>
-            <a:ext cx="3477006" cy="6858000"/>
-          </a:xfrm>
-          <a:prstGeom prst="rect">
-            <a:avLst/>
-          </a:prstGeom>
-          <a:solidFill>
-            <a:schemeClr val="tx1"/>
-          </a:solidFill>
-          <a:ln>
-            <a:noFill/>
-          </a:ln>
-          <a:effectLst>
-            <a:outerShdw blurRad="63500" dist="38100" algn="l" rotWithShape="0">
-              <a:prstClr val="black">
-                <a:alpha val="40000"/>
-              </a:prstClr>
-            </a:outerShdw>
-          </a:effectLst>
-        </p:spPr>
-        <p:style>
-          <a:lnRef idx="2">
-            <a:schemeClr val="accent1">
-              <a:shade val="50000"/>
-            </a:schemeClr>
-          </a:lnRef>
-          <a:fillRef idx="1">
-            <a:schemeClr val="accent1"/>
-          </a:fillRef>
-          <a:effectRef idx="0">
-            <a:schemeClr val="accent1"/>
-          </a:effectRef>
-          <a:fontRef idx="minor">
-            <a:schemeClr val="lt1"/>
-          </a:fontRef>
-        </p:style>
-        <p:txBody>
-          <a:bodyPr rtlCol="0" anchor="ctr"/>
-          <a:lstStyle/>
-          <a:p>
-            <a:pPr algn="ctr"/>
-            <a:endParaRPr lang="en-US"/>
-          </a:p>
-        </p:txBody>
-      </p:sp>
-      <p:pic>
-        <p:nvPicPr>
-          <p:cNvPr id="14" name="Picture 13">
-            <a:extLst>
-              <a:ext uri="{FF2B5EF4-FFF2-40B4-BE49-F238E27FC236}">
-                <a16:creationId xmlns:a16="http://schemas.microsoft.com/office/drawing/2014/main" id="{FA37F53D-999D-4551-B3F8-064DBF315562}"/>
-              </a:ext>
-              <a:ext uri="{C183D7F6-B498-43B3-948B-1728B52AA6E4}">
-                <adec:decorative xmlns:adec="http://schemas.microsoft.com/office/drawing/2017/decorative" val="1"/>
-              </a:ext>
-            </a:extLst>
-          </p:cNvPr>
-          <p:cNvPicPr>
-            <a:picLocks noGrp="1" noRot="1" noChangeAspect="1" noMove="1" noResize="1" noEditPoints="1" noAdjustHandles="1" noChangeArrowheads="1" noChangeShapeType="1" noCrop="1"/>
-          </p:cNvPicPr>
-          <p:nvPr>
-            <p:extLst>
-              <p:ext uri="{386F3935-93C4-4BCD-93E2-E3B085C9AB24}">
-                <p16:designElem xmlns:p16="http://schemas.microsoft.com/office/powerpoint/2015/main" val="1"/>
-              </p:ext>
-            </p:extLst>
-          </p:nvPr>
-        </p:nvPicPr>
-        <p:blipFill rotWithShape="1">
-          <a:blip r:embed="rId2">
-            <a:extLst>
-              <a:ext uri="{28A0092B-C50C-407E-A947-70E740481C1C}">
-                <a14:useLocalDpi xmlns:a14="http://schemas.microsoft.com/office/drawing/2010/main" val="0"/>
-              </a:ext>
-            </a:extLst>
-          </a:blip>
-          <a:srcRect r="61975"/>
-          <a:stretch/>
-        </p:blipFill>
-        <p:spPr>
-          <a:xfrm>
-            <a:off x="0" y="0"/>
-            <a:ext cx="3477006" cy="1441450"/>
-          </a:xfrm>
-          <a:prstGeom prst="rect">
-            <a:avLst/>
-          </a:prstGeom>
-        </p:spPr>
-      </p:pic>
-      <p:pic>
-        <p:nvPicPr>
-          <p:cNvPr id="16" name="Picture 15">
-            <a:extLst>
-              <a:ext uri="{FF2B5EF4-FFF2-40B4-BE49-F238E27FC236}">
-                <a16:creationId xmlns:a16="http://schemas.microsoft.com/office/drawing/2014/main" id="{A9C99389-A1E4-4A6F-BF8E-9013FF049140}"/>
-              </a:ext>
-              <a:ext uri="{C183D7F6-B498-43B3-948B-1728B52AA6E4}">
-                <adec:decorative xmlns:adec="http://schemas.microsoft.com/office/drawing/2017/decorative" val="1"/>
-              </a:ext>
-            </a:extLst>
-          </p:cNvPr>
-          <p:cNvPicPr>
-            <a:picLocks noGrp="1" noRot="1" noChangeAspect="1" noMove="1" noResize="1" noEditPoints="1" noAdjustHandles="1" noChangeArrowheads="1" noChangeShapeType="1" noCrop="1"/>
-          </p:cNvPicPr>
-          <p:nvPr>
-            <p:extLst>
-              <p:ext uri="{386F3935-93C4-4BCD-93E2-E3B085C9AB24}">
-                <p16:designElem xmlns:p16="http://schemas.microsoft.com/office/powerpoint/2015/main" val="1"/>
-              </p:ext>
-            </p:extLst>
-          </p:nvPr>
-        </p:nvPicPr>
-        <p:blipFill rotWithShape="1">
-          <a:blip r:embed="rId3">
-            <a:extLst>
-              <a:ext uri="{28A0092B-C50C-407E-A947-70E740481C1C}">
-                <a14:useLocalDpi xmlns:a14="http://schemas.microsoft.com/office/drawing/2010/main" val="0"/>
-              </a:ext>
-            </a:extLst>
-          </a:blip>
-          <a:srcRect r="61975"/>
-          <a:stretch/>
-        </p:blipFill>
-        <p:spPr>
-          <a:xfrm>
-            <a:off x="0" y="4375150"/>
-            <a:ext cx="3477006" cy="2482850"/>
-          </a:xfrm>
-          <a:prstGeom prst="rect">
-            <a:avLst/>
-          </a:prstGeom>
-        </p:spPr>
-      </p:pic>
-      <p:sp>
-        <p:nvSpPr>
-          <p:cNvPr id="2" name="Title 1"/>
-          <p:cNvSpPr>
-            <a:spLocks noGrp="1"/>
-          </p:cNvSpPr>
-          <p:nvPr>
-            <p:ph type="title"/>
-          </p:nvPr>
-        </p:nvSpPr>
-        <p:spPr>
-          <a:xfrm>
-            <a:off x="514350" y="1066163"/>
-            <a:ext cx="2480058" cy="5148371"/>
-          </a:xfrm>
-        </p:spPr>
-        <p:txBody>
-          <a:bodyPr>
-            <a:normAutofit/>
-          </a:bodyPr>
-          <a:lstStyle/>
-          <a:p>
-            <a:r>
-              <a:rPr lang="en-US" sz="3100">
-                <a:solidFill>
-                  <a:schemeClr val="bg1"/>
-                </a:solidFill>
-              </a:rPr>
-              <a:t>Why Power Platform?</a:t>
-            </a:r>
-          </a:p>
-        </p:txBody>
-      </p:sp>
-      <p:graphicFrame>
-        <p:nvGraphicFramePr>
-          <p:cNvPr id="5" name="Content Placeholder 2">
-            <a:extLst>
-              <a:ext uri="{FF2B5EF4-FFF2-40B4-BE49-F238E27FC236}">
-                <a16:creationId xmlns:a16="http://schemas.microsoft.com/office/drawing/2014/main" id="{0CC465D9-97BE-8D99-949F-5DA1F4A8E5DF}"/>
-              </a:ext>
-            </a:extLst>
-          </p:cNvPr>
-          <p:cNvGraphicFramePr>
-            <a:graphicFrameLocks noGrp="1"/>
-          </p:cNvGraphicFramePr>
-          <p:nvPr>
-            <p:ph idx="1"/>
-            <p:extLst>
-              <p:ext uri="{D42A27DB-BD31-4B8C-83A1-F6EECF244321}">
-                <p14:modId xmlns:p14="http://schemas.microsoft.com/office/powerpoint/2010/main" val="150751754"/>
-              </p:ext>
-            </p:extLst>
-          </p:nvPr>
-        </p:nvGraphicFramePr>
-        <p:xfrm>
-          <a:off x="3959604" y="746125"/>
-          <a:ext cx="4717669" cy="5447745"/>
-        </p:xfrm>
-        <a:graphic>
-          <a:graphicData uri="http://schemas.openxmlformats.org/drawingml/2006/diagram">
-            <dgm:relIds xmlns:dgm="http://schemas.openxmlformats.org/drawingml/2006/diagram" xmlns:r="http://schemas.openxmlformats.org/officeDocument/2006/relationships" r:dm="rId4" r:lo="rId5" r:qs="rId6" r:cs="rId7"/>
-          </a:graphicData>
-        </a:graphic>
-      </p:graphicFrame>
-    </p:spTree>
-  </p:cSld>
-  <p:clrMapOvr>
-    <a:masterClrMapping/>
-  </p:clrMapOvr>
-</p:sld>
-</file>
-
-<file path=ppt/slides/slide5.xml><?xml version="1.0" encoding="utf-8"?>
-<p:sld xmlns:a="http://schemas.openxmlformats.org/drawingml/2006/main" xmlns:r="http://schemas.openxmlformats.org/officeDocument/2006/relationships" xmlns:p="http://schemas.openxmlformats.org/presentationml/2006/main">
-  <p:cSld>
-    <p:spTree>
-      <p:nvGrpSpPr>
-        <p:cNvPr id="1" name=""/>
-        <p:cNvGrpSpPr/>
-        <p:nvPr/>
-      </p:nvGrpSpPr>
-      <p:grpSpPr>
-        <a:xfrm>
-          <a:off x="0" y="0"/>
-          <a:ext cx="0" cy="0"/>
-          <a:chOff x="0" y="0"/>
-          <a:chExt cx="0" cy="0"/>
-        </a:xfrm>
-      </p:grpSpPr>
-      <p:sp>
-        <p:nvSpPr>
-          <p:cNvPr id="2" name="Title 1"/>
-          <p:cNvSpPr>
-            <a:spLocks noGrp="1"/>
-          </p:cNvSpPr>
-          <p:nvPr>
-            <p:ph type="title"/>
-          </p:nvPr>
-        </p:nvSpPr>
-        <p:spPr>
-          <a:xfrm>
-            <a:off x="2171700" y="764373"/>
-            <a:ext cx="6457950" cy="1293028"/>
-          </a:xfrm>
-        </p:spPr>
-        <p:txBody>
-          <a:bodyPr>
-            <a:normAutofit/>
-          </a:bodyPr>
-          <a:lstStyle/>
-          <a:p>
-            <a:r>
-              <a:t>Solution Overview</a:t>
-            </a:r>
-          </a:p>
-        </p:txBody>
-      </p:sp>
-      <p:grpSp>
-        <p:nvGrpSpPr>
-          <p:cNvPr id="4" name="Group 3">
-            <a:extLst>
-              <a:ext uri="{FF2B5EF4-FFF2-40B4-BE49-F238E27FC236}">
-                <a16:creationId xmlns:a16="http://schemas.microsoft.com/office/drawing/2014/main" id="{94A89275-86B2-D7BB-5335-D0F0FFA88C0D}"/>
-              </a:ext>
-            </a:extLst>
-          </p:cNvPr>
-          <p:cNvGrpSpPr/>
-          <p:nvPr/>
-        </p:nvGrpSpPr>
-        <p:grpSpPr>
-          <a:xfrm>
-            <a:off x="514350" y="966464"/>
-            <a:ext cx="8110550" cy="4729914"/>
-            <a:chOff x="2190032" y="972812"/>
-            <a:chExt cx="6434868" cy="4058275"/>
-          </a:xfrm>
-        </p:grpSpPr>
-        <p:sp>
-          <p:nvSpPr>
-            <p:cNvPr id="6" name="Oval 5">
-              <a:extLst>
-                <a:ext uri="{FF2B5EF4-FFF2-40B4-BE49-F238E27FC236}">
-                  <a16:creationId xmlns:a16="http://schemas.microsoft.com/office/drawing/2014/main" id="{9838B867-4F3B-49AB-2F00-096FBE51F427}"/>
-                </a:ext>
-              </a:extLst>
-            </p:cNvPr>
-            <p:cNvSpPr/>
-            <p:nvPr/>
-          </p:nvSpPr>
-          <p:spPr>
-            <a:xfrm>
-              <a:off x="3331491" y="972812"/>
-              <a:ext cx="991647" cy="1046232"/>
-            </a:xfrm>
-            <a:prstGeom prst="ellipse">
-              <a:avLst/>
-            </a:prstGeom>
-          </p:spPr>
-          <p:style>
-            <a:lnRef idx="0">
-              <a:schemeClr val="lt1">
-                <a:alpha val="0"/>
-                <a:hueOff val="0"/>
-                <a:satOff val="0"/>
-                <a:lumOff val="0"/>
-                <a:alphaOff val="0"/>
-              </a:schemeClr>
-            </a:lnRef>
-            <a:fillRef idx="1">
-              <a:schemeClr val="accent2">
-                <a:hueOff val="0"/>
-                <a:satOff val="0"/>
-                <a:lumOff val="0"/>
-                <a:alphaOff val="0"/>
-              </a:schemeClr>
-            </a:fillRef>
-            <a:effectRef idx="0">
-              <a:schemeClr val="accent2">
-                <a:hueOff val="0"/>
-                <a:satOff val="0"/>
-                <a:lumOff val="0"/>
-                <a:alphaOff val="0"/>
-              </a:schemeClr>
-            </a:effectRef>
-            <a:fontRef idx="minor"/>
-          </p:style>
-          <p:txBody>
-            <a:bodyPr/>
-            <a:lstStyle/>
-            <a:p>
-              <a:endParaRPr lang="en-US"/>
-            </a:p>
-          </p:txBody>
-        </p:sp>
-        <p:sp>
-          <p:nvSpPr>
-            <p:cNvPr id="7" name="Rectangle 6" descr="Tools">
-              <a:extLst>
-                <a:ext uri="{FF2B5EF4-FFF2-40B4-BE49-F238E27FC236}">
-                  <a16:creationId xmlns:a16="http://schemas.microsoft.com/office/drawing/2014/main" id="{7DCC7A75-EE83-21BA-1257-0F983CC16936}"/>
-                </a:ext>
-              </a:extLst>
-            </p:cNvPr>
-            <p:cNvSpPr/>
-            <p:nvPr/>
-          </p:nvSpPr>
-          <p:spPr>
-            <a:xfrm>
-              <a:off x="3542825" y="1153071"/>
-              <a:ext cx="568978" cy="600297"/>
-            </a:xfrm>
-            <a:prstGeom prst="rect">
-              <a:avLst/>
-            </a:prstGeom>
-            <a:blipFill>
-              <a:blip r:embed="rId2">
-                <a:extLst>
-                  <a:ext uri="{28A0092B-C50C-407E-A947-70E740481C1C}">
-                    <a14:useLocalDpi xmlns:a14="http://schemas.microsoft.com/office/drawing/2010/main" val="0"/>
-                  </a:ext>
-                  <a:ext uri="{96DAC541-7B7A-43D3-8B79-37D633B846F1}">
-                    <asvg:svgBlip xmlns:asvg="http://schemas.microsoft.com/office/drawing/2016/SVG/main" r:embed="rId3"/>
-                  </a:ext>
-                </a:extLst>
-              </a:blip>
-              <a:stretch>
-                <a:fillRect/>
-              </a:stretch>
-            </a:blipFill>
-            <a:ln>
-              <a:noFill/>
-            </a:ln>
-          </p:spPr>
-          <p:style>
-            <a:lnRef idx="2">
-              <a:scrgbClr r="0" g="0" b="0"/>
-            </a:lnRef>
-            <a:fillRef idx="1">
-              <a:scrgbClr r="0" g="0" b="0"/>
-            </a:fillRef>
-            <a:effectRef idx="0">
-              <a:schemeClr val="bg1">
-                <a:hueOff val="0"/>
-                <a:satOff val="0"/>
-                <a:lumOff val="0"/>
-                <a:alphaOff val="0"/>
-              </a:schemeClr>
-            </a:effectRef>
-            <a:fontRef idx="minor">
-              <a:schemeClr val="dk1">
-                <a:hueOff val="0"/>
-                <a:satOff val="0"/>
-                <a:lumOff val="0"/>
-                <a:alphaOff val="0"/>
-              </a:schemeClr>
-            </a:fontRef>
-          </p:style>
-          <p:txBody>
-            <a:bodyPr/>
-            <a:lstStyle/>
-            <a:p>
-              <a:endParaRPr lang="en-US"/>
-            </a:p>
-          </p:txBody>
-        </p:sp>
-        <p:sp>
-          <p:nvSpPr>
-            <p:cNvPr id="9" name="Oval 8">
-              <a:extLst>
-                <a:ext uri="{FF2B5EF4-FFF2-40B4-BE49-F238E27FC236}">
-                  <a16:creationId xmlns:a16="http://schemas.microsoft.com/office/drawing/2014/main" id="{87D61943-5A17-89E1-F3E8-C229D7DFE797}"/>
-                </a:ext>
-              </a:extLst>
-            </p:cNvPr>
-            <p:cNvSpPr/>
-            <p:nvPr/>
-          </p:nvSpPr>
-          <p:spPr>
-            <a:xfrm>
-              <a:off x="2467335" y="2784011"/>
-              <a:ext cx="867462" cy="867462"/>
-            </a:xfrm>
-            <a:prstGeom prst="ellipse">
-              <a:avLst/>
-            </a:prstGeom>
-          </p:spPr>
-          <p:style>
-            <a:lnRef idx="0">
-              <a:schemeClr val="lt1">
-                <a:alpha val="0"/>
-                <a:hueOff val="0"/>
-                <a:satOff val="0"/>
-                <a:lumOff val="0"/>
-                <a:alphaOff val="0"/>
-              </a:schemeClr>
-            </a:lnRef>
-            <a:fillRef idx="1">
-              <a:schemeClr val="accent3">
-                <a:hueOff val="0"/>
-                <a:satOff val="0"/>
-                <a:lumOff val="0"/>
-                <a:alphaOff val="0"/>
-              </a:schemeClr>
-            </a:fillRef>
-            <a:effectRef idx="0">
-              <a:schemeClr val="accent3">
-                <a:hueOff val="0"/>
-                <a:satOff val="0"/>
-                <a:lumOff val="0"/>
-                <a:alphaOff val="0"/>
-              </a:schemeClr>
-            </a:effectRef>
-            <a:fontRef idx="minor"/>
-          </p:style>
-          <p:txBody>
-            <a:bodyPr/>
-            <a:lstStyle/>
-            <a:p>
-              <a:endParaRPr lang="en-US" dirty="0"/>
-            </a:p>
-          </p:txBody>
-        </p:sp>
-        <p:sp>
-          <p:nvSpPr>
-            <p:cNvPr id="10" name="Rectangle 9" descr="Easel">
-              <a:extLst>
-                <a:ext uri="{FF2B5EF4-FFF2-40B4-BE49-F238E27FC236}">
-                  <a16:creationId xmlns:a16="http://schemas.microsoft.com/office/drawing/2014/main" id="{3816C0F1-A01B-B7C8-01A1-672CC7026E9F}"/>
-                </a:ext>
-              </a:extLst>
-            </p:cNvPr>
-            <p:cNvSpPr/>
-            <p:nvPr/>
-          </p:nvSpPr>
-          <p:spPr>
-            <a:xfrm>
-              <a:off x="2652205" y="2968880"/>
-              <a:ext cx="497724" cy="497724"/>
-            </a:xfrm>
-            <a:prstGeom prst="rect">
-              <a:avLst/>
-            </a:prstGeom>
-            <a:blipFill>
-              <a:blip r:embed="rId4">
-                <a:extLst>
-                  <a:ext uri="{28A0092B-C50C-407E-A947-70E740481C1C}">
-                    <a14:useLocalDpi xmlns:a14="http://schemas.microsoft.com/office/drawing/2010/main" val="0"/>
-                  </a:ext>
-                  <a:ext uri="{96DAC541-7B7A-43D3-8B79-37D633B846F1}">
-                    <asvg:svgBlip xmlns:asvg="http://schemas.microsoft.com/office/drawing/2016/SVG/main" r:embed="rId5"/>
-                  </a:ext>
-                </a:extLst>
-              </a:blip>
-              <a:stretch>
-                <a:fillRect/>
-              </a:stretch>
-            </a:blipFill>
-            <a:ln>
-              <a:noFill/>
-            </a:ln>
-          </p:spPr>
-          <p:style>
-            <a:lnRef idx="2">
-              <a:scrgbClr r="0" g="0" b="0"/>
-            </a:lnRef>
-            <a:fillRef idx="1">
-              <a:scrgbClr r="0" g="0" b="0"/>
-            </a:fillRef>
-            <a:effectRef idx="0">
-              <a:schemeClr val="bg1">
-                <a:hueOff val="0"/>
-                <a:satOff val="0"/>
-                <a:lumOff val="0"/>
-                <a:alphaOff val="0"/>
-              </a:schemeClr>
-            </a:effectRef>
-            <a:fontRef idx="minor">
-              <a:schemeClr val="dk1">
-                <a:hueOff val="0"/>
-                <a:satOff val="0"/>
-                <a:lumOff val="0"/>
-                <a:alphaOff val="0"/>
-              </a:schemeClr>
-            </a:fontRef>
-          </p:style>
-          <p:txBody>
-            <a:bodyPr/>
-            <a:lstStyle/>
-            <a:p>
-              <a:endParaRPr lang="en-US"/>
-            </a:p>
-          </p:txBody>
-        </p:sp>
-        <p:sp>
-          <p:nvSpPr>
-            <p:cNvPr id="11" name="Freeform: Shape 10">
-              <a:extLst>
-                <a:ext uri="{FF2B5EF4-FFF2-40B4-BE49-F238E27FC236}">
-                  <a16:creationId xmlns:a16="http://schemas.microsoft.com/office/drawing/2014/main" id="{95AE05D3-3643-5A8F-B060-9CE96498AFB1}"/>
-                </a:ext>
-              </a:extLst>
-            </p:cNvPr>
-            <p:cNvSpPr/>
-            <p:nvPr/>
-          </p:nvSpPr>
-          <p:spPr>
-            <a:xfrm>
-              <a:off x="2190032" y="3921667"/>
-              <a:ext cx="1422070" cy="1109420"/>
-            </a:xfrm>
-            <a:custGeom>
-              <a:avLst/>
-              <a:gdLst>
-                <a:gd name="connsiteX0" fmla="*/ 0 w 1422070"/>
-                <a:gd name="connsiteY0" fmla="*/ 0 h 568828"/>
-                <a:gd name="connsiteX1" fmla="*/ 1422070 w 1422070"/>
-                <a:gd name="connsiteY1" fmla="*/ 0 h 568828"/>
-                <a:gd name="connsiteX2" fmla="*/ 1422070 w 1422070"/>
-                <a:gd name="connsiteY2" fmla="*/ 568828 h 568828"/>
-                <a:gd name="connsiteX3" fmla="*/ 0 w 1422070"/>
-                <a:gd name="connsiteY3" fmla="*/ 568828 h 568828"/>
-                <a:gd name="connsiteX4" fmla="*/ 0 w 1422070"/>
-                <a:gd name="connsiteY4" fmla="*/ 0 h 568828"/>
-              </a:gdLst>
-              <a:ahLst/>
-              <a:cxnLst>
-                <a:cxn ang="0">
-                  <a:pos x="connsiteX0" y="connsiteY0"/>
-                </a:cxn>
-                <a:cxn ang="0">
-                  <a:pos x="connsiteX1" y="connsiteY1"/>
-                </a:cxn>
-                <a:cxn ang="0">
-                  <a:pos x="connsiteX2" y="connsiteY2"/>
-                </a:cxn>
-                <a:cxn ang="0">
-                  <a:pos x="connsiteX3" y="connsiteY3"/>
-                </a:cxn>
-                <a:cxn ang="0">
-                  <a:pos x="connsiteX4" y="connsiteY4"/>
-                </a:cxn>
-              </a:cxnLst>
-              <a:rect l="l" t="t" r="r" b="b"/>
-              <a:pathLst>
-                <a:path w="1422070" h="568828">
-                  <a:moveTo>
-                    <a:pt x="0" y="0"/>
-                  </a:moveTo>
-                  <a:lnTo>
-                    <a:pt x="1422070" y="0"/>
-                  </a:lnTo>
-                  <a:lnTo>
-                    <a:pt x="1422070" y="568828"/>
-                  </a:lnTo>
-                  <a:lnTo>
-                    <a:pt x="0" y="568828"/>
-                  </a:lnTo>
-                  <a:lnTo>
-                    <a:pt x="0" y="0"/>
-                  </a:lnTo>
-                  <a:close/>
-                </a:path>
-              </a:pathLst>
-            </a:custGeom>
-          </p:spPr>
-          <p:style>
-            <a:lnRef idx="0">
-              <a:schemeClr val="dk1">
-                <a:alpha val="0"/>
-                <a:hueOff val="0"/>
-                <a:satOff val="0"/>
-                <a:lumOff val="0"/>
-                <a:alphaOff val="0"/>
-              </a:schemeClr>
-            </a:lnRef>
-            <a:fillRef idx="0">
-              <a:schemeClr val="lt1">
-                <a:alpha val="0"/>
-                <a:hueOff val="0"/>
-                <a:satOff val="0"/>
-                <a:lumOff val="0"/>
-                <a:alphaOff val="0"/>
-              </a:schemeClr>
-            </a:fillRef>
-            <a:effectRef idx="0">
-              <a:schemeClr val="lt1">
-                <a:alpha val="0"/>
-                <a:hueOff val="0"/>
-                <a:satOff val="0"/>
-                <a:lumOff val="0"/>
-                <a:alphaOff val="0"/>
-              </a:schemeClr>
-            </a:effectRef>
-            <a:fontRef idx="minor">
-              <a:schemeClr val="tx1">
-                <a:hueOff val="0"/>
-                <a:satOff val="0"/>
-                <a:lumOff val="0"/>
-                <a:alphaOff val="0"/>
-              </a:schemeClr>
-            </a:fontRef>
-          </p:style>
-          <p:txBody>
-            <a:bodyPr spcFirstLastPara="0" vert="horz" wrap="square" lIns="0" tIns="0" rIns="0" bIns="0" numCol="1" spcCol="1270" anchor="t" anchorCtr="0">
-              <a:noAutofit/>
-            </a:bodyPr>
-            <a:lstStyle/>
-            <a:p>
-              <a:pPr marL="0" lvl="0" indent="0" algn="ctr" defTabSz="488950">
-                <a:lnSpc>
-                  <a:spcPct val="90000"/>
-                </a:lnSpc>
-                <a:spcBef>
-                  <a:spcPct val="0"/>
-                </a:spcBef>
-                <a:spcAft>
-                  <a:spcPct val="35000"/>
-                </a:spcAft>
-                <a:buNone/>
-                <a:defRPr cap="all"/>
-              </a:pPr>
-              <a:r>
-                <a:rPr lang="en-US" sz="1600" b="1" kern="1200" dirty="0"/>
-                <a:t>Power Apps (Canvas App): Customer-facing order system</a:t>
-              </a:r>
-            </a:p>
-          </p:txBody>
-        </p:sp>
-        <p:sp>
-          <p:nvSpPr>
-            <p:cNvPr id="12" name="Oval 11">
-              <a:extLst>
-                <a:ext uri="{FF2B5EF4-FFF2-40B4-BE49-F238E27FC236}">
-                  <a16:creationId xmlns:a16="http://schemas.microsoft.com/office/drawing/2014/main" id="{4E5524BD-EE5E-34F7-1A31-7F56AACF63F4}"/>
-                </a:ext>
-              </a:extLst>
-            </p:cNvPr>
-            <p:cNvSpPr/>
-            <p:nvPr/>
-          </p:nvSpPr>
-          <p:spPr>
-            <a:xfrm>
-              <a:off x="4138268" y="2784011"/>
-              <a:ext cx="867462" cy="867462"/>
-            </a:xfrm>
-            <a:prstGeom prst="ellipse">
-              <a:avLst/>
-            </a:prstGeom>
-          </p:spPr>
-          <p:style>
-            <a:lnRef idx="0">
-              <a:schemeClr val="lt1">
-                <a:alpha val="0"/>
-                <a:hueOff val="0"/>
-                <a:satOff val="0"/>
-                <a:lumOff val="0"/>
-                <a:alphaOff val="0"/>
-              </a:schemeClr>
-            </a:lnRef>
-            <a:fillRef idx="1">
-              <a:schemeClr val="accent4">
-                <a:hueOff val="0"/>
-                <a:satOff val="0"/>
-                <a:lumOff val="0"/>
-                <a:alphaOff val="0"/>
-              </a:schemeClr>
-            </a:fillRef>
-            <a:effectRef idx="0">
-              <a:schemeClr val="accent4">
-                <a:hueOff val="0"/>
-                <a:satOff val="0"/>
-                <a:lumOff val="0"/>
-                <a:alphaOff val="0"/>
-              </a:schemeClr>
-            </a:effectRef>
-            <a:fontRef idx="minor"/>
-          </p:style>
-          <p:txBody>
-            <a:bodyPr/>
-            <a:lstStyle/>
-            <a:p>
-              <a:endParaRPr lang="en-US"/>
-            </a:p>
-          </p:txBody>
-        </p:sp>
-        <p:sp>
-          <p:nvSpPr>
-            <p:cNvPr id="13" name="Rectangle 12" descr="Robot">
-              <a:extLst>
-                <a:ext uri="{FF2B5EF4-FFF2-40B4-BE49-F238E27FC236}">
-                  <a16:creationId xmlns:a16="http://schemas.microsoft.com/office/drawing/2014/main" id="{0DE21868-5CBC-D8A3-7979-4B68639F2AE9}"/>
-                </a:ext>
-              </a:extLst>
-            </p:cNvPr>
-            <p:cNvSpPr/>
-            <p:nvPr/>
-          </p:nvSpPr>
-          <p:spPr>
-            <a:xfrm>
-              <a:off x="4323137" y="2968880"/>
-              <a:ext cx="497724" cy="497724"/>
-            </a:xfrm>
-            <a:prstGeom prst="rect">
-              <a:avLst/>
-            </a:prstGeom>
-            <a:blipFill>
-              <a:blip r:embed="rId6">
-                <a:extLst>
-                  <a:ext uri="{28A0092B-C50C-407E-A947-70E740481C1C}">
-                    <a14:useLocalDpi xmlns:a14="http://schemas.microsoft.com/office/drawing/2010/main" val="0"/>
-                  </a:ext>
-                  <a:ext uri="{96DAC541-7B7A-43D3-8B79-37D633B846F1}">
-                    <asvg:svgBlip xmlns:asvg="http://schemas.microsoft.com/office/drawing/2016/SVG/main" r:embed="rId7"/>
-                  </a:ext>
-                </a:extLst>
-              </a:blip>
-              <a:stretch>
-                <a:fillRect/>
-              </a:stretch>
-            </a:blipFill>
-            <a:ln>
-              <a:noFill/>
-            </a:ln>
-          </p:spPr>
-          <p:style>
-            <a:lnRef idx="2">
-              <a:scrgbClr r="0" g="0" b="0"/>
-            </a:lnRef>
-            <a:fillRef idx="1">
-              <a:scrgbClr r="0" g="0" b="0"/>
-            </a:fillRef>
-            <a:effectRef idx="0">
-              <a:schemeClr val="bg1">
-                <a:hueOff val="0"/>
-                <a:satOff val="0"/>
-                <a:lumOff val="0"/>
-                <a:alphaOff val="0"/>
-              </a:schemeClr>
-            </a:effectRef>
-            <a:fontRef idx="minor">
-              <a:schemeClr val="dk1">
-                <a:hueOff val="0"/>
-                <a:satOff val="0"/>
-                <a:lumOff val="0"/>
-                <a:alphaOff val="0"/>
-              </a:schemeClr>
-            </a:fontRef>
-          </p:style>
-          <p:txBody>
-            <a:bodyPr/>
-            <a:lstStyle/>
-            <a:p>
-              <a:endParaRPr lang="en-US"/>
-            </a:p>
-          </p:txBody>
-        </p:sp>
-        <p:sp>
-          <p:nvSpPr>
-            <p:cNvPr id="14" name="Freeform: Shape 13">
-              <a:extLst>
-                <a:ext uri="{FF2B5EF4-FFF2-40B4-BE49-F238E27FC236}">
-                  <a16:creationId xmlns:a16="http://schemas.microsoft.com/office/drawing/2014/main" id="{AA86B0E0-EC0D-C1A8-1F26-D943050E26B8}"/>
-                </a:ext>
-              </a:extLst>
-            </p:cNvPr>
-            <p:cNvSpPr/>
-            <p:nvPr/>
-          </p:nvSpPr>
-          <p:spPr>
-            <a:xfrm>
-              <a:off x="3860964" y="3921667"/>
-              <a:ext cx="1422070" cy="1109420"/>
-            </a:xfrm>
-            <a:custGeom>
-              <a:avLst/>
-              <a:gdLst>
-                <a:gd name="connsiteX0" fmla="*/ 0 w 1422070"/>
-                <a:gd name="connsiteY0" fmla="*/ 0 h 568828"/>
-                <a:gd name="connsiteX1" fmla="*/ 1422070 w 1422070"/>
-                <a:gd name="connsiteY1" fmla="*/ 0 h 568828"/>
-                <a:gd name="connsiteX2" fmla="*/ 1422070 w 1422070"/>
-                <a:gd name="connsiteY2" fmla="*/ 568828 h 568828"/>
-                <a:gd name="connsiteX3" fmla="*/ 0 w 1422070"/>
-                <a:gd name="connsiteY3" fmla="*/ 568828 h 568828"/>
-                <a:gd name="connsiteX4" fmla="*/ 0 w 1422070"/>
-                <a:gd name="connsiteY4" fmla="*/ 0 h 568828"/>
-              </a:gdLst>
-              <a:ahLst/>
-              <a:cxnLst>
-                <a:cxn ang="0">
-                  <a:pos x="connsiteX0" y="connsiteY0"/>
-                </a:cxn>
-                <a:cxn ang="0">
-                  <a:pos x="connsiteX1" y="connsiteY1"/>
-                </a:cxn>
-                <a:cxn ang="0">
-                  <a:pos x="connsiteX2" y="connsiteY2"/>
-                </a:cxn>
-                <a:cxn ang="0">
-                  <a:pos x="connsiteX3" y="connsiteY3"/>
-                </a:cxn>
-                <a:cxn ang="0">
-                  <a:pos x="connsiteX4" y="connsiteY4"/>
-                </a:cxn>
-              </a:cxnLst>
-              <a:rect l="l" t="t" r="r" b="b"/>
-              <a:pathLst>
-                <a:path w="1422070" h="568828">
-                  <a:moveTo>
-                    <a:pt x="0" y="0"/>
-                  </a:moveTo>
-                  <a:lnTo>
-                    <a:pt x="1422070" y="0"/>
-                  </a:lnTo>
-                  <a:lnTo>
-                    <a:pt x="1422070" y="568828"/>
-                  </a:lnTo>
-                  <a:lnTo>
-                    <a:pt x="0" y="568828"/>
-                  </a:lnTo>
-                  <a:lnTo>
-                    <a:pt x="0" y="0"/>
-                  </a:lnTo>
-                  <a:close/>
-                </a:path>
-              </a:pathLst>
-            </a:custGeom>
-          </p:spPr>
-          <p:style>
-            <a:lnRef idx="0">
-              <a:schemeClr val="dk1">
-                <a:alpha val="0"/>
-                <a:hueOff val="0"/>
-                <a:satOff val="0"/>
-                <a:lumOff val="0"/>
-                <a:alphaOff val="0"/>
-              </a:schemeClr>
-            </a:lnRef>
-            <a:fillRef idx="0">
-              <a:schemeClr val="lt1">
-                <a:alpha val="0"/>
-                <a:hueOff val="0"/>
-                <a:satOff val="0"/>
-                <a:lumOff val="0"/>
-                <a:alphaOff val="0"/>
-              </a:schemeClr>
-            </a:fillRef>
-            <a:effectRef idx="0">
-              <a:schemeClr val="lt1">
-                <a:alpha val="0"/>
-                <a:hueOff val="0"/>
-                <a:satOff val="0"/>
-                <a:lumOff val="0"/>
-                <a:alphaOff val="0"/>
-              </a:schemeClr>
-            </a:effectRef>
-            <a:fontRef idx="minor">
-              <a:schemeClr val="tx1">
-                <a:hueOff val="0"/>
-                <a:satOff val="0"/>
-                <a:lumOff val="0"/>
-                <a:alphaOff val="0"/>
-              </a:schemeClr>
-            </a:fontRef>
-          </p:style>
-          <p:txBody>
-            <a:bodyPr spcFirstLastPara="0" vert="horz" wrap="square" lIns="0" tIns="0" rIns="0" bIns="0" numCol="1" spcCol="1270" anchor="t" anchorCtr="0">
-              <a:noAutofit/>
-            </a:bodyPr>
-            <a:lstStyle/>
-            <a:p>
-              <a:pPr marL="0" lvl="0" indent="0" algn="ctr" defTabSz="488950">
-                <a:lnSpc>
-                  <a:spcPct val="90000"/>
-                </a:lnSpc>
-                <a:spcBef>
-                  <a:spcPct val="0"/>
-                </a:spcBef>
-                <a:spcAft>
-                  <a:spcPct val="35000"/>
-                </a:spcAft>
-                <a:buNone/>
-                <a:defRPr cap="all"/>
-              </a:pPr>
-              <a:r>
-                <a:rPr lang="en-US" sz="1600" b="1" kern="1200" dirty="0"/>
-                <a:t>Power Automate: Automating approvals &amp; data syncing</a:t>
-              </a:r>
-            </a:p>
-          </p:txBody>
-        </p:sp>
-        <p:sp>
-          <p:nvSpPr>
-            <p:cNvPr id="15" name="Oval 14">
-              <a:extLst>
-                <a:ext uri="{FF2B5EF4-FFF2-40B4-BE49-F238E27FC236}">
-                  <a16:creationId xmlns:a16="http://schemas.microsoft.com/office/drawing/2014/main" id="{E167F796-C9CB-E74C-9187-C029769401AE}"/>
-                </a:ext>
-              </a:extLst>
-            </p:cNvPr>
-            <p:cNvSpPr/>
-            <p:nvPr/>
-          </p:nvSpPr>
-          <p:spPr>
-            <a:xfrm>
-              <a:off x="5809201" y="2784011"/>
-              <a:ext cx="867462" cy="867462"/>
-            </a:xfrm>
-            <a:prstGeom prst="ellipse">
-              <a:avLst/>
-            </a:prstGeom>
-          </p:spPr>
-          <p:style>
-            <a:lnRef idx="0">
-              <a:schemeClr val="lt1">
-                <a:alpha val="0"/>
-                <a:hueOff val="0"/>
-                <a:satOff val="0"/>
-                <a:lumOff val="0"/>
-                <a:alphaOff val="0"/>
-              </a:schemeClr>
-            </a:lnRef>
-            <a:fillRef idx="1">
-              <a:schemeClr val="accent5">
-                <a:hueOff val="0"/>
-                <a:satOff val="0"/>
-                <a:lumOff val="0"/>
-                <a:alphaOff val="0"/>
-              </a:schemeClr>
-            </a:fillRef>
-            <a:effectRef idx="0">
-              <a:schemeClr val="accent5">
-                <a:hueOff val="0"/>
-                <a:satOff val="0"/>
-                <a:lumOff val="0"/>
-                <a:alphaOff val="0"/>
-              </a:schemeClr>
-            </a:effectRef>
-            <a:fontRef idx="minor"/>
-          </p:style>
-          <p:txBody>
-            <a:bodyPr/>
-            <a:lstStyle/>
-            <a:p>
-              <a:endParaRPr lang="en-US" dirty="0"/>
-            </a:p>
-          </p:txBody>
-        </p:sp>
-        <p:sp>
-          <p:nvSpPr>
-            <p:cNvPr id="16" name="Rectangle 15" descr="Statistics">
-              <a:extLst>
-                <a:ext uri="{FF2B5EF4-FFF2-40B4-BE49-F238E27FC236}">
-                  <a16:creationId xmlns:a16="http://schemas.microsoft.com/office/drawing/2014/main" id="{77B8B8A9-75C1-7471-5DDF-46F0C29B3D4E}"/>
-                </a:ext>
-              </a:extLst>
-            </p:cNvPr>
-            <p:cNvSpPr/>
-            <p:nvPr/>
-          </p:nvSpPr>
-          <p:spPr>
-            <a:xfrm>
-              <a:off x="5994070" y="2968880"/>
-              <a:ext cx="497724" cy="497724"/>
-            </a:xfrm>
-            <a:prstGeom prst="rect">
-              <a:avLst/>
-            </a:prstGeom>
-            <a:blipFill>
-              <a:blip r:embed="rId8">
-                <a:extLst>
-                  <a:ext uri="{28A0092B-C50C-407E-A947-70E740481C1C}">
-                    <a14:useLocalDpi xmlns:a14="http://schemas.microsoft.com/office/drawing/2010/main" val="0"/>
-                  </a:ext>
-                  <a:ext uri="{96DAC541-7B7A-43D3-8B79-37D633B846F1}">
-                    <asvg:svgBlip xmlns:asvg="http://schemas.microsoft.com/office/drawing/2016/SVG/main" r:embed="rId9"/>
-                  </a:ext>
-                </a:extLst>
-              </a:blip>
-              <a:stretch>
-                <a:fillRect/>
-              </a:stretch>
-            </a:blipFill>
-            <a:ln>
-              <a:noFill/>
-            </a:ln>
-          </p:spPr>
-          <p:style>
-            <a:lnRef idx="2">
-              <a:scrgbClr r="0" g="0" b="0"/>
-            </a:lnRef>
-            <a:fillRef idx="1">
-              <a:scrgbClr r="0" g="0" b="0"/>
-            </a:fillRef>
-            <a:effectRef idx="0">
-              <a:schemeClr val="bg1">
-                <a:hueOff val="0"/>
-                <a:satOff val="0"/>
-                <a:lumOff val="0"/>
-                <a:alphaOff val="0"/>
-              </a:schemeClr>
-            </a:effectRef>
-            <a:fontRef idx="minor">
-              <a:schemeClr val="dk1">
-                <a:hueOff val="0"/>
-                <a:satOff val="0"/>
-                <a:lumOff val="0"/>
-                <a:alphaOff val="0"/>
-              </a:schemeClr>
-            </a:fontRef>
-          </p:style>
-          <p:txBody>
-            <a:bodyPr/>
-            <a:lstStyle/>
-            <a:p>
-              <a:endParaRPr lang="en-US"/>
-            </a:p>
-          </p:txBody>
-        </p:sp>
-        <p:sp>
-          <p:nvSpPr>
-            <p:cNvPr id="17" name="Freeform: Shape 16">
-              <a:extLst>
-                <a:ext uri="{FF2B5EF4-FFF2-40B4-BE49-F238E27FC236}">
-                  <a16:creationId xmlns:a16="http://schemas.microsoft.com/office/drawing/2014/main" id="{C09ABD30-C0B5-1C4B-F57C-FB948F053261}"/>
-                </a:ext>
-              </a:extLst>
-            </p:cNvPr>
-            <p:cNvSpPr/>
-            <p:nvPr/>
-          </p:nvSpPr>
-          <p:spPr>
-            <a:xfrm>
-              <a:off x="5531897" y="3921667"/>
-              <a:ext cx="1422070" cy="1109420"/>
-            </a:xfrm>
-            <a:custGeom>
-              <a:avLst/>
-              <a:gdLst>
-                <a:gd name="connsiteX0" fmla="*/ 0 w 1422070"/>
-                <a:gd name="connsiteY0" fmla="*/ 0 h 568828"/>
-                <a:gd name="connsiteX1" fmla="*/ 1422070 w 1422070"/>
-                <a:gd name="connsiteY1" fmla="*/ 0 h 568828"/>
-                <a:gd name="connsiteX2" fmla="*/ 1422070 w 1422070"/>
-                <a:gd name="connsiteY2" fmla="*/ 568828 h 568828"/>
-                <a:gd name="connsiteX3" fmla="*/ 0 w 1422070"/>
-                <a:gd name="connsiteY3" fmla="*/ 568828 h 568828"/>
-                <a:gd name="connsiteX4" fmla="*/ 0 w 1422070"/>
-                <a:gd name="connsiteY4" fmla="*/ 0 h 568828"/>
-              </a:gdLst>
-              <a:ahLst/>
-              <a:cxnLst>
-                <a:cxn ang="0">
-                  <a:pos x="connsiteX0" y="connsiteY0"/>
-                </a:cxn>
-                <a:cxn ang="0">
-                  <a:pos x="connsiteX1" y="connsiteY1"/>
-                </a:cxn>
-                <a:cxn ang="0">
-                  <a:pos x="connsiteX2" y="connsiteY2"/>
-                </a:cxn>
-                <a:cxn ang="0">
-                  <a:pos x="connsiteX3" y="connsiteY3"/>
-                </a:cxn>
-                <a:cxn ang="0">
-                  <a:pos x="connsiteX4" y="connsiteY4"/>
-                </a:cxn>
-              </a:cxnLst>
-              <a:rect l="l" t="t" r="r" b="b"/>
-              <a:pathLst>
-                <a:path w="1422070" h="568828">
-                  <a:moveTo>
-                    <a:pt x="0" y="0"/>
-                  </a:moveTo>
-                  <a:lnTo>
-                    <a:pt x="1422070" y="0"/>
-                  </a:lnTo>
-                  <a:lnTo>
-                    <a:pt x="1422070" y="568828"/>
-                  </a:lnTo>
-                  <a:lnTo>
-                    <a:pt x="0" y="568828"/>
-                  </a:lnTo>
-                  <a:lnTo>
-                    <a:pt x="0" y="0"/>
-                  </a:lnTo>
-                  <a:close/>
-                </a:path>
-              </a:pathLst>
-            </a:custGeom>
-          </p:spPr>
-          <p:style>
-            <a:lnRef idx="0">
-              <a:schemeClr val="dk1">
-                <a:alpha val="0"/>
-                <a:hueOff val="0"/>
-                <a:satOff val="0"/>
-                <a:lumOff val="0"/>
-                <a:alphaOff val="0"/>
-              </a:schemeClr>
-            </a:lnRef>
-            <a:fillRef idx="0">
-              <a:schemeClr val="lt1">
-                <a:alpha val="0"/>
-                <a:hueOff val="0"/>
-                <a:satOff val="0"/>
-                <a:lumOff val="0"/>
-                <a:alphaOff val="0"/>
-              </a:schemeClr>
-            </a:fillRef>
-            <a:effectRef idx="0">
-              <a:schemeClr val="lt1">
-                <a:alpha val="0"/>
-                <a:hueOff val="0"/>
-                <a:satOff val="0"/>
-                <a:lumOff val="0"/>
-                <a:alphaOff val="0"/>
-              </a:schemeClr>
-            </a:effectRef>
-            <a:fontRef idx="minor">
-              <a:schemeClr val="tx1">
-                <a:hueOff val="0"/>
-                <a:satOff val="0"/>
-                <a:lumOff val="0"/>
-                <a:alphaOff val="0"/>
-              </a:schemeClr>
-            </a:fontRef>
-          </p:style>
-          <p:txBody>
-            <a:bodyPr spcFirstLastPara="0" vert="horz" wrap="square" lIns="0" tIns="0" rIns="0" bIns="0" numCol="1" spcCol="1270" anchor="t" anchorCtr="0">
-              <a:noAutofit/>
-            </a:bodyPr>
-            <a:lstStyle/>
-            <a:p>
-              <a:pPr marL="0" lvl="0" indent="0" algn="ctr" defTabSz="488950">
-                <a:lnSpc>
-                  <a:spcPct val="90000"/>
-                </a:lnSpc>
-                <a:spcBef>
-                  <a:spcPct val="0"/>
-                </a:spcBef>
-                <a:spcAft>
-                  <a:spcPct val="35000"/>
-                </a:spcAft>
-                <a:buNone/>
-                <a:defRPr cap="all"/>
-              </a:pPr>
-              <a:r>
-                <a:rPr lang="en-US" sz="1600" b="1" kern="1200" dirty="0"/>
-                <a:t>Power BI: Real-time reports &amp; analytics</a:t>
-              </a:r>
-            </a:p>
-          </p:txBody>
-        </p:sp>
-        <p:sp>
-          <p:nvSpPr>
-            <p:cNvPr id="18" name="Oval 17">
-              <a:extLst>
-                <a:ext uri="{FF2B5EF4-FFF2-40B4-BE49-F238E27FC236}">
-                  <a16:creationId xmlns:a16="http://schemas.microsoft.com/office/drawing/2014/main" id="{3065DCFB-EA2A-F193-547D-52BC6C748488}"/>
-                </a:ext>
-              </a:extLst>
-            </p:cNvPr>
-            <p:cNvSpPr/>
-            <p:nvPr/>
-          </p:nvSpPr>
-          <p:spPr>
-            <a:xfrm>
-              <a:off x="7480133" y="2784011"/>
-              <a:ext cx="867462" cy="867462"/>
-            </a:xfrm>
-            <a:prstGeom prst="ellipse">
-              <a:avLst/>
-            </a:prstGeom>
-          </p:spPr>
-          <p:style>
-            <a:lnRef idx="0">
-              <a:schemeClr val="lt1">
-                <a:alpha val="0"/>
-                <a:hueOff val="0"/>
-                <a:satOff val="0"/>
-                <a:lumOff val="0"/>
-                <a:alphaOff val="0"/>
-              </a:schemeClr>
-            </a:lnRef>
-            <a:fillRef idx="1">
-              <a:schemeClr val="accent6">
-                <a:hueOff val="0"/>
-                <a:satOff val="0"/>
-                <a:lumOff val="0"/>
-                <a:alphaOff val="0"/>
-              </a:schemeClr>
-            </a:fillRef>
-            <a:effectRef idx="0">
-              <a:schemeClr val="accent6">
-                <a:hueOff val="0"/>
-                <a:satOff val="0"/>
-                <a:lumOff val="0"/>
-                <a:alphaOff val="0"/>
-              </a:schemeClr>
-            </a:effectRef>
-            <a:fontRef idx="minor"/>
-          </p:style>
-          <p:txBody>
-            <a:bodyPr/>
-            <a:lstStyle/>
-            <a:p>
-              <a:endParaRPr lang="en-US"/>
-            </a:p>
-          </p:txBody>
-        </p:sp>
-        <p:sp>
-          <p:nvSpPr>
-            <p:cNvPr id="19" name="Rectangle 18" descr="Lock">
-              <a:extLst>
-                <a:ext uri="{FF2B5EF4-FFF2-40B4-BE49-F238E27FC236}">
-                  <a16:creationId xmlns:a16="http://schemas.microsoft.com/office/drawing/2014/main" id="{BEEDF20D-980F-D622-CD84-BBE12E014C34}"/>
-                </a:ext>
-              </a:extLst>
-            </p:cNvPr>
-            <p:cNvSpPr/>
-            <p:nvPr/>
-          </p:nvSpPr>
-          <p:spPr>
-            <a:xfrm>
-              <a:off x="7665002" y="2968880"/>
-              <a:ext cx="497724" cy="497724"/>
-            </a:xfrm>
-            <a:prstGeom prst="rect">
-              <a:avLst/>
-            </a:prstGeom>
-            <a:blipFill>
-              <a:blip r:embed="rId10">
-                <a:extLst>
-                  <a:ext uri="{28A0092B-C50C-407E-A947-70E740481C1C}">
-                    <a14:useLocalDpi xmlns:a14="http://schemas.microsoft.com/office/drawing/2010/main" val="0"/>
-                  </a:ext>
-                  <a:ext uri="{96DAC541-7B7A-43D3-8B79-37D633B846F1}">
-                    <asvg:svgBlip xmlns:asvg="http://schemas.microsoft.com/office/drawing/2016/SVG/main" r:embed="rId11"/>
-                  </a:ext>
-                </a:extLst>
-              </a:blip>
-              <a:stretch>
-                <a:fillRect/>
-              </a:stretch>
-            </a:blipFill>
-            <a:ln>
-              <a:noFill/>
-            </a:ln>
-          </p:spPr>
-          <p:style>
-            <a:lnRef idx="2">
-              <a:scrgbClr r="0" g="0" b="0"/>
-            </a:lnRef>
-            <a:fillRef idx="1">
-              <a:scrgbClr r="0" g="0" b="0"/>
-            </a:fillRef>
-            <a:effectRef idx="0">
-              <a:schemeClr val="bg1">
-                <a:hueOff val="0"/>
-                <a:satOff val="0"/>
-                <a:lumOff val="0"/>
-                <a:alphaOff val="0"/>
-              </a:schemeClr>
-            </a:effectRef>
-            <a:fontRef idx="minor">
-              <a:schemeClr val="dk1">
-                <a:hueOff val="0"/>
-                <a:satOff val="0"/>
-                <a:lumOff val="0"/>
-                <a:alphaOff val="0"/>
-              </a:schemeClr>
-            </a:fontRef>
-          </p:style>
-          <p:txBody>
-            <a:bodyPr/>
-            <a:lstStyle/>
-            <a:p>
-              <a:endParaRPr lang="en-US"/>
-            </a:p>
-          </p:txBody>
-        </p:sp>
-        <p:sp>
-          <p:nvSpPr>
-            <p:cNvPr id="20" name="Freeform: Shape 19">
-              <a:extLst>
-                <a:ext uri="{FF2B5EF4-FFF2-40B4-BE49-F238E27FC236}">
-                  <a16:creationId xmlns:a16="http://schemas.microsoft.com/office/drawing/2014/main" id="{8CAD690A-C1DD-2817-174B-C818B63861EC}"/>
-                </a:ext>
-              </a:extLst>
-            </p:cNvPr>
-            <p:cNvSpPr/>
-            <p:nvPr/>
-          </p:nvSpPr>
-          <p:spPr>
-            <a:xfrm>
-              <a:off x="7202830" y="3921667"/>
-              <a:ext cx="1422070" cy="1109420"/>
-            </a:xfrm>
-            <a:custGeom>
-              <a:avLst/>
-              <a:gdLst>
-                <a:gd name="connsiteX0" fmla="*/ 0 w 1422070"/>
-                <a:gd name="connsiteY0" fmla="*/ 0 h 568828"/>
-                <a:gd name="connsiteX1" fmla="*/ 1422070 w 1422070"/>
-                <a:gd name="connsiteY1" fmla="*/ 0 h 568828"/>
-                <a:gd name="connsiteX2" fmla="*/ 1422070 w 1422070"/>
-                <a:gd name="connsiteY2" fmla="*/ 568828 h 568828"/>
-                <a:gd name="connsiteX3" fmla="*/ 0 w 1422070"/>
-                <a:gd name="connsiteY3" fmla="*/ 568828 h 568828"/>
-                <a:gd name="connsiteX4" fmla="*/ 0 w 1422070"/>
-                <a:gd name="connsiteY4" fmla="*/ 0 h 568828"/>
-              </a:gdLst>
-              <a:ahLst/>
-              <a:cxnLst>
-                <a:cxn ang="0">
-                  <a:pos x="connsiteX0" y="connsiteY0"/>
-                </a:cxn>
-                <a:cxn ang="0">
-                  <a:pos x="connsiteX1" y="connsiteY1"/>
-                </a:cxn>
-                <a:cxn ang="0">
-                  <a:pos x="connsiteX2" y="connsiteY2"/>
-                </a:cxn>
-                <a:cxn ang="0">
-                  <a:pos x="connsiteX3" y="connsiteY3"/>
-                </a:cxn>
-                <a:cxn ang="0">
-                  <a:pos x="connsiteX4" y="connsiteY4"/>
-                </a:cxn>
-              </a:cxnLst>
-              <a:rect l="l" t="t" r="r" b="b"/>
-              <a:pathLst>
-                <a:path w="1422070" h="568828">
-                  <a:moveTo>
-                    <a:pt x="0" y="0"/>
-                  </a:moveTo>
-                  <a:lnTo>
-                    <a:pt x="1422070" y="0"/>
-                  </a:lnTo>
-                  <a:lnTo>
-                    <a:pt x="1422070" y="568828"/>
-                  </a:lnTo>
-                  <a:lnTo>
-                    <a:pt x="0" y="568828"/>
-                  </a:lnTo>
-                  <a:lnTo>
-                    <a:pt x="0" y="0"/>
-                  </a:lnTo>
-                  <a:close/>
-                </a:path>
-              </a:pathLst>
-            </a:custGeom>
-          </p:spPr>
-          <p:style>
-            <a:lnRef idx="0">
-              <a:schemeClr val="dk1">
-                <a:alpha val="0"/>
-                <a:hueOff val="0"/>
-                <a:satOff val="0"/>
-                <a:lumOff val="0"/>
-                <a:alphaOff val="0"/>
-              </a:schemeClr>
-            </a:lnRef>
-            <a:fillRef idx="0">
-              <a:schemeClr val="lt1">
-                <a:alpha val="0"/>
-                <a:hueOff val="0"/>
-                <a:satOff val="0"/>
-                <a:lumOff val="0"/>
-                <a:alphaOff val="0"/>
-              </a:schemeClr>
-            </a:fillRef>
-            <a:effectRef idx="0">
-              <a:schemeClr val="lt1">
-                <a:alpha val="0"/>
-                <a:hueOff val="0"/>
-                <a:satOff val="0"/>
-                <a:lumOff val="0"/>
-                <a:alphaOff val="0"/>
-              </a:schemeClr>
-            </a:effectRef>
-            <a:fontRef idx="minor">
-              <a:schemeClr val="tx1">
-                <a:hueOff val="0"/>
-                <a:satOff val="0"/>
-                <a:lumOff val="0"/>
-                <a:alphaOff val="0"/>
-              </a:schemeClr>
-            </a:fontRef>
-          </p:style>
-          <p:txBody>
-            <a:bodyPr spcFirstLastPara="0" vert="horz" wrap="square" lIns="0" tIns="0" rIns="0" bIns="0" numCol="1" spcCol="1270" anchor="t" anchorCtr="0">
-              <a:noAutofit/>
-            </a:bodyPr>
-            <a:lstStyle/>
-            <a:p>
-              <a:pPr marL="0" lvl="0" indent="0" algn="ctr" defTabSz="488950">
-                <a:lnSpc>
-                  <a:spcPct val="90000"/>
-                </a:lnSpc>
-                <a:spcBef>
-                  <a:spcPct val="0"/>
-                </a:spcBef>
-                <a:spcAft>
-                  <a:spcPct val="35000"/>
-                </a:spcAft>
-                <a:buNone/>
-                <a:defRPr cap="all"/>
-              </a:pPr>
-              <a:r>
-                <a:rPr lang="en-US" sz="1600" b="1" kern="1200" dirty="0"/>
-                <a:t>Dataverse: Secure data storage</a:t>
-              </a:r>
-            </a:p>
-          </p:txBody>
-        </p:sp>
-      </p:grpSp>
-    </p:spTree>
-  </p:cSld>
-  <p:clrMapOvr>
-    <a:masterClrMapping/>
-  </p:clrMapOvr>
-</p:sld>
-</file>
-
-<file path=ppt/slides/slide6.xml><?xml version="1.0" encoding="utf-8"?>
-<p:sld xmlns:a="http://schemas.openxmlformats.org/drawingml/2006/main" xmlns:r="http://schemas.openxmlformats.org/officeDocument/2006/relationships" xmlns:p="http://schemas.openxmlformats.org/presentationml/2006/main">
-  <p:cSld>
-    <p:spTree>
-      <p:nvGrpSpPr>
-        <p:cNvPr id="1" name="">
-          <a:extLst>
-            <a:ext uri="{FF2B5EF4-FFF2-40B4-BE49-F238E27FC236}">
-              <a16:creationId xmlns:a16="http://schemas.microsoft.com/office/drawing/2014/main" id="{09318EC6-BE66-3713-95BB-57E24DA3E325}"/>
-            </a:ext>
-          </a:extLst>
-        </p:cNvPr>
-        <p:cNvGrpSpPr/>
-        <p:nvPr/>
-      </p:nvGrpSpPr>
-      <p:grpSpPr>
-        <a:xfrm>
-          <a:off x="0" y="0"/>
-          <a:ext cx="0" cy="0"/>
-          <a:chOff x="0" y="0"/>
-          <a:chExt cx="0" cy="0"/>
-        </a:xfrm>
-      </p:grpSpPr>
-      <p:sp useBgFill="1">
-        <p:nvSpPr>
-          <p:cNvPr id="20" name="Rounded Rectangle 14">
-            <a:extLst>
-              <a:ext uri="{FF2B5EF4-FFF2-40B4-BE49-F238E27FC236}">
-                <a16:creationId xmlns:a16="http://schemas.microsoft.com/office/drawing/2014/main" id="{12CC1C37-8BC7-4374-8300-E73C369150D7}"/>
-              </a:ext>
-              <a:ext uri="{C183D7F6-B498-43B3-948B-1728B52AA6E4}">
-                <adec:decorative xmlns:adec="http://schemas.microsoft.com/office/drawing/2017/decorative" val="1"/>
-              </a:ext>
-            </a:extLst>
-          </p:cNvPr>
-          <p:cNvSpPr>
-            <a:spLocks noGrp="1" noRot="1" noChangeAspect="1" noMove="1" noResize="1" noEditPoints="1" noAdjustHandles="1" noChangeArrowheads="1" noChangeShapeType="1" noTextEdit="1"/>
-          </p:cNvSpPr>
-          <p:nvPr>
-            <p:extLst>
-              <p:ext uri="{386F3935-93C4-4BCD-93E2-E3B085C9AB24}">
-                <p16:designElem xmlns:p16="http://schemas.microsoft.com/office/powerpoint/2015/main" val="1"/>
-              </p:ext>
-            </p:extLst>
-          </p:nvPr>
-        </p:nvSpPr>
-        <p:spPr>
-          <a:xfrm>
-            <a:off x="3477006" y="0"/>
-            <a:ext cx="5666994" cy="6858000"/>
-          </a:xfrm>
-          <a:prstGeom prst="roundRect">
-            <a:avLst>
-              <a:gd name="adj" fmla="val 0"/>
-            </a:avLst>
-          </a:prstGeom>
-          <a:ln>
-            <a:noFill/>
-          </a:ln>
-          <a:effectLst/>
-        </p:spPr>
-        <p:style>
-          <a:lnRef idx="2">
-            <a:schemeClr val="accent1">
-              <a:shade val="50000"/>
-            </a:schemeClr>
-          </a:lnRef>
-          <a:fillRef idx="1">
-            <a:schemeClr val="accent1"/>
-          </a:fillRef>
-          <a:effectRef idx="0">
-            <a:schemeClr val="accent1"/>
-          </a:effectRef>
-          <a:fontRef idx="minor">
-            <a:schemeClr val="lt1"/>
-          </a:fontRef>
-        </p:style>
-        <p:txBody>
-          <a:bodyPr rtlCol="0" anchor="ctr"/>
-          <a:lstStyle/>
-          <a:p>
-            <a:pPr algn="ctr"/>
-            <a:endParaRPr lang="en-US"/>
-          </a:p>
-        </p:txBody>
-      </p:sp>
-      <p:sp>
-        <p:nvSpPr>
-          <p:cNvPr id="22" name="Rectangle 21">
-            <a:extLst>
-              <a:ext uri="{FF2B5EF4-FFF2-40B4-BE49-F238E27FC236}">
-                <a16:creationId xmlns:a16="http://schemas.microsoft.com/office/drawing/2014/main" id="{8CC82757-F96F-41CB-B2B8-49689F4362A3}"/>
-              </a:ext>
-              <a:ext uri="{C183D7F6-B498-43B3-948B-1728B52AA6E4}">
-                <adec:decorative xmlns:adec="http://schemas.microsoft.com/office/drawing/2017/decorative" val="1"/>
-              </a:ext>
-            </a:extLst>
-          </p:cNvPr>
-          <p:cNvSpPr>
-            <a:spLocks noGrp="1" noRot="1" noChangeAspect="1" noMove="1" noResize="1" noEditPoints="1" noAdjustHandles="1" noChangeArrowheads="1" noChangeShapeType="1" noTextEdit="1"/>
-          </p:cNvSpPr>
-          <p:nvPr>
-            <p:extLst>
-              <p:ext uri="{386F3935-93C4-4BCD-93E2-E3B085C9AB24}">
-                <p16:designElem xmlns:p16="http://schemas.microsoft.com/office/powerpoint/2015/main" val="1"/>
-              </p:ext>
-            </p:extLst>
-          </p:nvPr>
-        </p:nvSpPr>
-        <p:spPr>
-          <a:xfrm>
-            <a:off x="0" y="0"/>
-            <a:ext cx="3477006" cy="6858000"/>
-          </a:xfrm>
-          <a:prstGeom prst="rect">
-            <a:avLst/>
-          </a:prstGeom>
-          <a:solidFill>
-            <a:schemeClr val="tx1"/>
-          </a:solidFill>
-          <a:ln>
-            <a:noFill/>
-          </a:ln>
-          <a:effectLst>
-            <a:outerShdw blurRad="63500" dist="38100" algn="l" rotWithShape="0">
-              <a:prstClr val="black">
-                <a:alpha val="40000"/>
-              </a:prstClr>
-            </a:outerShdw>
-          </a:effectLst>
-        </p:spPr>
-        <p:style>
-          <a:lnRef idx="2">
-            <a:schemeClr val="accent1">
-              <a:shade val="50000"/>
-            </a:schemeClr>
-          </a:lnRef>
-          <a:fillRef idx="1">
-            <a:schemeClr val="accent1"/>
-          </a:fillRef>
-          <a:effectRef idx="0">
-            <a:schemeClr val="accent1"/>
-          </a:effectRef>
-          <a:fontRef idx="minor">
-            <a:schemeClr val="lt1"/>
-          </a:fontRef>
-        </p:style>
-        <p:txBody>
-          <a:bodyPr rtlCol="0" anchor="ctr"/>
-          <a:lstStyle/>
-          <a:p>
-            <a:pPr algn="ctr"/>
-            <a:endParaRPr lang="en-US"/>
-          </a:p>
-        </p:txBody>
-      </p:sp>
-      <p:pic>
-        <p:nvPicPr>
-          <p:cNvPr id="24" name="Picture 23">
-            <a:extLst>
-              <a:ext uri="{FF2B5EF4-FFF2-40B4-BE49-F238E27FC236}">
-                <a16:creationId xmlns:a16="http://schemas.microsoft.com/office/drawing/2014/main" id="{FA37F53D-999D-4551-B3F8-064DBF315562}"/>
-              </a:ext>
-              <a:ext uri="{C183D7F6-B498-43B3-948B-1728B52AA6E4}">
-                <adec:decorative xmlns:adec="http://schemas.microsoft.com/office/drawing/2017/decorative" val="1"/>
-              </a:ext>
-            </a:extLst>
-          </p:cNvPr>
-          <p:cNvPicPr>
-            <a:picLocks noGrp="1" noRot="1" noChangeAspect="1" noMove="1" noResize="1" noEditPoints="1" noAdjustHandles="1" noChangeArrowheads="1" noChangeShapeType="1" noCrop="1"/>
-          </p:cNvPicPr>
-          <p:nvPr>
-            <p:extLst>
-              <p:ext uri="{386F3935-93C4-4BCD-93E2-E3B085C9AB24}">
-                <p16:designElem xmlns:p16="http://schemas.microsoft.com/office/powerpoint/2015/main" val="1"/>
-              </p:ext>
-            </p:extLst>
-          </p:nvPr>
-        </p:nvPicPr>
-        <p:blipFill rotWithShape="1">
-          <a:blip r:embed="rId2">
-            <a:extLst>
-              <a:ext uri="{28A0092B-C50C-407E-A947-70E740481C1C}">
-                <a14:useLocalDpi xmlns:a14="http://schemas.microsoft.com/office/drawing/2010/main" val="0"/>
-              </a:ext>
-            </a:extLst>
-          </a:blip>
-          <a:srcRect r="61975"/>
-          <a:stretch/>
-        </p:blipFill>
-        <p:spPr>
-          <a:xfrm>
-            <a:off x="0" y="0"/>
-            <a:ext cx="3477006" cy="1441450"/>
-          </a:xfrm>
-          <a:prstGeom prst="rect">
-            <a:avLst/>
-          </a:prstGeom>
-        </p:spPr>
-      </p:pic>
-      <p:pic>
-        <p:nvPicPr>
-          <p:cNvPr id="26" name="Picture 25">
-            <a:extLst>
-              <a:ext uri="{FF2B5EF4-FFF2-40B4-BE49-F238E27FC236}">
-                <a16:creationId xmlns:a16="http://schemas.microsoft.com/office/drawing/2014/main" id="{A9C99389-A1E4-4A6F-BF8E-9013FF049140}"/>
-              </a:ext>
-              <a:ext uri="{C183D7F6-B498-43B3-948B-1728B52AA6E4}">
-                <adec:decorative xmlns:adec="http://schemas.microsoft.com/office/drawing/2017/decorative" val="1"/>
-              </a:ext>
-            </a:extLst>
-          </p:cNvPr>
-          <p:cNvPicPr>
-            <a:picLocks noGrp="1" noRot="1" noChangeAspect="1" noMove="1" noResize="1" noEditPoints="1" noAdjustHandles="1" noChangeArrowheads="1" noChangeShapeType="1" noCrop="1"/>
-          </p:cNvPicPr>
-          <p:nvPr>
-            <p:extLst>
-              <p:ext uri="{386F3935-93C4-4BCD-93E2-E3B085C9AB24}">
-                <p16:designElem xmlns:p16="http://schemas.microsoft.com/office/powerpoint/2015/main" val="1"/>
-              </p:ext>
-            </p:extLst>
-          </p:nvPr>
-        </p:nvPicPr>
-        <p:blipFill rotWithShape="1">
-          <a:blip r:embed="rId3">
-            <a:extLst>
-              <a:ext uri="{28A0092B-C50C-407E-A947-70E740481C1C}">
-                <a14:useLocalDpi xmlns:a14="http://schemas.microsoft.com/office/drawing/2010/main" val="0"/>
-              </a:ext>
-            </a:extLst>
-          </a:blip>
-          <a:srcRect r="61975"/>
-          <a:stretch/>
-        </p:blipFill>
-        <p:spPr>
-          <a:xfrm>
-            <a:off x="0" y="4375150"/>
-            <a:ext cx="3477006" cy="2482850"/>
-          </a:xfrm>
-          <a:prstGeom prst="rect">
-            <a:avLst/>
-          </a:prstGeom>
-        </p:spPr>
-      </p:pic>
-      <p:sp>
-        <p:nvSpPr>
-          <p:cNvPr id="2" name="Title 1">
-            <a:extLst>
-              <a:ext uri="{FF2B5EF4-FFF2-40B4-BE49-F238E27FC236}">
-                <a16:creationId xmlns:a16="http://schemas.microsoft.com/office/drawing/2014/main" id="{B56AD49A-B3F7-4779-2D4A-A3263182062E}"/>
-              </a:ext>
-            </a:extLst>
-          </p:cNvPr>
-          <p:cNvSpPr>
-            <a:spLocks noGrp="1"/>
-          </p:cNvSpPr>
-          <p:nvPr>
-            <p:ph type="title"/>
-          </p:nvPr>
-        </p:nvSpPr>
-        <p:spPr>
-          <a:xfrm>
-            <a:off x="514350" y="1066163"/>
-            <a:ext cx="2480058" cy="5148371"/>
-          </a:xfrm>
-        </p:spPr>
-        <p:txBody>
-          <a:bodyPr>
-            <a:normAutofit/>
-          </a:bodyPr>
-          <a:lstStyle/>
-          <a:p>
-            <a:r>
-              <a:rPr lang="en-US" sz="3400" dirty="0">
-                <a:solidFill>
-                  <a:schemeClr val="bg1"/>
-                </a:solidFill>
-              </a:rPr>
-              <a:t>Power Apps – Customer Order Interface : how it works</a:t>
-            </a:r>
-          </a:p>
-        </p:txBody>
-      </p:sp>
-      <p:graphicFrame>
-        <p:nvGraphicFramePr>
-          <p:cNvPr id="5" name="Content Placeholder 2">
-            <a:extLst>
-              <a:ext uri="{FF2B5EF4-FFF2-40B4-BE49-F238E27FC236}">
-                <a16:creationId xmlns:a16="http://schemas.microsoft.com/office/drawing/2014/main" id="{BFBF27FC-7DCD-D247-89B1-C772DCF982A4}"/>
-              </a:ext>
-            </a:extLst>
-          </p:cNvPr>
-          <p:cNvGraphicFramePr>
-            <a:graphicFrameLocks noGrp="1"/>
-          </p:cNvGraphicFramePr>
-          <p:nvPr>
-            <p:ph idx="1"/>
-            <p:extLst>
-              <p:ext uri="{D42A27DB-BD31-4B8C-83A1-F6EECF244321}">
-                <p14:modId xmlns:p14="http://schemas.microsoft.com/office/powerpoint/2010/main" val="335192601"/>
-              </p:ext>
-            </p:extLst>
-          </p:nvPr>
-        </p:nvGraphicFramePr>
-        <p:xfrm>
-          <a:off x="3959604" y="746125"/>
-          <a:ext cx="4717669" cy="5447745"/>
-        </p:xfrm>
-        <a:graphic>
-          <a:graphicData uri="http://schemas.openxmlformats.org/drawingml/2006/diagram">
-            <dgm:relIds xmlns:dgm="http://schemas.openxmlformats.org/drawingml/2006/diagram" xmlns:r="http://schemas.openxmlformats.org/officeDocument/2006/relationships" r:dm="rId4" r:lo="rId5" r:qs="rId6" r:cs="rId7"/>
-          </a:graphicData>
-        </a:graphic>
-      </p:graphicFrame>
-    </p:spTree>
-    <p:extLst>
-      <p:ext uri="{BB962C8B-B14F-4D97-AF65-F5344CB8AC3E}">
-        <p14:creationId xmlns:p14="http://schemas.microsoft.com/office/powerpoint/2010/main" val="143495126"/>
-      </p:ext>
-    </p:extLst>
-  </p:cSld>
-  <p:clrMapOvr>
-    <a:masterClrMapping/>
-  </p:clrMapOvr>
-</p:sld>
-</file>
-
-<file path=ppt/slides/slide7.xml><?xml version="1.0" encoding="utf-8"?>
-<p:sld xmlns:a="http://schemas.openxmlformats.org/drawingml/2006/main" xmlns:r="http://schemas.openxmlformats.org/officeDocument/2006/relationships" xmlns:p="http://schemas.openxmlformats.org/presentationml/2006/main">
-  <p:cSld>
-    <p:spTree>
-      <p:nvGrpSpPr>
-        <p:cNvPr id="1" name=""/>
-        <p:cNvGrpSpPr/>
-        <p:nvPr/>
-      </p:nvGrpSpPr>
-      <p:grpSpPr>
-        <a:xfrm>
-          <a:off x="0" y="0"/>
-          <a:ext cx="0" cy="0"/>
-          <a:chOff x="0" y="0"/>
-          <a:chExt cx="0" cy="0"/>
-        </a:xfrm>
-      </p:grpSpPr>
-      <p:sp useBgFill="1">
-        <p:nvSpPr>
-          <p:cNvPr id="9" name="Rounded Rectangle 14">
-            <a:extLst>
-              <a:ext uri="{FF2B5EF4-FFF2-40B4-BE49-F238E27FC236}">
-                <a16:creationId xmlns:a16="http://schemas.microsoft.com/office/drawing/2014/main" id="{12CC1C37-8BC7-4374-8300-E73C369150D7}"/>
-              </a:ext>
-              <a:ext uri="{C183D7F6-B498-43B3-948B-1728B52AA6E4}">
-                <adec:decorative xmlns:adec="http://schemas.microsoft.com/office/drawing/2017/decorative" val="1"/>
-              </a:ext>
-            </a:extLst>
-          </p:cNvPr>
-          <p:cNvSpPr>
-            <a:spLocks noGrp="1" noRot="1" noChangeAspect="1" noMove="1" noResize="1" noEditPoints="1" noAdjustHandles="1" noChangeArrowheads="1" noChangeShapeType="1" noTextEdit="1"/>
-          </p:cNvSpPr>
-          <p:nvPr>
-            <p:extLst>
-              <p:ext uri="{386F3935-93C4-4BCD-93E2-E3B085C9AB24}">
-                <p16:designElem xmlns:p16="http://schemas.microsoft.com/office/powerpoint/2015/main" val="1"/>
-              </p:ext>
-            </p:extLst>
-          </p:nvPr>
-        </p:nvSpPr>
-        <p:spPr>
-          <a:xfrm>
-            <a:off x="3477006" y="0"/>
-            <a:ext cx="5666994" cy="6858000"/>
-          </a:xfrm>
-          <a:prstGeom prst="roundRect">
-            <a:avLst>
-              <a:gd name="adj" fmla="val 0"/>
-            </a:avLst>
-          </a:prstGeom>
-          <a:ln>
-            <a:noFill/>
-          </a:ln>
-          <a:effectLst/>
-        </p:spPr>
-        <p:style>
-          <a:lnRef idx="2">
-            <a:schemeClr val="accent1">
-              <a:shade val="50000"/>
-            </a:schemeClr>
-          </a:lnRef>
-          <a:fillRef idx="1">
-            <a:schemeClr val="accent1"/>
-          </a:fillRef>
-          <a:effectRef idx="0">
-            <a:schemeClr val="accent1"/>
-          </a:effectRef>
-          <a:fontRef idx="minor">
-            <a:schemeClr val="lt1"/>
-          </a:fontRef>
-        </p:style>
-        <p:txBody>
-          <a:bodyPr rtlCol="0" anchor="ctr"/>
-          <a:lstStyle/>
-          <a:p>
-            <a:pPr algn="ctr"/>
-            <a:endParaRPr lang="en-US"/>
-          </a:p>
-        </p:txBody>
-      </p:sp>
-      <p:sp>
-        <p:nvSpPr>
-          <p:cNvPr id="11" name="Rectangle 10">
-            <a:extLst>
-              <a:ext uri="{FF2B5EF4-FFF2-40B4-BE49-F238E27FC236}">
-                <a16:creationId xmlns:a16="http://schemas.microsoft.com/office/drawing/2014/main" id="{8CC82757-F96F-41CB-B2B8-49689F4362A3}"/>
-              </a:ext>
-              <a:ext uri="{C183D7F6-B498-43B3-948B-1728B52AA6E4}">
-                <adec:decorative xmlns:adec="http://schemas.microsoft.com/office/drawing/2017/decorative" val="1"/>
-              </a:ext>
-            </a:extLst>
-          </p:cNvPr>
-          <p:cNvSpPr>
-            <a:spLocks noGrp="1" noRot="1" noChangeAspect="1" noMove="1" noResize="1" noEditPoints="1" noAdjustHandles="1" noChangeArrowheads="1" noChangeShapeType="1" noTextEdit="1"/>
-          </p:cNvSpPr>
-          <p:nvPr>
-            <p:extLst>
-              <p:ext uri="{386F3935-93C4-4BCD-93E2-E3B085C9AB24}">
-                <p16:designElem xmlns:p16="http://schemas.microsoft.com/office/powerpoint/2015/main" val="1"/>
-              </p:ext>
-            </p:extLst>
-          </p:nvPr>
-        </p:nvSpPr>
-        <p:spPr>
-          <a:xfrm>
-            <a:off x="0" y="0"/>
-            <a:ext cx="3477006" cy="6858000"/>
-          </a:xfrm>
-          <a:prstGeom prst="rect">
-            <a:avLst/>
-          </a:prstGeom>
-          <a:solidFill>
-            <a:schemeClr val="tx1"/>
-          </a:solidFill>
-          <a:ln>
-            <a:noFill/>
-          </a:ln>
-          <a:effectLst>
-            <a:outerShdw blurRad="63500" dist="38100" algn="l" rotWithShape="0">
-              <a:prstClr val="black">
-                <a:alpha val="40000"/>
-              </a:prstClr>
-            </a:outerShdw>
-          </a:effectLst>
-        </p:spPr>
-        <p:style>
-          <a:lnRef idx="2">
-            <a:schemeClr val="accent1">
-              <a:shade val="50000"/>
-            </a:schemeClr>
-          </a:lnRef>
-          <a:fillRef idx="1">
-            <a:schemeClr val="accent1"/>
-          </a:fillRef>
-          <a:effectRef idx="0">
-            <a:schemeClr val="accent1"/>
-          </a:effectRef>
-          <a:fontRef idx="minor">
-            <a:schemeClr val="lt1"/>
-          </a:fontRef>
-        </p:style>
-        <p:txBody>
-          <a:bodyPr rtlCol="0" anchor="ctr"/>
-          <a:lstStyle/>
-          <a:p>
-            <a:pPr algn="ctr"/>
-            <a:endParaRPr lang="en-US"/>
-          </a:p>
-        </p:txBody>
-      </p:sp>
-      <p:pic>
-        <p:nvPicPr>
-          <p:cNvPr id="13" name="Picture 12">
-            <a:extLst>
-              <a:ext uri="{FF2B5EF4-FFF2-40B4-BE49-F238E27FC236}">
-                <a16:creationId xmlns:a16="http://schemas.microsoft.com/office/drawing/2014/main" id="{FA37F53D-999D-4551-B3F8-064DBF315562}"/>
-              </a:ext>
-              <a:ext uri="{C183D7F6-B498-43B3-948B-1728B52AA6E4}">
-                <adec:decorative xmlns:adec="http://schemas.microsoft.com/office/drawing/2017/decorative" val="1"/>
-              </a:ext>
-            </a:extLst>
-          </p:cNvPr>
-          <p:cNvPicPr>
-            <a:picLocks noGrp="1" noRot="1" noChangeAspect="1" noMove="1" noResize="1" noEditPoints="1" noAdjustHandles="1" noChangeArrowheads="1" noChangeShapeType="1" noCrop="1"/>
-          </p:cNvPicPr>
-          <p:nvPr>
-            <p:extLst>
-              <p:ext uri="{386F3935-93C4-4BCD-93E2-E3B085C9AB24}">
-                <p16:designElem xmlns:p16="http://schemas.microsoft.com/office/powerpoint/2015/main" val="1"/>
-              </p:ext>
-            </p:extLst>
-          </p:nvPr>
-        </p:nvPicPr>
-        <p:blipFill rotWithShape="1">
-          <a:blip r:embed="rId2">
-            <a:extLst>
-              <a:ext uri="{28A0092B-C50C-407E-A947-70E740481C1C}">
-                <a14:useLocalDpi xmlns:a14="http://schemas.microsoft.com/office/drawing/2010/main" val="0"/>
-              </a:ext>
-            </a:extLst>
-          </a:blip>
-          <a:srcRect r="61975"/>
-          <a:stretch/>
-        </p:blipFill>
-        <p:spPr>
-          <a:xfrm>
-            <a:off x="0" y="0"/>
-            <a:ext cx="3477006" cy="1441450"/>
-          </a:xfrm>
-          <a:prstGeom prst="rect">
-            <a:avLst/>
-          </a:prstGeom>
-        </p:spPr>
-      </p:pic>
-      <p:pic>
-        <p:nvPicPr>
-          <p:cNvPr id="15" name="Picture 14">
-            <a:extLst>
-              <a:ext uri="{FF2B5EF4-FFF2-40B4-BE49-F238E27FC236}">
-                <a16:creationId xmlns:a16="http://schemas.microsoft.com/office/drawing/2014/main" id="{A9C99389-A1E4-4A6F-BF8E-9013FF049140}"/>
-              </a:ext>
-              <a:ext uri="{C183D7F6-B498-43B3-948B-1728B52AA6E4}">
-                <adec:decorative xmlns:adec="http://schemas.microsoft.com/office/drawing/2017/decorative" val="1"/>
-              </a:ext>
-            </a:extLst>
-          </p:cNvPr>
-          <p:cNvPicPr>
-            <a:picLocks noGrp="1" noRot="1" noChangeAspect="1" noMove="1" noResize="1" noEditPoints="1" noAdjustHandles="1" noChangeArrowheads="1" noChangeShapeType="1" noCrop="1"/>
-          </p:cNvPicPr>
-          <p:nvPr>
-            <p:extLst>
-              <p:ext uri="{386F3935-93C4-4BCD-93E2-E3B085C9AB24}">
-                <p16:designElem xmlns:p16="http://schemas.microsoft.com/office/powerpoint/2015/main" val="1"/>
-              </p:ext>
-            </p:extLst>
-          </p:nvPr>
-        </p:nvPicPr>
-        <p:blipFill rotWithShape="1">
-          <a:blip r:embed="rId3">
-            <a:extLst>
-              <a:ext uri="{28A0092B-C50C-407E-A947-70E740481C1C}">
-                <a14:useLocalDpi xmlns:a14="http://schemas.microsoft.com/office/drawing/2010/main" val="0"/>
-              </a:ext>
-            </a:extLst>
-          </a:blip>
-          <a:srcRect r="61975"/>
-          <a:stretch/>
-        </p:blipFill>
-        <p:spPr>
-          <a:xfrm>
-            <a:off x="0" y="4375150"/>
-            <a:ext cx="3477006" cy="2482850"/>
-          </a:xfrm>
-          <a:prstGeom prst="rect">
-            <a:avLst/>
-          </a:prstGeom>
-        </p:spPr>
-      </p:pic>
-      <p:sp>
-        <p:nvSpPr>
-          <p:cNvPr id="2" name="Title 1"/>
-          <p:cNvSpPr>
-            <a:spLocks noGrp="1"/>
-          </p:cNvSpPr>
-          <p:nvPr>
-            <p:ph type="title"/>
-          </p:nvPr>
-        </p:nvSpPr>
-        <p:spPr>
-          <a:xfrm>
-            <a:off x="1" y="1066163"/>
-            <a:ext cx="3492876" cy="5148371"/>
-          </a:xfrm>
-        </p:spPr>
-        <p:txBody>
-          <a:bodyPr>
-            <a:normAutofit/>
-          </a:bodyPr>
-          <a:lstStyle/>
-          <a:p>
-            <a:r>
-              <a:rPr lang="en-US" sz="3400" dirty="0">
-                <a:solidFill>
-                  <a:schemeClr val="bg1"/>
-                </a:solidFill>
-              </a:rPr>
-              <a:t>Power Apps – Customer Order Interface: </a:t>
-            </a:r>
-            <a:r>
-              <a:rPr lang="en-US" sz="2800" dirty="0">
-                <a:solidFill>
-                  <a:schemeClr val="bg1"/>
-                </a:solidFill>
-              </a:rPr>
-              <a:t>Implementation Steps</a:t>
-            </a:r>
-            <a:br>
-              <a:rPr lang="en-US" sz="3400" dirty="0">
-                <a:solidFill>
-                  <a:schemeClr val="bg1"/>
-                </a:solidFill>
-              </a:rPr>
-            </a:br>
-            <a:endParaRPr lang="en-US" sz="3400" dirty="0">
-              <a:solidFill>
-                <a:schemeClr val="bg1"/>
-              </a:solidFill>
-            </a:endParaRPr>
-          </a:p>
-        </p:txBody>
-      </p:sp>
-      <p:graphicFrame>
-        <p:nvGraphicFramePr>
-          <p:cNvPr id="5" name="Content Placeholder 2">
-            <a:extLst>
-              <a:ext uri="{FF2B5EF4-FFF2-40B4-BE49-F238E27FC236}">
-                <a16:creationId xmlns:a16="http://schemas.microsoft.com/office/drawing/2014/main" id="{B1331D99-8CCB-75D1-B597-8C98144AF27F}"/>
-              </a:ext>
-            </a:extLst>
-          </p:cNvPr>
-          <p:cNvGraphicFramePr>
-            <a:graphicFrameLocks noGrp="1"/>
-          </p:cNvGraphicFramePr>
-          <p:nvPr>
-            <p:ph idx="1"/>
-            <p:extLst>
-              <p:ext uri="{D42A27DB-BD31-4B8C-83A1-F6EECF244321}">
-                <p14:modId xmlns:p14="http://schemas.microsoft.com/office/powerpoint/2010/main" val="2403556282"/>
-              </p:ext>
-            </p:extLst>
-          </p:nvPr>
-        </p:nvGraphicFramePr>
-        <p:xfrm>
-          <a:off x="3959604" y="746125"/>
-          <a:ext cx="4717669" cy="5447745"/>
-        </p:xfrm>
-        <a:graphic>
-          <a:graphicData uri="http://schemas.openxmlformats.org/drawingml/2006/diagram">
-            <dgm:relIds xmlns:dgm="http://schemas.openxmlformats.org/drawingml/2006/diagram" xmlns:r="http://schemas.openxmlformats.org/officeDocument/2006/relationships" r:dm="rId4" r:lo="rId5" r:qs="rId6" r:cs="rId7"/>
-          </a:graphicData>
-        </a:graphic>
-      </p:graphicFrame>
-    </p:spTree>
-  </p:cSld>
-  <p:clrMapOvr>
-    <a:masterClrMapping/>
-  </p:clrMapOvr>
-</p:sld>
-</file>
-
-<file path=ppt/slides/slide8.xml><?xml version="1.0" encoding="utf-8"?>
-<p:sld xmlns:a="http://schemas.openxmlformats.org/drawingml/2006/main" xmlns:r="http://schemas.openxmlformats.org/officeDocument/2006/relationships" xmlns:p="http://schemas.openxmlformats.org/presentationml/2006/main">
-  <p:cSld>
-    <p:spTree>
-      <p:nvGrpSpPr>
-        <p:cNvPr id="1" name="">
-          <a:extLst>
-            <a:ext uri="{FF2B5EF4-FFF2-40B4-BE49-F238E27FC236}">
-              <a16:creationId xmlns:a16="http://schemas.microsoft.com/office/drawing/2014/main" id="{28256058-EEEE-0DE1-2913-7BDEF2C93627}"/>
-            </a:ext>
-          </a:extLst>
-        </p:cNvPr>
-        <p:cNvGrpSpPr/>
-        <p:nvPr/>
-      </p:nvGrpSpPr>
-      <p:grpSpPr>
-        <a:xfrm>
-          <a:off x="0" y="0"/>
-          <a:ext cx="0" cy="0"/>
-          <a:chOff x="0" y="0"/>
-          <a:chExt cx="0" cy="0"/>
-        </a:xfrm>
-      </p:grpSpPr>
-      <p:sp>
-        <p:nvSpPr>
-          <p:cNvPr id="2" name="Title 1">
-            <a:extLst>
-              <a:ext uri="{FF2B5EF4-FFF2-40B4-BE49-F238E27FC236}">
-                <a16:creationId xmlns:a16="http://schemas.microsoft.com/office/drawing/2014/main" id="{315A6F7E-2CF8-BF69-EA23-0986FB9CF673}"/>
-              </a:ext>
-            </a:extLst>
-          </p:cNvPr>
-          <p:cNvSpPr>
-            <a:spLocks noGrp="1"/>
-          </p:cNvSpPr>
-          <p:nvPr>
-            <p:ph type="title"/>
-          </p:nvPr>
-        </p:nvSpPr>
-        <p:spPr>
-          <a:xfrm>
-            <a:off x="2171700" y="764373"/>
-            <a:ext cx="6457950" cy="1293028"/>
-          </a:xfrm>
-        </p:spPr>
-        <p:txBody>
-          <a:bodyPr>
-            <a:normAutofit/>
-          </a:bodyPr>
-          <a:lstStyle/>
-          <a:p>
-            <a:r>
-              <a:rPr lang="en-US" sz="2800" dirty="0"/>
-              <a:t>Power Automate – Workflow Automation: HOW IT WORKS </a:t>
-            </a:r>
-          </a:p>
-        </p:txBody>
-      </p:sp>
-      <p:graphicFrame>
-        <p:nvGraphicFramePr>
-          <p:cNvPr id="5" name="Content Placeholder 2">
-            <a:extLst>
-              <a:ext uri="{FF2B5EF4-FFF2-40B4-BE49-F238E27FC236}">
-                <a16:creationId xmlns:a16="http://schemas.microsoft.com/office/drawing/2014/main" id="{15E83C9D-B118-A1D7-BE23-686BBB2542A2}"/>
-              </a:ext>
-            </a:extLst>
-          </p:cNvPr>
-          <p:cNvGraphicFramePr>
-            <a:graphicFrameLocks noGrp="1"/>
-          </p:cNvGraphicFramePr>
-          <p:nvPr>
-            <p:ph idx="1"/>
-            <p:extLst>
-              <p:ext uri="{D42A27DB-BD31-4B8C-83A1-F6EECF244321}">
-                <p14:modId xmlns:p14="http://schemas.microsoft.com/office/powerpoint/2010/main" val="3900834135"/>
-              </p:ext>
-            </p:extLst>
-          </p:nvPr>
-        </p:nvGraphicFramePr>
-        <p:xfrm>
-          <a:off x="514350" y="2441051"/>
-          <a:ext cx="8115300" cy="3530062"/>
-        </p:xfrm>
-        <a:graphic>
-          <a:graphicData uri="http://schemas.openxmlformats.org/drawingml/2006/diagram">
-            <dgm:relIds xmlns:dgm="http://schemas.openxmlformats.org/drawingml/2006/diagram" xmlns:r="http://schemas.openxmlformats.org/officeDocument/2006/relationships" r:dm="rId2" r:lo="rId3" r:qs="rId4" r:cs="rId5"/>
-          </a:graphicData>
-        </a:graphic>
-      </p:graphicFrame>
-    </p:spTree>
-    <p:extLst>
-      <p:ext uri="{BB962C8B-B14F-4D97-AF65-F5344CB8AC3E}">
-        <p14:creationId xmlns:p14="http://schemas.microsoft.com/office/powerpoint/2010/main" val="1325157806"/>
-      </p:ext>
-    </p:extLst>
-  </p:cSld>
-  <p:clrMapOvr>
-    <a:masterClrMapping/>
-  </p:clrMapOvr>
-</p:sld>
-</file>
-
-<file path=ppt/slides/slide9.xml><?xml version="1.0" encoding="utf-8"?>
 <p:sld xmlns:a="http://schemas.openxmlformats.org/drawingml/2006/main" xmlns:r="http://schemas.openxmlformats.org/officeDocument/2006/relationships" xmlns:p="http://schemas.openxmlformats.org/presentationml/2006/main">
   <p:cSld>
     <p:spTree>
@@ -42176,6 +38073,4310 @@
 </p:sld>
 </file>
 
+<file path=ppt/slides/slide11.xml><?xml version="1.0" encoding="utf-8"?>
+<p:sld xmlns:a="http://schemas.openxmlformats.org/drawingml/2006/main" xmlns:r="http://schemas.openxmlformats.org/officeDocument/2006/relationships" xmlns:p="http://schemas.openxmlformats.org/presentationml/2006/main">
+  <p:cSld>
+    <p:spTree>
+      <p:nvGrpSpPr>
+        <p:cNvPr id="1" name="">
+          <a:extLst>
+            <a:ext uri="{FF2B5EF4-FFF2-40B4-BE49-F238E27FC236}">
+              <a16:creationId xmlns:a16="http://schemas.microsoft.com/office/drawing/2014/main" id="{17ECFD12-D8C5-1C76-F3C7-DD07B6E935D7}"/>
+            </a:ext>
+          </a:extLst>
+        </p:cNvPr>
+        <p:cNvGrpSpPr/>
+        <p:nvPr/>
+      </p:nvGrpSpPr>
+      <p:grpSpPr>
+        <a:xfrm>
+          <a:off x="0" y="0"/>
+          <a:ext cx="0" cy="0"/>
+          <a:chOff x="0" y="0"/>
+          <a:chExt cx="0" cy="0"/>
+        </a:xfrm>
+      </p:grpSpPr>
+      <p:sp>
+        <p:nvSpPr>
+          <p:cNvPr id="2" name="Title 1">
+            <a:extLst>
+              <a:ext uri="{FF2B5EF4-FFF2-40B4-BE49-F238E27FC236}">
+                <a16:creationId xmlns:a16="http://schemas.microsoft.com/office/drawing/2014/main" id="{BAC9AA01-8905-AA16-2B55-0C9D57491FC1}"/>
+              </a:ext>
+            </a:extLst>
+          </p:cNvPr>
+          <p:cNvSpPr>
+            <a:spLocks noGrp="1"/>
+          </p:cNvSpPr>
+          <p:nvPr>
+            <p:ph type="title"/>
+          </p:nvPr>
+        </p:nvSpPr>
+        <p:spPr>
+          <a:xfrm>
+            <a:off x="2171700" y="764373"/>
+            <a:ext cx="6457950" cy="1293028"/>
+          </a:xfrm>
+        </p:spPr>
+        <p:txBody>
+          <a:bodyPr>
+            <a:normAutofit/>
+          </a:bodyPr>
+          <a:lstStyle/>
+          <a:p>
+            <a:r>
+              <a:rPr lang="en-US" sz="3400" dirty="0"/>
+              <a:t>Power BI – Data Insights &amp; Reporting: How It Works</a:t>
+            </a:r>
+          </a:p>
+        </p:txBody>
+      </p:sp>
+      <p:graphicFrame>
+        <p:nvGraphicFramePr>
+          <p:cNvPr id="5" name="Content Placeholder 2">
+            <a:extLst>
+              <a:ext uri="{FF2B5EF4-FFF2-40B4-BE49-F238E27FC236}">
+                <a16:creationId xmlns:a16="http://schemas.microsoft.com/office/drawing/2014/main" id="{40BD998A-AC0D-5C36-CF65-25B1A70BFAB4}"/>
+              </a:ext>
+            </a:extLst>
+          </p:cNvPr>
+          <p:cNvGraphicFramePr>
+            <a:graphicFrameLocks noGrp="1"/>
+          </p:cNvGraphicFramePr>
+          <p:nvPr>
+            <p:ph idx="1"/>
+            <p:extLst>
+              <p:ext uri="{D42A27DB-BD31-4B8C-83A1-F6EECF244321}">
+                <p14:modId xmlns:p14="http://schemas.microsoft.com/office/powerpoint/2010/main" val="1959801335"/>
+              </p:ext>
+            </p:extLst>
+          </p:nvPr>
+        </p:nvGraphicFramePr>
+        <p:xfrm>
+          <a:off x="514350" y="2441051"/>
+          <a:ext cx="8115300" cy="3530062"/>
+        </p:xfrm>
+        <a:graphic>
+          <a:graphicData uri="http://schemas.openxmlformats.org/drawingml/2006/diagram">
+            <dgm:relIds xmlns:dgm="http://schemas.openxmlformats.org/drawingml/2006/diagram" xmlns:r="http://schemas.openxmlformats.org/officeDocument/2006/relationships" r:dm="rId2" r:lo="rId3" r:qs="rId4" r:cs="rId5"/>
+          </a:graphicData>
+        </a:graphic>
+      </p:graphicFrame>
+    </p:spTree>
+    <p:extLst>
+      <p:ext uri="{BB962C8B-B14F-4D97-AF65-F5344CB8AC3E}">
+        <p14:creationId xmlns:p14="http://schemas.microsoft.com/office/powerpoint/2010/main" val="1183814328"/>
+      </p:ext>
+    </p:extLst>
+  </p:cSld>
+  <p:clrMapOvr>
+    <a:masterClrMapping/>
+  </p:clrMapOvr>
+</p:sld>
+</file>
+
+<file path=ppt/slides/slide12.xml><?xml version="1.0" encoding="utf-8"?>
+<p:sld xmlns:a="http://schemas.openxmlformats.org/drawingml/2006/main" xmlns:r="http://schemas.openxmlformats.org/officeDocument/2006/relationships" xmlns:p="http://schemas.openxmlformats.org/presentationml/2006/main">
+  <p:cSld>
+    <p:spTree>
+      <p:nvGrpSpPr>
+        <p:cNvPr id="1" name="">
+          <a:extLst>
+            <a:ext uri="{FF2B5EF4-FFF2-40B4-BE49-F238E27FC236}">
+              <a16:creationId xmlns:a16="http://schemas.microsoft.com/office/drawing/2014/main" id="{7CA57CAC-C9FE-9029-E7B4-0AE85C36539F}"/>
+            </a:ext>
+          </a:extLst>
+        </p:cNvPr>
+        <p:cNvGrpSpPr/>
+        <p:nvPr/>
+      </p:nvGrpSpPr>
+      <p:grpSpPr>
+        <a:xfrm>
+          <a:off x="0" y="0"/>
+          <a:ext cx="0" cy="0"/>
+          <a:chOff x="0" y="0"/>
+          <a:chExt cx="0" cy="0"/>
+        </a:xfrm>
+      </p:grpSpPr>
+      <p:sp>
+        <p:nvSpPr>
+          <p:cNvPr id="2" name="Title 1">
+            <a:extLst>
+              <a:ext uri="{FF2B5EF4-FFF2-40B4-BE49-F238E27FC236}">
+                <a16:creationId xmlns:a16="http://schemas.microsoft.com/office/drawing/2014/main" id="{CE3E4BDE-A563-80A0-ACC9-3C82F3234AFD}"/>
+              </a:ext>
+            </a:extLst>
+          </p:cNvPr>
+          <p:cNvSpPr>
+            <a:spLocks noGrp="1"/>
+          </p:cNvSpPr>
+          <p:nvPr>
+            <p:ph type="title"/>
+          </p:nvPr>
+        </p:nvSpPr>
+        <p:spPr>
+          <a:xfrm>
+            <a:off x="685799" y="1309496"/>
+            <a:ext cx="8405446" cy="1240274"/>
+          </a:xfrm>
+        </p:spPr>
+        <p:txBody>
+          <a:bodyPr>
+            <a:normAutofit fontScale="90000"/>
+          </a:bodyPr>
+          <a:lstStyle/>
+          <a:p>
+            <a:pPr algn="l"/>
+            <a:r>
+              <a:rPr lang="en-US" b="1" dirty="0"/>
+              <a:t>Power BI – Data Insights &amp; Reporting: Implementation Steps</a:t>
+            </a:r>
+          </a:p>
+        </p:txBody>
+      </p:sp>
+      <p:graphicFrame>
+        <p:nvGraphicFramePr>
+          <p:cNvPr id="5" name="Content Placeholder 2">
+            <a:extLst>
+              <a:ext uri="{FF2B5EF4-FFF2-40B4-BE49-F238E27FC236}">
+                <a16:creationId xmlns:a16="http://schemas.microsoft.com/office/drawing/2014/main" id="{98089DF1-213C-4FDE-5D55-84A5886D1B93}"/>
+              </a:ext>
+            </a:extLst>
+          </p:cNvPr>
+          <p:cNvGraphicFramePr>
+            <a:graphicFrameLocks noGrp="1"/>
+          </p:cNvGraphicFramePr>
+          <p:nvPr>
+            <p:ph idx="1"/>
+            <p:extLst>
+              <p:ext uri="{D42A27DB-BD31-4B8C-83A1-F6EECF244321}">
+                <p14:modId xmlns:p14="http://schemas.microsoft.com/office/powerpoint/2010/main" val="3068923928"/>
+              </p:ext>
+            </p:extLst>
+          </p:nvPr>
+        </p:nvGraphicFramePr>
+        <p:xfrm>
+          <a:off x="594360" y="2194560"/>
+          <a:ext cx="7955280" cy="4069080"/>
+        </p:xfrm>
+        <a:graphic>
+          <a:graphicData uri="http://schemas.openxmlformats.org/drawingml/2006/diagram">
+            <dgm:relIds xmlns:dgm="http://schemas.openxmlformats.org/drawingml/2006/diagram" xmlns:r="http://schemas.openxmlformats.org/officeDocument/2006/relationships" r:dm="rId2" r:lo="rId3" r:qs="rId4" r:cs="rId5"/>
+          </a:graphicData>
+        </a:graphic>
+      </p:graphicFrame>
+    </p:spTree>
+    <p:extLst>
+      <p:ext uri="{BB962C8B-B14F-4D97-AF65-F5344CB8AC3E}">
+        <p14:creationId xmlns:p14="http://schemas.microsoft.com/office/powerpoint/2010/main" val="1921094419"/>
+      </p:ext>
+    </p:extLst>
+  </p:cSld>
+  <p:clrMapOvr>
+    <a:masterClrMapping/>
+  </p:clrMapOvr>
+</p:sld>
+</file>
+
+<file path=ppt/slides/slide13.xml><?xml version="1.0" encoding="utf-8"?>
+<p:sld xmlns:a="http://schemas.openxmlformats.org/drawingml/2006/main" xmlns:r="http://schemas.openxmlformats.org/officeDocument/2006/relationships" xmlns:p="http://schemas.openxmlformats.org/presentationml/2006/main">
+  <p:cSld>
+    <p:spTree>
+      <p:nvGrpSpPr>
+        <p:cNvPr id="1" name="">
+          <a:extLst>
+            <a:ext uri="{FF2B5EF4-FFF2-40B4-BE49-F238E27FC236}">
+              <a16:creationId xmlns:a16="http://schemas.microsoft.com/office/drawing/2014/main" id="{8C6E9993-2287-3783-E436-F4546D52D49B}"/>
+            </a:ext>
+          </a:extLst>
+        </p:cNvPr>
+        <p:cNvGrpSpPr/>
+        <p:nvPr/>
+      </p:nvGrpSpPr>
+      <p:grpSpPr>
+        <a:xfrm>
+          <a:off x="0" y="0"/>
+          <a:ext cx="0" cy="0"/>
+          <a:chOff x="0" y="0"/>
+          <a:chExt cx="0" cy="0"/>
+        </a:xfrm>
+      </p:grpSpPr>
+      <p:sp>
+        <p:nvSpPr>
+          <p:cNvPr id="2" name="Title 1">
+            <a:extLst>
+              <a:ext uri="{FF2B5EF4-FFF2-40B4-BE49-F238E27FC236}">
+                <a16:creationId xmlns:a16="http://schemas.microsoft.com/office/drawing/2014/main" id="{C55E7757-BC41-7126-06F8-7B50A0195039}"/>
+              </a:ext>
+            </a:extLst>
+          </p:cNvPr>
+          <p:cNvSpPr>
+            <a:spLocks noGrp="1"/>
+          </p:cNvSpPr>
+          <p:nvPr>
+            <p:ph type="title"/>
+          </p:nvPr>
+        </p:nvSpPr>
+        <p:spPr>
+          <a:xfrm>
+            <a:off x="594360" y="936702"/>
+            <a:ext cx="7955280" cy="1293028"/>
+          </a:xfrm>
+        </p:spPr>
+        <p:txBody>
+          <a:bodyPr>
+            <a:normAutofit fontScale="90000"/>
+          </a:bodyPr>
+          <a:lstStyle/>
+          <a:p>
+            <a:r>
+              <a:rPr b="1" dirty="0"/>
+              <a:t>Dataverse – Secure Centralized Database</a:t>
+            </a:r>
+            <a:r>
+              <a:rPr lang="en-US" b="1" dirty="0"/>
+              <a:t>: How It Works</a:t>
+            </a:r>
+            <a:endParaRPr b="1" dirty="0"/>
+          </a:p>
+        </p:txBody>
+      </p:sp>
+      <p:graphicFrame>
+        <p:nvGraphicFramePr>
+          <p:cNvPr id="5" name="Content Placeholder 2">
+            <a:extLst>
+              <a:ext uri="{FF2B5EF4-FFF2-40B4-BE49-F238E27FC236}">
+                <a16:creationId xmlns:a16="http://schemas.microsoft.com/office/drawing/2014/main" id="{CB2932E7-548A-A015-6CD2-A864DB63EDD3}"/>
+              </a:ext>
+            </a:extLst>
+          </p:cNvPr>
+          <p:cNvGraphicFramePr>
+            <a:graphicFrameLocks noGrp="1"/>
+          </p:cNvGraphicFramePr>
+          <p:nvPr>
+            <p:ph idx="1"/>
+            <p:extLst>
+              <p:ext uri="{D42A27DB-BD31-4B8C-83A1-F6EECF244321}">
+                <p14:modId xmlns:p14="http://schemas.microsoft.com/office/powerpoint/2010/main" val="2633841508"/>
+              </p:ext>
+            </p:extLst>
+          </p:nvPr>
+        </p:nvGraphicFramePr>
+        <p:xfrm>
+          <a:off x="594360" y="2194560"/>
+          <a:ext cx="7955280" cy="4069080"/>
+        </p:xfrm>
+        <a:graphic>
+          <a:graphicData uri="http://schemas.openxmlformats.org/drawingml/2006/diagram">
+            <dgm:relIds xmlns:dgm="http://schemas.openxmlformats.org/drawingml/2006/diagram" xmlns:r="http://schemas.openxmlformats.org/officeDocument/2006/relationships" r:dm="rId2" r:lo="rId3" r:qs="rId4" r:cs="rId5"/>
+          </a:graphicData>
+        </a:graphic>
+      </p:graphicFrame>
+    </p:spTree>
+    <p:extLst>
+      <p:ext uri="{BB962C8B-B14F-4D97-AF65-F5344CB8AC3E}">
+        <p14:creationId xmlns:p14="http://schemas.microsoft.com/office/powerpoint/2010/main" val="3624737815"/>
+      </p:ext>
+    </p:extLst>
+  </p:cSld>
+  <p:clrMapOvr>
+    <a:masterClrMapping/>
+  </p:clrMapOvr>
+</p:sld>
+</file>
+
+<file path=ppt/slides/slide14.xml><?xml version="1.0" encoding="utf-8"?>
+<p:sld xmlns:a="http://schemas.openxmlformats.org/drawingml/2006/main" xmlns:r="http://schemas.openxmlformats.org/officeDocument/2006/relationships" xmlns:p="http://schemas.openxmlformats.org/presentationml/2006/main">
+  <p:cSld>
+    <p:spTree>
+      <p:nvGrpSpPr>
+        <p:cNvPr id="1" name="">
+          <a:extLst>
+            <a:ext uri="{FF2B5EF4-FFF2-40B4-BE49-F238E27FC236}">
+              <a16:creationId xmlns:a16="http://schemas.microsoft.com/office/drawing/2014/main" id="{AC23F181-E6BB-01D6-C414-FE25ABE17DF8}"/>
+            </a:ext>
+          </a:extLst>
+        </p:cNvPr>
+        <p:cNvGrpSpPr/>
+        <p:nvPr/>
+      </p:nvGrpSpPr>
+      <p:grpSpPr>
+        <a:xfrm>
+          <a:off x="0" y="0"/>
+          <a:ext cx="0" cy="0"/>
+          <a:chOff x="0" y="0"/>
+          <a:chExt cx="0" cy="0"/>
+        </a:xfrm>
+      </p:grpSpPr>
+      <p:sp>
+        <p:nvSpPr>
+          <p:cNvPr id="2" name="Title 1">
+            <a:extLst>
+              <a:ext uri="{FF2B5EF4-FFF2-40B4-BE49-F238E27FC236}">
+                <a16:creationId xmlns:a16="http://schemas.microsoft.com/office/drawing/2014/main" id="{49620C5A-2341-57FA-CC9C-22F15A2EC8A1}"/>
+              </a:ext>
+            </a:extLst>
+          </p:cNvPr>
+          <p:cNvSpPr>
+            <a:spLocks noGrp="1"/>
+          </p:cNvSpPr>
+          <p:nvPr>
+            <p:ph type="title"/>
+          </p:nvPr>
+        </p:nvSpPr>
+        <p:spPr/>
+        <p:txBody>
+          <a:bodyPr>
+            <a:normAutofit fontScale="90000"/>
+          </a:bodyPr>
+          <a:lstStyle/>
+          <a:p>
+            <a:r>
+              <a:rPr lang="en-US" dirty="0"/>
+              <a:t>Dataverse – Secure Centralized Database: Implementation Steps</a:t>
+            </a:r>
+            <a:br>
+              <a:rPr lang="en-US" dirty="0"/>
+            </a:br>
+            <a:endParaRPr lang="en-US" dirty="0"/>
+          </a:p>
+        </p:txBody>
+      </p:sp>
+      <p:graphicFrame>
+        <p:nvGraphicFramePr>
+          <p:cNvPr id="13" name="Content Placeholder 2">
+            <a:extLst>
+              <a:ext uri="{FF2B5EF4-FFF2-40B4-BE49-F238E27FC236}">
+                <a16:creationId xmlns:a16="http://schemas.microsoft.com/office/drawing/2014/main" id="{6616B280-FEFE-DD11-C1D6-D3D4005275A6}"/>
+              </a:ext>
+            </a:extLst>
+          </p:cNvPr>
+          <p:cNvGraphicFramePr>
+            <a:graphicFrameLocks noGrp="1"/>
+          </p:cNvGraphicFramePr>
+          <p:nvPr>
+            <p:ph idx="1"/>
+          </p:nvPr>
+        </p:nvGraphicFramePr>
+        <p:xfrm>
+          <a:off x="594360" y="2194560"/>
+          <a:ext cx="7955280" cy="4069080"/>
+        </p:xfrm>
+        <a:graphic>
+          <a:graphicData uri="http://schemas.openxmlformats.org/drawingml/2006/diagram">
+            <dgm:relIds xmlns:dgm="http://schemas.openxmlformats.org/drawingml/2006/diagram" xmlns:r="http://schemas.openxmlformats.org/officeDocument/2006/relationships" r:dm="rId2" r:lo="rId3" r:qs="rId4" r:cs="rId5"/>
+          </a:graphicData>
+        </a:graphic>
+      </p:graphicFrame>
+    </p:spTree>
+    <p:extLst>
+      <p:ext uri="{BB962C8B-B14F-4D97-AF65-F5344CB8AC3E}">
+        <p14:creationId xmlns:p14="http://schemas.microsoft.com/office/powerpoint/2010/main" val="561554684"/>
+      </p:ext>
+    </p:extLst>
+  </p:cSld>
+  <p:clrMapOvr>
+    <a:masterClrMapping/>
+  </p:clrMapOvr>
+</p:sld>
+</file>
+
+<file path=ppt/slides/slide15.xml><?xml version="1.0" encoding="utf-8"?>
+<p:sld xmlns:a="http://schemas.openxmlformats.org/drawingml/2006/main" xmlns:r="http://schemas.openxmlformats.org/officeDocument/2006/relationships" xmlns:p="http://schemas.openxmlformats.org/presentationml/2006/main">
+  <p:cSld>
+    <p:spTree>
+      <p:nvGrpSpPr>
+        <p:cNvPr id="1" name=""/>
+        <p:cNvGrpSpPr/>
+        <p:nvPr/>
+      </p:nvGrpSpPr>
+      <p:grpSpPr>
+        <a:xfrm>
+          <a:off x="0" y="0"/>
+          <a:ext cx="0" cy="0"/>
+          <a:chOff x="0" y="0"/>
+          <a:chExt cx="0" cy="0"/>
+        </a:xfrm>
+      </p:grpSpPr>
+      <p:sp useBgFill="1">
+        <p:nvSpPr>
+          <p:cNvPr id="9" name="Rounded Rectangle 14">
+            <a:extLst>
+              <a:ext uri="{FF2B5EF4-FFF2-40B4-BE49-F238E27FC236}">
+                <a16:creationId xmlns:a16="http://schemas.microsoft.com/office/drawing/2014/main" id="{12CC1C37-8BC7-4374-8300-E73C369150D7}"/>
+              </a:ext>
+              <a:ext uri="{C183D7F6-B498-43B3-948B-1728B52AA6E4}">
+                <adec:decorative xmlns:adec="http://schemas.microsoft.com/office/drawing/2017/decorative" val="1"/>
+              </a:ext>
+            </a:extLst>
+          </p:cNvPr>
+          <p:cNvSpPr>
+            <a:spLocks noGrp="1" noRot="1" noChangeAspect="1" noMove="1" noResize="1" noEditPoints="1" noAdjustHandles="1" noChangeArrowheads="1" noChangeShapeType="1" noTextEdit="1"/>
+          </p:cNvSpPr>
+          <p:nvPr>
+            <p:extLst>
+              <p:ext uri="{386F3935-93C4-4BCD-93E2-E3B085C9AB24}">
+                <p16:designElem xmlns:p16="http://schemas.microsoft.com/office/powerpoint/2015/main" val="1"/>
+              </p:ext>
+            </p:extLst>
+          </p:nvPr>
+        </p:nvSpPr>
+        <p:spPr>
+          <a:xfrm>
+            <a:off x="3477006" y="0"/>
+            <a:ext cx="5666994" cy="6858000"/>
+          </a:xfrm>
+          <a:prstGeom prst="roundRect">
+            <a:avLst>
+              <a:gd name="adj" fmla="val 0"/>
+            </a:avLst>
+          </a:prstGeom>
+          <a:ln>
+            <a:noFill/>
+          </a:ln>
+          <a:effectLst/>
+        </p:spPr>
+        <p:style>
+          <a:lnRef idx="2">
+            <a:schemeClr val="accent1">
+              <a:shade val="50000"/>
+            </a:schemeClr>
+          </a:lnRef>
+          <a:fillRef idx="1">
+            <a:schemeClr val="accent1"/>
+          </a:fillRef>
+          <a:effectRef idx="0">
+            <a:schemeClr val="accent1"/>
+          </a:effectRef>
+          <a:fontRef idx="minor">
+            <a:schemeClr val="lt1"/>
+          </a:fontRef>
+        </p:style>
+        <p:txBody>
+          <a:bodyPr rtlCol="0" anchor="ctr"/>
+          <a:lstStyle/>
+          <a:p>
+            <a:pPr algn="ctr"/>
+            <a:endParaRPr lang="en-US"/>
+          </a:p>
+        </p:txBody>
+      </p:sp>
+      <p:sp>
+        <p:nvSpPr>
+          <p:cNvPr id="11" name="Rectangle 10">
+            <a:extLst>
+              <a:ext uri="{FF2B5EF4-FFF2-40B4-BE49-F238E27FC236}">
+                <a16:creationId xmlns:a16="http://schemas.microsoft.com/office/drawing/2014/main" id="{8CC82757-F96F-41CB-B2B8-49689F4362A3}"/>
+              </a:ext>
+              <a:ext uri="{C183D7F6-B498-43B3-948B-1728B52AA6E4}">
+                <adec:decorative xmlns:adec="http://schemas.microsoft.com/office/drawing/2017/decorative" val="1"/>
+              </a:ext>
+            </a:extLst>
+          </p:cNvPr>
+          <p:cNvSpPr>
+            <a:spLocks noGrp="1" noRot="1" noChangeAspect="1" noMove="1" noResize="1" noEditPoints="1" noAdjustHandles="1" noChangeArrowheads="1" noChangeShapeType="1" noTextEdit="1"/>
+          </p:cNvSpPr>
+          <p:nvPr>
+            <p:extLst>
+              <p:ext uri="{386F3935-93C4-4BCD-93E2-E3B085C9AB24}">
+                <p16:designElem xmlns:p16="http://schemas.microsoft.com/office/powerpoint/2015/main" val="1"/>
+              </p:ext>
+            </p:extLst>
+          </p:nvPr>
+        </p:nvSpPr>
+        <p:spPr>
+          <a:xfrm>
+            <a:off x="0" y="0"/>
+            <a:ext cx="3477006" cy="6858000"/>
+          </a:xfrm>
+          <a:prstGeom prst="rect">
+            <a:avLst/>
+          </a:prstGeom>
+          <a:solidFill>
+            <a:schemeClr val="tx1"/>
+          </a:solidFill>
+          <a:ln>
+            <a:noFill/>
+          </a:ln>
+          <a:effectLst>
+            <a:outerShdw blurRad="63500" dist="38100" algn="l" rotWithShape="0">
+              <a:prstClr val="black">
+                <a:alpha val="40000"/>
+              </a:prstClr>
+            </a:outerShdw>
+          </a:effectLst>
+        </p:spPr>
+        <p:style>
+          <a:lnRef idx="2">
+            <a:schemeClr val="accent1">
+              <a:shade val="50000"/>
+            </a:schemeClr>
+          </a:lnRef>
+          <a:fillRef idx="1">
+            <a:schemeClr val="accent1"/>
+          </a:fillRef>
+          <a:effectRef idx="0">
+            <a:schemeClr val="accent1"/>
+          </a:effectRef>
+          <a:fontRef idx="minor">
+            <a:schemeClr val="lt1"/>
+          </a:fontRef>
+        </p:style>
+        <p:txBody>
+          <a:bodyPr rtlCol="0" anchor="ctr"/>
+          <a:lstStyle/>
+          <a:p>
+            <a:pPr algn="ctr"/>
+            <a:endParaRPr lang="en-US"/>
+          </a:p>
+        </p:txBody>
+      </p:sp>
+      <p:pic>
+        <p:nvPicPr>
+          <p:cNvPr id="13" name="Picture 12">
+            <a:extLst>
+              <a:ext uri="{FF2B5EF4-FFF2-40B4-BE49-F238E27FC236}">
+                <a16:creationId xmlns:a16="http://schemas.microsoft.com/office/drawing/2014/main" id="{FA37F53D-999D-4551-B3F8-064DBF315562}"/>
+              </a:ext>
+              <a:ext uri="{C183D7F6-B498-43B3-948B-1728B52AA6E4}">
+                <adec:decorative xmlns:adec="http://schemas.microsoft.com/office/drawing/2017/decorative" val="1"/>
+              </a:ext>
+            </a:extLst>
+          </p:cNvPr>
+          <p:cNvPicPr>
+            <a:picLocks noGrp="1" noRot="1" noChangeAspect="1" noMove="1" noResize="1" noEditPoints="1" noAdjustHandles="1" noChangeArrowheads="1" noChangeShapeType="1" noCrop="1"/>
+          </p:cNvPicPr>
+          <p:nvPr>
+            <p:extLst>
+              <p:ext uri="{386F3935-93C4-4BCD-93E2-E3B085C9AB24}">
+                <p16:designElem xmlns:p16="http://schemas.microsoft.com/office/powerpoint/2015/main" val="1"/>
+              </p:ext>
+            </p:extLst>
+          </p:nvPr>
+        </p:nvPicPr>
+        <p:blipFill rotWithShape="1">
+          <a:blip r:embed="rId2">
+            <a:extLst>
+              <a:ext uri="{28A0092B-C50C-407E-A947-70E740481C1C}">
+                <a14:useLocalDpi xmlns:a14="http://schemas.microsoft.com/office/drawing/2010/main" val="0"/>
+              </a:ext>
+            </a:extLst>
+          </a:blip>
+          <a:srcRect r="61975"/>
+          <a:stretch/>
+        </p:blipFill>
+        <p:spPr>
+          <a:xfrm>
+            <a:off x="0" y="0"/>
+            <a:ext cx="3477006" cy="1441450"/>
+          </a:xfrm>
+          <a:prstGeom prst="rect">
+            <a:avLst/>
+          </a:prstGeom>
+        </p:spPr>
+      </p:pic>
+      <p:pic>
+        <p:nvPicPr>
+          <p:cNvPr id="15" name="Picture 14">
+            <a:extLst>
+              <a:ext uri="{FF2B5EF4-FFF2-40B4-BE49-F238E27FC236}">
+                <a16:creationId xmlns:a16="http://schemas.microsoft.com/office/drawing/2014/main" id="{A9C99389-A1E4-4A6F-BF8E-9013FF049140}"/>
+              </a:ext>
+              <a:ext uri="{C183D7F6-B498-43B3-948B-1728B52AA6E4}">
+                <adec:decorative xmlns:adec="http://schemas.microsoft.com/office/drawing/2017/decorative" val="1"/>
+              </a:ext>
+            </a:extLst>
+          </p:cNvPr>
+          <p:cNvPicPr>
+            <a:picLocks noGrp="1" noRot="1" noChangeAspect="1" noMove="1" noResize="1" noEditPoints="1" noAdjustHandles="1" noChangeArrowheads="1" noChangeShapeType="1" noCrop="1"/>
+          </p:cNvPicPr>
+          <p:nvPr>
+            <p:extLst>
+              <p:ext uri="{386F3935-93C4-4BCD-93E2-E3B085C9AB24}">
+                <p16:designElem xmlns:p16="http://schemas.microsoft.com/office/powerpoint/2015/main" val="1"/>
+              </p:ext>
+            </p:extLst>
+          </p:nvPr>
+        </p:nvPicPr>
+        <p:blipFill rotWithShape="1">
+          <a:blip r:embed="rId3">
+            <a:extLst>
+              <a:ext uri="{28A0092B-C50C-407E-A947-70E740481C1C}">
+                <a14:useLocalDpi xmlns:a14="http://schemas.microsoft.com/office/drawing/2010/main" val="0"/>
+              </a:ext>
+            </a:extLst>
+          </a:blip>
+          <a:srcRect r="61975"/>
+          <a:stretch/>
+        </p:blipFill>
+        <p:spPr>
+          <a:xfrm>
+            <a:off x="0" y="4375150"/>
+            <a:ext cx="3477006" cy="2482850"/>
+          </a:xfrm>
+          <a:prstGeom prst="rect">
+            <a:avLst/>
+          </a:prstGeom>
+        </p:spPr>
+      </p:pic>
+      <p:sp>
+        <p:nvSpPr>
+          <p:cNvPr id="2" name="Title 1">
+            <a:extLst>
+              <a:ext uri="{FF2B5EF4-FFF2-40B4-BE49-F238E27FC236}">
+                <a16:creationId xmlns:a16="http://schemas.microsoft.com/office/drawing/2014/main" id="{64C4AD8C-0027-2E3A-BE9C-33FE53381887}"/>
+              </a:ext>
+            </a:extLst>
+          </p:cNvPr>
+          <p:cNvSpPr>
+            <a:spLocks noGrp="1"/>
+          </p:cNvSpPr>
+          <p:nvPr>
+            <p:ph type="title"/>
+          </p:nvPr>
+        </p:nvSpPr>
+        <p:spPr>
+          <a:xfrm>
+            <a:off x="514350" y="1066163"/>
+            <a:ext cx="2480058" cy="5148371"/>
+          </a:xfrm>
+        </p:spPr>
+        <p:txBody>
+          <a:bodyPr>
+            <a:normAutofit/>
+          </a:bodyPr>
+          <a:lstStyle/>
+          <a:p>
+            <a:pPr algn="ctr"/>
+            <a:r>
+              <a:rPr lang="en-US" sz="2800" b="1" dirty="0">
+                <a:solidFill>
+                  <a:schemeClr val="bg1"/>
+                </a:solidFill>
+              </a:rPr>
+              <a:t>Challenges &amp; </a:t>
+            </a:r>
+            <a:r>
+              <a:rPr lang="en-US" sz="2800" b="1" dirty="0" err="1">
+                <a:solidFill>
+                  <a:schemeClr val="bg1"/>
+                </a:solidFill>
+              </a:rPr>
+              <a:t>MitigatioN</a:t>
+            </a:r>
+            <a:endParaRPr lang="en-US" sz="2800" dirty="0">
+              <a:solidFill>
+                <a:schemeClr val="bg1"/>
+              </a:solidFill>
+            </a:endParaRPr>
+          </a:p>
+        </p:txBody>
+      </p:sp>
+      <p:graphicFrame>
+        <p:nvGraphicFramePr>
+          <p:cNvPr id="4" name="Content Placeholder 3">
+            <a:extLst>
+              <a:ext uri="{FF2B5EF4-FFF2-40B4-BE49-F238E27FC236}">
+                <a16:creationId xmlns:a16="http://schemas.microsoft.com/office/drawing/2014/main" id="{63516887-2816-F689-292F-C860919B9168}"/>
+              </a:ext>
+            </a:extLst>
+          </p:cNvPr>
+          <p:cNvGraphicFramePr>
+            <a:graphicFrameLocks noGrp="1"/>
+          </p:cNvGraphicFramePr>
+          <p:nvPr>
+            <p:ph idx="1"/>
+            <p:extLst>
+              <p:ext uri="{D42A27DB-BD31-4B8C-83A1-F6EECF244321}">
+                <p14:modId xmlns:p14="http://schemas.microsoft.com/office/powerpoint/2010/main" val="1237559882"/>
+              </p:ext>
+            </p:extLst>
+          </p:nvPr>
+        </p:nvGraphicFramePr>
+        <p:xfrm>
+          <a:off x="3959604" y="2068131"/>
+          <a:ext cx="4717670" cy="3066186"/>
+        </p:xfrm>
+        <a:graphic>
+          <a:graphicData uri="http://schemas.openxmlformats.org/drawingml/2006/table">
+            <a:tbl>
+              <a:tblPr/>
+              <a:tblGrid>
+                <a:gridCol w="2352257">
+                  <a:extLst>
+                    <a:ext uri="{9D8B030D-6E8A-4147-A177-3AD203B41FA5}">
+                      <a16:colId xmlns:a16="http://schemas.microsoft.com/office/drawing/2014/main" val="673185302"/>
+                    </a:ext>
+                  </a:extLst>
+                </a:gridCol>
+                <a:gridCol w="2365413">
+                  <a:extLst>
+                    <a:ext uri="{9D8B030D-6E8A-4147-A177-3AD203B41FA5}">
+                      <a16:colId xmlns:a16="http://schemas.microsoft.com/office/drawing/2014/main" val="3067140295"/>
+                    </a:ext>
+                  </a:extLst>
+                </a:gridCol>
+              </a:tblGrid>
+              <a:tr h="416764">
+                <a:tc>
+                  <a:txBody>
+                    <a:bodyPr/>
+                    <a:lstStyle/>
+                    <a:p>
+                      <a:r>
+                        <a:rPr lang="en-US" sz="1900" b="1"/>
+                        <a:t>Challenge</a:t>
+                      </a:r>
+                      <a:endParaRPr lang="en-US" sz="1900"/>
+                    </a:p>
+                  </a:txBody>
+                  <a:tcPr marL="94705" marR="94705" marT="47352" marB="47352" anchor="ctr">
+                    <a:lnL>
+                      <a:noFill/>
+                    </a:lnL>
+                    <a:lnR>
+                      <a:noFill/>
+                    </a:lnR>
+                    <a:lnT>
+                      <a:noFill/>
+                    </a:lnT>
+                    <a:lnB>
+                      <a:noFill/>
+                    </a:lnB>
+                    <a:noFill/>
+                  </a:tcPr>
+                </a:tc>
+                <a:tc>
+                  <a:txBody>
+                    <a:bodyPr/>
+                    <a:lstStyle/>
+                    <a:p>
+                      <a:r>
+                        <a:rPr lang="en-US" sz="1900" b="1"/>
+                        <a:t>Solution</a:t>
+                      </a:r>
+                      <a:endParaRPr lang="en-US" sz="1900"/>
+                    </a:p>
+                  </a:txBody>
+                  <a:tcPr marL="94705" marR="94705" marT="47352" marB="47352" anchor="ctr">
+                    <a:lnL>
+                      <a:noFill/>
+                    </a:lnL>
+                    <a:lnR>
+                      <a:noFill/>
+                    </a:lnR>
+                    <a:lnT>
+                      <a:noFill/>
+                    </a:lnT>
+                    <a:lnB>
+                      <a:noFill/>
+                    </a:lnB>
+                    <a:noFill/>
+                  </a:tcPr>
+                </a:tc>
+                <a:extLst>
+                  <a:ext uri="{0D108BD9-81ED-4DB2-BD59-A6C34878D82A}">
+                    <a16:rowId xmlns:a16="http://schemas.microsoft.com/office/drawing/2014/main" val="3973008383"/>
+                  </a:ext>
+                </a:extLst>
+              </a:tr>
+              <a:tr h="700934">
+                <a:tc>
+                  <a:txBody>
+                    <a:bodyPr/>
+                    <a:lstStyle/>
+                    <a:p>
+                      <a:r>
+                        <a:rPr lang="en-US" sz="1900"/>
+                        <a:t>Initial setup complexity</a:t>
+                      </a:r>
+                    </a:p>
+                  </a:txBody>
+                  <a:tcPr marL="94705" marR="94705" marT="47352" marB="47352" anchor="ctr">
+                    <a:lnL>
+                      <a:noFill/>
+                    </a:lnL>
+                    <a:lnR>
+                      <a:noFill/>
+                    </a:lnR>
+                    <a:lnT>
+                      <a:noFill/>
+                    </a:lnT>
+                    <a:lnB>
+                      <a:noFill/>
+                    </a:lnB>
+                    <a:noFill/>
+                  </a:tcPr>
+                </a:tc>
+                <a:tc>
+                  <a:txBody>
+                    <a:bodyPr/>
+                    <a:lstStyle/>
+                    <a:p>
+                      <a:r>
+                        <a:rPr lang="en-US" sz="1900"/>
+                        <a:t>Hands-on training &amp; documentation</a:t>
+                      </a:r>
+                    </a:p>
+                  </a:txBody>
+                  <a:tcPr marL="94705" marR="94705" marT="47352" marB="47352" anchor="ctr">
+                    <a:lnL>
+                      <a:noFill/>
+                    </a:lnL>
+                    <a:lnR>
+                      <a:noFill/>
+                    </a:lnR>
+                    <a:lnT>
+                      <a:noFill/>
+                    </a:lnT>
+                    <a:lnB>
+                      <a:noFill/>
+                    </a:lnB>
+                    <a:noFill/>
+                  </a:tcPr>
+                </a:tc>
+                <a:extLst>
+                  <a:ext uri="{0D108BD9-81ED-4DB2-BD59-A6C34878D82A}">
+                    <a16:rowId xmlns:a16="http://schemas.microsoft.com/office/drawing/2014/main" val="988191705"/>
+                  </a:ext>
+                </a:extLst>
+              </a:tr>
+              <a:tr h="985104">
+                <a:tc>
+                  <a:txBody>
+                    <a:bodyPr/>
+                    <a:lstStyle/>
+                    <a:p>
+                      <a:r>
+                        <a:rPr lang="en-US" sz="1900"/>
+                        <a:t>Employee adoption resistance</a:t>
+                      </a:r>
+                    </a:p>
+                  </a:txBody>
+                  <a:tcPr marL="94705" marR="94705" marT="47352" marB="47352" anchor="ctr">
+                    <a:lnL>
+                      <a:noFill/>
+                    </a:lnL>
+                    <a:lnR>
+                      <a:noFill/>
+                    </a:lnR>
+                    <a:lnT>
+                      <a:noFill/>
+                    </a:lnT>
+                    <a:lnB>
+                      <a:noFill/>
+                    </a:lnB>
+                    <a:noFill/>
+                  </a:tcPr>
+                </a:tc>
+                <a:tc>
+                  <a:txBody>
+                    <a:bodyPr/>
+                    <a:lstStyle/>
+                    <a:p>
+                      <a:r>
+                        <a:rPr lang="en-US" sz="1900"/>
+                        <a:t>Interactive workshops &amp; user-friendly design</a:t>
+                      </a:r>
+                    </a:p>
+                  </a:txBody>
+                  <a:tcPr marL="94705" marR="94705" marT="47352" marB="47352" anchor="ctr">
+                    <a:lnL>
+                      <a:noFill/>
+                    </a:lnL>
+                    <a:lnR>
+                      <a:noFill/>
+                    </a:lnR>
+                    <a:lnT>
+                      <a:noFill/>
+                    </a:lnT>
+                    <a:lnB>
+                      <a:noFill/>
+                    </a:lnB>
+                    <a:noFill/>
+                  </a:tcPr>
+                </a:tc>
+                <a:extLst>
+                  <a:ext uri="{0D108BD9-81ED-4DB2-BD59-A6C34878D82A}">
+                    <a16:rowId xmlns:a16="http://schemas.microsoft.com/office/drawing/2014/main" val="1993817898"/>
+                  </a:ext>
+                </a:extLst>
+              </a:tr>
+              <a:tr h="700934">
+                <a:tc>
+                  <a:txBody>
+                    <a:bodyPr/>
+                    <a:lstStyle/>
+                    <a:p>
+                      <a:r>
+                        <a:rPr lang="en-US" sz="1900"/>
+                        <a:t>Data migration concerns</a:t>
+                      </a:r>
+                    </a:p>
+                  </a:txBody>
+                  <a:tcPr marL="94705" marR="94705" marT="47352" marB="47352" anchor="ctr">
+                    <a:lnL>
+                      <a:noFill/>
+                    </a:lnL>
+                    <a:lnR>
+                      <a:noFill/>
+                    </a:lnR>
+                    <a:lnT>
+                      <a:noFill/>
+                    </a:lnT>
+                    <a:lnB>
+                      <a:noFill/>
+                    </a:lnB>
+                    <a:noFill/>
+                  </a:tcPr>
+                </a:tc>
+                <a:tc>
+                  <a:txBody>
+                    <a:bodyPr/>
+                    <a:lstStyle/>
+                    <a:p>
+                      <a:r>
+                        <a:rPr lang="en-US" sz="1900"/>
+                        <a:t>Gradual rollout with data integrity checks</a:t>
+                      </a:r>
+                    </a:p>
+                  </a:txBody>
+                  <a:tcPr marL="94705" marR="94705" marT="47352" marB="47352" anchor="ctr">
+                    <a:lnL>
+                      <a:noFill/>
+                    </a:lnL>
+                    <a:lnR>
+                      <a:noFill/>
+                    </a:lnR>
+                    <a:lnT>
+                      <a:noFill/>
+                    </a:lnT>
+                    <a:lnB>
+                      <a:noFill/>
+                    </a:lnB>
+                    <a:noFill/>
+                  </a:tcPr>
+                </a:tc>
+                <a:extLst>
+                  <a:ext uri="{0D108BD9-81ED-4DB2-BD59-A6C34878D82A}">
+                    <a16:rowId xmlns:a16="http://schemas.microsoft.com/office/drawing/2014/main" val="2075041435"/>
+                  </a:ext>
+                </a:extLst>
+              </a:tr>
+            </a:tbl>
+          </a:graphicData>
+        </a:graphic>
+      </p:graphicFrame>
+    </p:spTree>
+    <p:extLst>
+      <p:ext uri="{BB962C8B-B14F-4D97-AF65-F5344CB8AC3E}">
+        <p14:creationId xmlns:p14="http://schemas.microsoft.com/office/powerpoint/2010/main" val="1997266090"/>
+      </p:ext>
+    </p:extLst>
+  </p:cSld>
+  <p:clrMapOvr>
+    <a:masterClrMapping/>
+  </p:clrMapOvr>
+</p:sld>
+</file>
+
+<file path=ppt/slides/slide16.xml><?xml version="1.0" encoding="utf-8"?>
+<p:sld xmlns:a="http://schemas.openxmlformats.org/drawingml/2006/main" xmlns:r="http://schemas.openxmlformats.org/officeDocument/2006/relationships" xmlns:p="http://schemas.openxmlformats.org/presentationml/2006/main">
+  <p:cSld>
+    <p:spTree>
+      <p:nvGrpSpPr>
+        <p:cNvPr id="1" name=""/>
+        <p:cNvGrpSpPr/>
+        <p:nvPr/>
+      </p:nvGrpSpPr>
+      <p:grpSpPr>
+        <a:xfrm>
+          <a:off x="0" y="0"/>
+          <a:ext cx="0" cy="0"/>
+          <a:chOff x="0" y="0"/>
+          <a:chExt cx="0" cy="0"/>
+        </a:xfrm>
+      </p:grpSpPr>
+      <p:sp>
+        <p:nvSpPr>
+          <p:cNvPr id="2" name="Title 1"/>
+          <p:cNvSpPr>
+            <a:spLocks noGrp="1"/>
+          </p:cNvSpPr>
+          <p:nvPr>
+            <p:ph type="title"/>
+          </p:nvPr>
+        </p:nvSpPr>
+        <p:spPr>
+          <a:xfrm>
+            <a:off x="2171700" y="0"/>
+            <a:ext cx="6457950" cy="1293028"/>
+          </a:xfrm>
+        </p:spPr>
+        <p:txBody>
+          <a:bodyPr>
+            <a:normAutofit/>
+          </a:bodyPr>
+          <a:lstStyle/>
+          <a:p>
+            <a:r>
+              <a:rPr dirty="0"/>
+              <a:t>Benefits &amp; ROI</a:t>
+            </a:r>
+          </a:p>
+        </p:txBody>
+      </p:sp>
+      <p:graphicFrame>
+        <p:nvGraphicFramePr>
+          <p:cNvPr id="5" name="Content Placeholder 2">
+            <a:extLst>
+              <a:ext uri="{FF2B5EF4-FFF2-40B4-BE49-F238E27FC236}">
+                <a16:creationId xmlns:a16="http://schemas.microsoft.com/office/drawing/2014/main" id="{FCEF7B91-DF42-FB3E-E751-0C2F39A0FA76}"/>
+              </a:ext>
+            </a:extLst>
+          </p:cNvPr>
+          <p:cNvGraphicFramePr>
+            <a:graphicFrameLocks noGrp="1"/>
+          </p:cNvGraphicFramePr>
+          <p:nvPr>
+            <p:ph idx="1"/>
+            <p:extLst>
+              <p:ext uri="{D42A27DB-BD31-4B8C-83A1-F6EECF244321}">
+                <p14:modId xmlns:p14="http://schemas.microsoft.com/office/powerpoint/2010/main" val="4173446947"/>
+              </p:ext>
+            </p:extLst>
+          </p:nvPr>
+        </p:nvGraphicFramePr>
+        <p:xfrm>
+          <a:off x="514350" y="1385888"/>
+          <a:ext cx="8115300" cy="5072062"/>
+        </p:xfrm>
+        <a:graphic>
+          <a:graphicData uri="http://schemas.openxmlformats.org/drawingml/2006/diagram">
+            <dgm:relIds xmlns:dgm="http://schemas.openxmlformats.org/drawingml/2006/diagram" xmlns:r="http://schemas.openxmlformats.org/officeDocument/2006/relationships" r:dm="rId2" r:lo="rId3" r:qs="rId4" r:cs="rId5"/>
+          </a:graphicData>
+        </a:graphic>
+      </p:graphicFrame>
+    </p:spTree>
+  </p:cSld>
+  <p:clrMapOvr>
+    <a:masterClrMapping/>
+  </p:clrMapOvr>
+</p:sld>
+</file>
+
+<file path=ppt/slides/slide17.xml><?xml version="1.0" encoding="utf-8"?>
+<p:sld xmlns:a="http://schemas.openxmlformats.org/drawingml/2006/main" xmlns:r="http://schemas.openxmlformats.org/officeDocument/2006/relationships" xmlns:p="http://schemas.openxmlformats.org/presentationml/2006/main">
+  <p:cSld>
+    <p:spTree>
+      <p:nvGrpSpPr>
+        <p:cNvPr id="1" name=""/>
+        <p:cNvGrpSpPr/>
+        <p:nvPr/>
+      </p:nvGrpSpPr>
+      <p:grpSpPr>
+        <a:xfrm>
+          <a:off x="0" y="0"/>
+          <a:ext cx="0" cy="0"/>
+          <a:chOff x="0" y="0"/>
+          <a:chExt cx="0" cy="0"/>
+        </a:xfrm>
+      </p:grpSpPr>
+      <p:sp>
+        <p:nvSpPr>
+          <p:cNvPr id="2" name="Title 1"/>
+          <p:cNvSpPr>
+            <a:spLocks noGrp="1"/>
+          </p:cNvSpPr>
+          <p:nvPr>
+            <p:ph type="title"/>
+          </p:nvPr>
+        </p:nvSpPr>
+        <p:spPr>
+          <a:xfrm>
+            <a:off x="911543" y="2571750"/>
+            <a:ext cx="6377940" cy="2386013"/>
+          </a:xfrm>
+        </p:spPr>
+        <p:txBody>
+          <a:bodyPr>
+            <a:normAutofit/>
+          </a:bodyPr>
+          <a:lstStyle/>
+          <a:p>
+            <a:r>
+              <a:rPr lang="en-US" sz="5400" b="1" dirty="0">
+                <a:latin typeface="Lucida Handwriting" panose="03010101010101010101" pitchFamily="66" charset="0"/>
+              </a:rPr>
+              <a:t>THANK YOU</a:t>
+            </a:r>
+            <a:endParaRPr sz="5400" b="1" dirty="0">
+              <a:latin typeface="Lucida Handwriting" panose="03010101010101010101" pitchFamily="66" charset="0"/>
+            </a:endParaRPr>
+          </a:p>
+        </p:txBody>
+      </p:sp>
+    </p:spTree>
+  </p:cSld>
+  <p:clrMapOvr>
+    <a:masterClrMapping/>
+  </p:clrMapOvr>
+</p:sld>
+</file>
+
+<file path=ppt/slides/slide2.xml><?xml version="1.0" encoding="utf-8"?>
+<p:sld xmlns:a="http://schemas.openxmlformats.org/drawingml/2006/main" xmlns:r="http://schemas.openxmlformats.org/officeDocument/2006/relationships" xmlns:p="http://schemas.openxmlformats.org/presentationml/2006/main">
+  <p:cSld>
+    <p:spTree>
+      <p:nvGrpSpPr>
+        <p:cNvPr id="1" name=""/>
+        <p:cNvGrpSpPr/>
+        <p:nvPr/>
+      </p:nvGrpSpPr>
+      <p:grpSpPr>
+        <a:xfrm>
+          <a:off x="0" y="0"/>
+          <a:ext cx="0" cy="0"/>
+          <a:chOff x="0" y="0"/>
+          <a:chExt cx="0" cy="0"/>
+        </a:xfrm>
+      </p:grpSpPr>
+      <p:sp>
+        <p:nvSpPr>
+          <p:cNvPr id="2" name="Title 1"/>
+          <p:cNvSpPr>
+            <a:spLocks noGrp="1"/>
+          </p:cNvSpPr>
+          <p:nvPr>
+            <p:ph type="title"/>
+          </p:nvPr>
+        </p:nvSpPr>
+        <p:spPr>
+          <a:xfrm>
+            <a:off x="2171700" y="764373"/>
+            <a:ext cx="6457950" cy="1293028"/>
+          </a:xfrm>
+        </p:spPr>
+        <p:txBody>
+          <a:bodyPr>
+            <a:normAutofit/>
+          </a:bodyPr>
+          <a:lstStyle/>
+          <a:p>
+            <a:r>
+              <a:rPr dirty="0"/>
+              <a:t>Company Profile: ABC Manufacturing Ltd.</a:t>
+            </a:r>
+          </a:p>
+        </p:txBody>
+      </p:sp>
+      <p:sp>
+        <p:nvSpPr>
+          <p:cNvPr id="3" name="Content Placeholder 2"/>
+          <p:cNvSpPr>
+            <a:spLocks noGrp="1"/>
+          </p:cNvSpPr>
+          <p:nvPr>
+            <p:ph idx="1"/>
+          </p:nvPr>
+        </p:nvSpPr>
+        <p:spPr>
+          <a:xfrm>
+            <a:off x="514350" y="1932052"/>
+            <a:ext cx="5549901" cy="4549140"/>
+          </a:xfrm>
+        </p:spPr>
+        <p:txBody>
+          <a:bodyPr>
+            <a:normAutofit lnSpcReduction="10000"/>
+          </a:bodyPr>
+          <a:lstStyle/>
+          <a:p>
+            <a:pPr marL="0" indent="0">
+              <a:spcAft>
+                <a:spcPts val="1400"/>
+              </a:spcAft>
+              <a:buNone/>
+            </a:pPr>
+            <a:r>
+              <a:rPr lang="en-US" sz="1600" b="1" dirty="0"/>
+              <a:t>Industry: </a:t>
+            </a:r>
+            <a:r>
+              <a:rPr lang="en-US" sz="1600" dirty="0"/>
+              <a:t>Mid-sized manufacturing company</a:t>
+            </a:r>
+          </a:p>
+          <a:p>
+            <a:pPr marL="0" indent="0">
+              <a:spcAft>
+                <a:spcPts val="1400"/>
+              </a:spcAft>
+              <a:buNone/>
+            </a:pPr>
+            <a:r>
+              <a:rPr lang="en-US" sz="1600" b="1" dirty="0"/>
+              <a:t>Specialization</a:t>
+            </a:r>
+            <a:r>
+              <a:rPr lang="en-US" sz="1600" dirty="0"/>
+              <a:t>: Producing and distributing consumer goods</a:t>
+            </a:r>
+            <a:br>
+              <a:rPr lang="en-US" sz="1600" dirty="0"/>
+            </a:br>
+            <a:br>
+              <a:rPr lang="en-US" sz="1600" dirty="0"/>
+            </a:br>
+            <a:r>
+              <a:rPr lang="en-US" sz="1700" b="1" dirty="0"/>
+              <a:t>Business Challenges:</a:t>
+            </a:r>
+            <a:br>
+              <a:rPr lang="en-US" sz="1600" dirty="0"/>
+            </a:br>
+            <a:r>
+              <a:rPr lang="en-US" sz="1600" dirty="0"/>
+              <a:t>- Manual Order Processing: Orders tracked via email &amp; spreadsheets</a:t>
+            </a:r>
+            <a:br>
+              <a:rPr lang="en-US" sz="1600" dirty="0"/>
+            </a:br>
+            <a:r>
+              <a:rPr lang="en-US" sz="1600" dirty="0"/>
+              <a:t>- Lack of Real-Time Inventory: Delays in fulfillment</a:t>
+            </a:r>
+            <a:br>
+              <a:rPr lang="en-US" sz="1600" dirty="0"/>
+            </a:br>
+            <a:r>
+              <a:rPr lang="en-US" sz="1600" dirty="0"/>
+              <a:t>- No Automation: No structured approval workflows</a:t>
+            </a:r>
+            <a:br>
+              <a:rPr lang="en-US" sz="1600" dirty="0"/>
+            </a:br>
+            <a:r>
+              <a:rPr lang="en-US" sz="1600" dirty="0"/>
+              <a:t>- Data Discrepancies: No single source of truth for inventory &amp; sales</a:t>
+            </a:r>
+            <a:br>
+              <a:rPr lang="en-US" sz="1600" dirty="0"/>
+            </a:br>
+            <a:br>
+              <a:rPr lang="en-US" sz="1600" dirty="0"/>
+            </a:br>
+            <a:r>
+              <a:rPr lang="en-US" sz="1700" b="1" dirty="0"/>
+              <a:t>Business Goals:</a:t>
+            </a:r>
+            <a:br>
+              <a:rPr lang="en-US" sz="1700" b="1" dirty="0"/>
+            </a:br>
+            <a:r>
+              <a:rPr lang="en-US" sz="1600" dirty="0"/>
+              <a:t> - Improve Order Processing – Reduce manual effort &amp; time</a:t>
+            </a:r>
+            <a:br>
+              <a:rPr lang="en-US" sz="1600" dirty="0"/>
+            </a:br>
+            <a:r>
+              <a:rPr lang="en-US" sz="1600" dirty="0"/>
+              <a:t>- Enhance Inventory Management – Keep stock levels updated automatically</a:t>
+            </a:r>
+            <a:br>
+              <a:rPr lang="en-US" sz="1600" dirty="0"/>
+            </a:br>
+            <a:r>
+              <a:rPr lang="en-US" sz="1600" dirty="0"/>
+              <a:t>- Increase Visibility – Real-time dashboards for better decision-making</a:t>
+            </a:r>
+            <a:br>
+              <a:rPr lang="en-US" sz="1600" dirty="0"/>
+            </a:br>
+            <a:r>
+              <a:rPr lang="en-US" sz="1600" dirty="0"/>
+              <a:t>- Streamline Customer Experience – Allow easy order placement</a:t>
+            </a:r>
+          </a:p>
+        </p:txBody>
+      </p:sp>
+      <p:pic>
+        <p:nvPicPr>
+          <p:cNvPr id="7" name="Graphic 6" descr="Box trolley">
+            <a:extLst>
+              <a:ext uri="{FF2B5EF4-FFF2-40B4-BE49-F238E27FC236}">
+                <a16:creationId xmlns:a16="http://schemas.microsoft.com/office/drawing/2014/main" id="{D97DC196-3C35-A749-30DF-FF203D8E719E}"/>
+              </a:ext>
+            </a:extLst>
+          </p:cNvPr>
+          <p:cNvPicPr>
+            <a:picLocks noChangeAspect="1"/>
+          </p:cNvPicPr>
+          <p:nvPr/>
+        </p:nvPicPr>
+        <p:blipFill>
+          <a:blip r:embed="rId2">
+            <a:extLst>
+              <a:ext uri="{28A0092B-C50C-407E-A947-70E740481C1C}">
+                <a14:useLocalDpi xmlns:a14="http://schemas.microsoft.com/office/drawing/2010/main" val="0"/>
+              </a:ext>
+              <a:ext uri="{96DAC541-7B7A-43D3-8B79-37D633B846F1}">
+                <asvg:svgBlip xmlns:asvg="http://schemas.microsoft.com/office/drawing/2016/SVG/main" r:embed="rId3"/>
+              </a:ext>
+            </a:extLst>
+          </a:blip>
+          <a:stretch>
+            <a:fillRect/>
+          </a:stretch>
+        </p:blipFill>
+        <p:spPr>
+          <a:xfrm>
+            <a:off x="5643562" y="2511172"/>
+            <a:ext cx="2986087" cy="3390900"/>
+          </a:xfrm>
+          <a:prstGeom prst="rect">
+            <a:avLst/>
+          </a:prstGeom>
+        </p:spPr>
+      </p:pic>
+    </p:spTree>
+  </p:cSld>
+  <p:clrMapOvr>
+    <a:masterClrMapping/>
+  </p:clrMapOvr>
+</p:sld>
+</file>
+
+<file path=ppt/slides/slide3.xml><?xml version="1.0" encoding="utf-8"?>
+<p:sld xmlns:a="http://schemas.openxmlformats.org/drawingml/2006/main" xmlns:r="http://schemas.openxmlformats.org/officeDocument/2006/relationships" xmlns:p="http://schemas.openxmlformats.org/presentationml/2006/main">
+  <p:cSld>
+    <p:spTree>
+      <p:nvGrpSpPr>
+        <p:cNvPr id="1" name=""/>
+        <p:cNvGrpSpPr/>
+        <p:nvPr/>
+      </p:nvGrpSpPr>
+      <p:grpSpPr>
+        <a:xfrm>
+          <a:off x="0" y="0"/>
+          <a:ext cx="0" cy="0"/>
+          <a:chOff x="0" y="0"/>
+          <a:chExt cx="0" cy="0"/>
+        </a:xfrm>
+      </p:grpSpPr>
+      <p:sp useBgFill="1">
+        <p:nvSpPr>
+          <p:cNvPr id="10" name="Rounded Rectangle 14">
+            <a:extLst>
+              <a:ext uri="{FF2B5EF4-FFF2-40B4-BE49-F238E27FC236}">
+                <a16:creationId xmlns:a16="http://schemas.microsoft.com/office/drawing/2014/main" id="{12CC1C37-8BC7-4374-8300-E73C369150D7}"/>
+              </a:ext>
+              <a:ext uri="{C183D7F6-B498-43B3-948B-1728B52AA6E4}">
+                <adec:decorative xmlns:adec="http://schemas.microsoft.com/office/drawing/2017/decorative" val="1"/>
+              </a:ext>
+            </a:extLst>
+          </p:cNvPr>
+          <p:cNvSpPr>
+            <a:spLocks noGrp="1" noRot="1" noChangeAspect="1" noMove="1" noResize="1" noEditPoints="1" noAdjustHandles="1" noChangeArrowheads="1" noChangeShapeType="1" noTextEdit="1"/>
+          </p:cNvSpPr>
+          <p:nvPr>
+            <p:extLst>
+              <p:ext uri="{386F3935-93C4-4BCD-93E2-E3B085C9AB24}">
+                <p16:designElem xmlns:p16="http://schemas.microsoft.com/office/powerpoint/2015/main" val="1"/>
+              </p:ext>
+            </p:extLst>
+          </p:nvPr>
+        </p:nvSpPr>
+        <p:spPr>
+          <a:xfrm>
+            <a:off x="3477006" y="0"/>
+            <a:ext cx="5666994" cy="6858000"/>
+          </a:xfrm>
+          <a:prstGeom prst="roundRect">
+            <a:avLst>
+              <a:gd name="adj" fmla="val 0"/>
+            </a:avLst>
+          </a:prstGeom>
+          <a:ln>
+            <a:noFill/>
+          </a:ln>
+          <a:effectLst/>
+        </p:spPr>
+        <p:style>
+          <a:lnRef idx="2">
+            <a:schemeClr val="accent1">
+              <a:shade val="50000"/>
+            </a:schemeClr>
+          </a:lnRef>
+          <a:fillRef idx="1">
+            <a:schemeClr val="accent1"/>
+          </a:fillRef>
+          <a:effectRef idx="0">
+            <a:schemeClr val="accent1"/>
+          </a:effectRef>
+          <a:fontRef idx="minor">
+            <a:schemeClr val="lt1"/>
+          </a:fontRef>
+        </p:style>
+        <p:txBody>
+          <a:bodyPr rtlCol="0" anchor="ctr"/>
+          <a:lstStyle/>
+          <a:p>
+            <a:pPr algn="ctr"/>
+            <a:endParaRPr lang="en-US"/>
+          </a:p>
+        </p:txBody>
+      </p:sp>
+      <p:sp>
+        <p:nvSpPr>
+          <p:cNvPr id="11" name="Rectangle 10">
+            <a:extLst>
+              <a:ext uri="{FF2B5EF4-FFF2-40B4-BE49-F238E27FC236}">
+                <a16:creationId xmlns:a16="http://schemas.microsoft.com/office/drawing/2014/main" id="{8CC82757-F96F-41CB-B2B8-49689F4362A3}"/>
+              </a:ext>
+              <a:ext uri="{C183D7F6-B498-43B3-948B-1728B52AA6E4}">
+                <adec:decorative xmlns:adec="http://schemas.microsoft.com/office/drawing/2017/decorative" val="1"/>
+              </a:ext>
+            </a:extLst>
+          </p:cNvPr>
+          <p:cNvSpPr>
+            <a:spLocks noGrp="1" noRot="1" noChangeAspect="1" noMove="1" noResize="1" noEditPoints="1" noAdjustHandles="1" noChangeArrowheads="1" noChangeShapeType="1" noTextEdit="1"/>
+          </p:cNvSpPr>
+          <p:nvPr>
+            <p:extLst>
+              <p:ext uri="{386F3935-93C4-4BCD-93E2-E3B085C9AB24}">
+                <p16:designElem xmlns:p16="http://schemas.microsoft.com/office/powerpoint/2015/main" val="1"/>
+              </p:ext>
+            </p:extLst>
+          </p:nvPr>
+        </p:nvSpPr>
+        <p:spPr>
+          <a:xfrm>
+            <a:off x="0" y="0"/>
+            <a:ext cx="3477006" cy="6858000"/>
+          </a:xfrm>
+          <a:prstGeom prst="rect">
+            <a:avLst/>
+          </a:prstGeom>
+          <a:solidFill>
+            <a:schemeClr val="tx1"/>
+          </a:solidFill>
+          <a:ln>
+            <a:noFill/>
+          </a:ln>
+          <a:effectLst>
+            <a:outerShdw blurRad="63500" dist="38100" algn="l" rotWithShape="0">
+              <a:prstClr val="black">
+                <a:alpha val="40000"/>
+              </a:prstClr>
+            </a:outerShdw>
+          </a:effectLst>
+        </p:spPr>
+        <p:style>
+          <a:lnRef idx="2">
+            <a:schemeClr val="accent1">
+              <a:shade val="50000"/>
+            </a:schemeClr>
+          </a:lnRef>
+          <a:fillRef idx="1">
+            <a:schemeClr val="accent1"/>
+          </a:fillRef>
+          <a:effectRef idx="0">
+            <a:schemeClr val="accent1"/>
+          </a:effectRef>
+          <a:fontRef idx="minor">
+            <a:schemeClr val="lt1"/>
+          </a:fontRef>
+        </p:style>
+        <p:txBody>
+          <a:bodyPr rtlCol="0" anchor="ctr"/>
+          <a:lstStyle/>
+          <a:p>
+            <a:pPr algn="ctr"/>
+            <a:endParaRPr lang="en-US"/>
+          </a:p>
+        </p:txBody>
+      </p:sp>
+      <p:pic>
+        <p:nvPicPr>
+          <p:cNvPr id="14" name="Picture 13">
+            <a:extLst>
+              <a:ext uri="{FF2B5EF4-FFF2-40B4-BE49-F238E27FC236}">
+                <a16:creationId xmlns:a16="http://schemas.microsoft.com/office/drawing/2014/main" id="{FA37F53D-999D-4551-B3F8-064DBF315562}"/>
+              </a:ext>
+              <a:ext uri="{C183D7F6-B498-43B3-948B-1728B52AA6E4}">
+                <adec:decorative xmlns:adec="http://schemas.microsoft.com/office/drawing/2017/decorative" val="1"/>
+              </a:ext>
+            </a:extLst>
+          </p:cNvPr>
+          <p:cNvPicPr>
+            <a:picLocks noGrp="1" noRot="1" noChangeAspect="1" noMove="1" noResize="1" noEditPoints="1" noAdjustHandles="1" noChangeArrowheads="1" noChangeShapeType="1" noCrop="1"/>
+          </p:cNvPicPr>
+          <p:nvPr>
+            <p:extLst>
+              <p:ext uri="{386F3935-93C4-4BCD-93E2-E3B085C9AB24}">
+                <p16:designElem xmlns:p16="http://schemas.microsoft.com/office/powerpoint/2015/main" val="1"/>
+              </p:ext>
+            </p:extLst>
+          </p:nvPr>
+        </p:nvPicPr>
+        <p:blipFill rotWithShape="1">
+          <a:blip r:embed="rId2">
+            <a:extLst>
+              <a:ext uri="{28A0092B-C50C-407E-A947-70E740481C1C}">
+                <a14:useLocalDpi xmlns:a14="http://schemas.microsoft.com/office/drawing/2010/main" val="0"/>
+              </a:ext>
+            </a:extLst>
+          </a:blip>
+          <a:srcRect r="61975"/>
+          <a:stretch/>
+        </p:blipFill>
+        <p:spPr>
+          <a:xfrm>
+            <a:off x="0" y="0"/>
+            <a:ext cx="3477006" cy="1441450"/>
+          </a:xfrm>
+          <a:prstGeom prst="rect">
+            <a:avLst/>
+          </a:prstGeom>
+        </p:spPr>
+      </p:pic>
+      <p:pic>
+        <p:nvPicPr>
+          <p:cNvPr id="16" name="Picture 15">
+            <a:extLst>
+              <a:ext uri="{FF2B5EF4-FFF2-40B4-BE49-F238E27FC236}">
+                <a16:creationId xmlns:a16="http://schemas.microsoft.com/office/drawing/2014/main" id="{A9C99389-A1E4-4A6F-BF8E-9013FF049140}"/>
+              </a:ext>
+              <a:ext uri="{C183D7F6-B498-43B3-948B-1728B52AA6E4}">
+                <adec:decorative xmlns:adec="http://schemas.microsoft.com/office/drawing/2017/decorative" val="1"/>
+              </a:ext>
+            </a:extLst>
+          </p:cNvPr>
+          <p:cNvPicPr>
+            <a:picLocks noGrp="1" noRot="1" noChangeAspect="1" noMove="1" noResize="1" noEditPoints="1" noAdjustHandles="1" noChangeArrowheads="1" noChangeShapeType="1" noCrop="1"/>
+          </p:cNvPicPr>
+          <p:nvPr>
+            <p:extLst>
+              <p:ext uri="{386F3935-93C4-4BCD-93E2-E3B085C9AB24}">
+                <p16:designElem xmlns:p16="http://schemas.microsoft.com/office/powerpoint/2015/main" val="1"/>
+              </p:ext>
+            </p:extLst>
+          </p:nvPr>
+        </p:nvPicPr>
+        <p:blipFill rotWithShape="1">
+          <a:blip r:embed="rId3">
+            <a:extLst>
+              <a:ext uri="{28A0092B-C50C-407E-A947-70E740481C1C}">
+                <a14:useLocalDpi xmlns:a14="http://schemas.microsoft.com/office/drawing/2010/main" val="0"/>
+              </a:ext>
+            </a:extLst>
+          </a:blip>
+          <a:srcRect r="61975"/>
+          <a:stretch/>
+        </p:blipFill>
+        <p:spPr>
+          <a:xfrm>
+            <a:off x="0" y="4375150"/>
+            <a:ext cx="3477006" cy="2482850"/>
+          </a:xfrm>
+          <a:prstGeom prst="rect">
+            <a:avLst/>
+          </a:prstGeom>
+        </p:spPr>
+      </p:pic>
+      <p:sp>
+        <p:nvSpPr>
+          <p:cNvPr id="2" name="Title 1"/>
+          <p:cNvSpPr>
+            <a:spLocks noGrp="1"/>
+          </p:cNvSpPr>
+          <p:nvPr>
+            <p:ph type="title"/>
+          </p:nvPr>
+        </p:nvSpPr>
+        <p:spPr>
+          <a:xfrm>
+            <a:off x="514350" y="1066163"/>
+            <a:ext cx="2480058" cy="5148371"/>
+          </a:xfrm>
+        </p:spPr>
+        <p:txBody>
+          <a:bodyPr>
+            <a:normAutofit/>
+          </a:bodyPr>
+          <a:lstStyle/>
+          <a:p>
+            <a:r>
+              <a:rPr lang="en-US" sz="2800">
+                <a:solidFill>
+                  <a:schemeClr val="bg1"/>
+                </a:solidFill>
+              </a:rPr>
+              <a:t>Company’s Current Challenge &amp; solution</a:t>
+            </a:r>
+          </a:p>
+        </p:txBody>
+      </p:sp>
+      <p:graphicFrame>
+        <p:nvGraphicFramePr>
+          <p:cNvPr id="5" name="Content Placeholder 2">
+            <a:extLst>
+              <a:ext uri="{FF2B5EF4-FFF2-40B4-BE49-F238E27FC236}">
+                <a16:creationId xmlns:a16="http://schemas.microsoft.com/office/drawing/2014/main" id="{1879A314-A337-3CAE-4105-B7F586CD805A}"/>
+              </a:ext>
+            </a:extLst>
+          </p:cNvPr>
+          <p:cNvGraphicFramePr>
+            <a:graphicFrameLocks noGrp="1"/>
+          </p:cNvGraphicFramePr>
+          <p:nvPr>
+            <p:ph idx="1"/>
+            <p:extLst>
+              <p:ext uri="{D42A27DB-BD31-4B8C-83A1-F6EECF244321}">
+                <p14:modId xmlns:p14="http://schemas.microsoft.com/office/powerpoint/2010/main" val="1148879491"/>
+              </p:ext>
+            </p:extLst>
+          </p:nvPr>
+        </p:nvGraphicFramePr>
+        <p:xfrm>
+          <a:off x="3959604" y="746125"/>
+          <a:ext cx="4717669" cy="5447745"/>
+        </p:xfrm>
+        <a:graphic>
+          <a:graphicData uri="http://schemas.openxmlformats.org/drawingml/2006/diagram">
+            <dgm:relIds xmlns:dgm="http://schemas.openxmlformats.org/drawingml/2006/diagram" xmlns:r="http://schemas.openxmlformats.org/officeDocument/2006/relationships" r:dm="rId4" r:lo="rId5" r:qs="rId6" r:cs="rId7"/>
+          </a:graphicData>
+        </a:graphic>
+      </p:graphicFrame>
+    </p:spTree>
+  </p:cSld>
+  <p:clrMapOvr>
+    <a:masterClrMapping/>
+  </p:clrMapOvr>
+</p:sld>
+</file>
+
+<file path=ppt/slides/slide4.xml><?xml version="1.0" encoding="utf-8"?>
+<p:sld xmlns:a="http://schemas.openxmlformats.org/drawingml/2006/main" xmlns:r="http://schemas.openxmlformats.org/officeDocument/2006/relationships" xmlns:p="http://schemas.openxmlformats.org/presentationml/2006/main">
+  <p:cSld>
+    <p:spTree>
+      <p:nvGrpSpPr>
+        <p:cNvPr id="1" name="">
+          <a:extLst>
+            <a:ext uri="{FF2B5EF4-FFF2-40B4-BE49-F238E27FC236}">
+              <a16:creationId xmlns:a16="http://schemas.microsoft.com/office/drawing/2014/main" id="{76E07A44-3122-1770-F013-D7BEE2FE0776}"/>
+            </a:ext>
+          </a:extLst>
+        </p:cNvPr>
+        <p:cNvGrpSpPr/>
+        <p:nvPr/>
+      </p:nvGrpSpPr>
+      <p:grpSpPr>
+        <a:xfrm>
+          <a:off x="0" y="0"/>
+          <a:ext cx="0" cy="0"/>
+          <a:chOff x="0" y="0"/>
+          <a:chExt cx="0" cy="0"/>
+        </a:xfrm>
+      </p:grpSpPr>
+      <p:sp>
+        <p:nvSpPr>
+          <p:cNvPr id="2" name="Title 1">
+            <a:extLst>
+              <a:ext uri="{FF2B5EF4-FFF2-40B4-BE49-F238E27FC236}">
+                <a16:creationId xmlns:a16="http://schemas.microsoft.com/office/drawing/2014/main" id="{59874695-C6C7-0FBA-3CBB-39BCF0848FC8}"/>
+              </a:ext>
+            </a:extLst>
+          </p:cNvPr>
+          <p:cNvSpPr>
+            <a:spLocks noGrp="1"/>
+          </p:cNvSpPr>
+          <p:nvPr>
+            <p:ph type="title"/>
+          </p:nvPr>
+        </p:nvSpPr>
+        <p:spPr>
+          <a:xfrm>
+            <a:off x="2171700" y="764373"/>
+            <a:ext cx="6457950" cy="1293028"/>
+          </a:xfrm>
+        </p:spPr>
+        <p:txBody>
+          <a:bodyPr vert="horz" lIns="91440" tIns="45720" rIns="91440" bIns="45720" rtlCol="0" anchor="ctr">
+            <a:normAutofit/>
+          </a:bodyPr>
+          <a:lstStyle/>
+          <a:p>
+            <a:r>
+              <a:rPr lang="en-US" dirty="0"/>
+              <a:t>PROPSED solution</a:t>
+            </a:r>
+            <a:endParaRPr lang="en-US"/>
+          </a:p>
+        </p:txBody>
+      </p:sp>
+      <p:sp>
+        <p:nvSpPr>
+          <p:cNvPr id="16" name="Content Placeholder 15">
+            <a:extLst>
+              <a:ext uri="{FF2B5EF4-FFF2-40B4-BE49-F238E27FC236}">
+                <a16:creationId xmlns:a16="http://schemas.microsoft.com/office/drawing/2014/main" id="{BE066EC6-5B1F-07EB-67ED-7A9A4634D020}"/>
+              </a:ext>
+            </a:extLst>
+          </p:cNvPr>
+          <p:cNvSpPr>
+            <a:spLocks noGrp="1"/>
+          </p:cNvSpPr>
+          <p:nvPr>
+            <p:ph idx="1"/>
+          </p:nvPr>
+        </p:nvSpPr>
+        <p:spPr>
+          <a:xfrm>
+            <a:off x="4418003" y="2928939"/>
+            <a:ext cx="4362450" cy="4504184"/>
+          </a:xfrm>
+        </p:spPr>
+        <p:txBody>
+          <a:bodyPr vert="horz" lIns="91440" tIns="45720" rIns="91440" bIns="45720" rtlCol="0">
+            <a:normAutofit/>
+          </a:bodyPr>
+          <a:lstStyle/>
+          <a:p>
+            <a:pPr marL="0" lvl="0" indent="0">
+              <a:spcBef>
+                <a:spcPct val="0"/>
+              </a:spcBef>
+              <a:spcAft>
+                <a:spcPct val="35000"/>
+              </a:spcAft>
+              <a:buNone/>
+              <a:defRPr cap="all"/>
+            </a:pPr>
+            <a:r>
+              <a:rPr lang="en-US" sz="3200" b="1" dirty="0"/>
+              <a:t>Power Platform for automation, efficiency, and scalability</a:t>
+            </a:r>
+          </a:p>
+        </p:txBody>
+      </p:sp>
+      <p:sp>
+        <p:nvSpPr>
+          <p:cNvPr id="12" name="Freeform: Shape 11">
+            <a:extLst>
+              <a:ext uri="{FF2B5EF4-FFF2-40B4-BE49-F238E27FC236}">
+                <a16:creationId xmlns:a16="http://schemas.microsoft.com/office/drawing/2014/main" id="{0E4DC2CF-0206-6915-5D33-C3CA596A65FD}"/>
+              </a:ext>
+            </a:extLst>
+          </p:cNvPr>
+          <p:cNvSpPr/>
+          <p:nvPr/>
+        </p:nvSpPr>
+        <p:spPr>
+          <a:xfrm>
+            <a:off x="6599228" y="5440136"/>
+            <a:ext cx="1017773" cy="407109"/>
+          </a:xfrm>
+          <a:custGeom>
+            <a:avLst/>
+            <a:gdLst>
+              <a:gd name="connsiteX0" fmla="*/ 0 w 1017773"/>
+              <a:gd name="connsiteY0" fmla="*/ 0 h 407109"/>
+              <a:gd name="connsiteX1" fmla="*/ 1017773 w 1017773"/>
+              <a:gd name="connsiteY1" fmla="*/ 0 h 407109"/>
+              <a:gd name="connsiteX2" fmla="*/ 1017773 w 1017773"/>
+              <a:gd name="connsiteY2" fmla="*/ 407109 h 407109"/>
+              <a:gd name="connsiteX3" fmla="*/ 0 w 1017773"/>
+              <a:gd name="connsiteY3" fmla="*/ 407109 h 407109"/>
+              <a:gd name="connsiteX4" fmla="*/ 0 w 1017773"/>
+              <a:gd name="connsiteY4" fmla="*/ 0 h 407109"/>
+            </a:gdLst>
+            <a:ahLst/>
+            <a:cxnLst>
+              <a:cxn ang="0">
+                <a:pos x="connsiteX0" y="connsiteY0"/>
+              </a:cxn>
+              <a:cxn ang="0">
+                <a:pos x="connsiteX1" y="connsiteY1"/>
+              </a:cxn>
+              <a:cxn ang="0">
+                <a:pos x="connsiteX2" y="connsiteY2"/>
+              </a:cxn>
+              <a:cxn ang="0">
+                <a:pos x="connsiteX3" y="connsiteY3"/>
+              </a:cxn>
+              <a:cxn ang="0">
+                <a:pos x="connsiteX4" y="connsiteY4"/>
+              </a:cxn>
+            </a:cxnLst>
+            <a:rect l="l" t="t" r="r" b="b"/>
+            <a:pathLst>
+              <a:path w="1017773" h="407109">
+                <a:moveTo>
+                  <a:pt x="0" y="0"/>
+                </a:moveTo>
+                <a:lnTo>
+                  <a:pt x="1017773" y="0"/>
+                </a:lnTo>
+                <a:lnTo>
+                  <a:pt x="1017773" y="407109"/>
+                </a:lnTo>
+                <a:lnTo>
+                  <a:pt x="0" y="407109"/>
+                </a:lnTo>
+                <a:lnTo>
+                  <a:pt x="0" y="0"/>
+                </a:lnTo>
+                <a:close/>
+              </a:path>
+            </a:pathLst>
+          </a:custGeom>
+        </p:spPr>
+        <p:style>
+          <a:lnRef idx="0">
+            <a:schemeClr val="dk1">
+              <a:alpha val="0"/>
+              <a:hueOff val="0"/>
+              <a:satOff val="0"/>
+              <a:lumOff val="0"/>
+              <a:alphaOff val="0"/>
+            </a:schemeClr>
+          </a:lnRef>
+          <a:fillRef idx="0">
+            <a:schemeClr val="lt1">
+              <a:alpha val="0"/>
+              <a:hueOff val="0"/>
+              <a:satOff val="0"/>
+              <a:lumOff val="0"/>
+              <a:alphaOff val="0"/>
+            </a:schemeClr>
+          </a:fillRef>
+          <a:effectRef idx="0">
+            <a:schemeClr val="lt1">
+              <a:alpha val="0"/>
+              <a:hueOff val="0"/>
+              <a:satOff val="0"/>
+              <a:lumOff val="0"/>
+              <a:alphaOff val="0"/>
+            </a:schemeClr>
+          </a:effectRef>
+          <a:fontRef idx="minor">
+            <a:schemeClr val="tx1">
+              <a:hueOff val="0"/>
+              <a:satOff val="0"/>
+              <a:lumOff val="0"/>
+              <a:alphaOff val="0"/>
+            </a:schemeClr>
+          </a:fontRef>
+        </p:style>
+        <p:txBody>
+          <a:bodyPr spcFirstLastPara="0" vert="horz" wrap="square" lIns="0" tIns="0" rIns="0" bIns="0" numCol="1" spcCol="1270" anchor="t" anchorCtr="0">
+            <a:noAutofit/>
+          </a:bodyPr>
+          <a:lstStyle/>
+          <a:p>
+            <a:pPr marL="0" lvl="0" indent="0" algn="ctr" defTabSz="889000">
+              <a:lnSpc>
+                <a:spcPct val="100000"/>
+              </a:lnSpc>
+              <a:spcBef>
+                <a:spcPct val="0"/>
+              </a:spcBef>
+              <a:spcAft>
+                <a:spcPct val="35000"/>
+              </a:spcAft>
+              <a:buNone/>
+              <a:defRPr cap="all"/>
+            </a:pPr>
+            <a:endParaRPr lang="en-US" sz="2000" kern="1200" dirty="0"/>
+          </a:p>
+        </p:txBody>
+      </p:sp>
+      <p:pic>
+        <p:nvPicPr>
+          <p:cNvPr id="1026" name="Picture 2" descr="Power Platform Extension Pack - Visual Studio Marketplace">
+            <a:extLst>
+              <a:ext uri="{FF2B5EF4-FFF2-40B4-BE49-F238E27FC236}">
+                <a16:creationId xmlns:a16="http://schemas.microsoft.com/office/drawing/2014/main" id="{186D6BFF-7FA5-CB0B-15CA-0770332247BC}"/>
+              </a:ext>
+            </a:extLst>
+          </p:cNvPr>
+          <p:cNvPicPr>
+            <a:picLocks noChangeAspect="1" noChangeArrowheads="1"/>
+          </p:cNvPicPr>
+          <p:nvPr/>
+        </p:nvPicPr>
+        <p:blipFill>
+          <a:blip r:embed="rId2">
+            <a:extLst>
+              <a:ext uri="{28A0092B-C50C-407E-A947-70E740481C1C}">
+                <a14:useLocalDpi xmlns:a14="http://schemas.microsoft.com/office/drawing/2010/main" val="0"/>
+              </a:ext>
+            </a:extLst>
+          </a:blip>
+          <a:srcRect/>
+          <a:stretch>
+            <a:fillRect/>
+          </a:stretch>
+        </p:blipFill>
+        <p:spPr bwMode="auto">
+          <a:xfrm>
+            <a:off x="442952" y="2084013"/>
+            <a:ext cx="3824248" cy="3559677"/>
+          </a:xfrm>
+          <a:prstGeom prst="rect">
+            <a:avLst/>
+          </a:prstGeom>
+          <a:noFill/>
+          <a:extLst>
+            <a:ext uri="{909E8E84-426E-40DD-AFC4-6F175D3DCCD1}">
+              <a14:hiddenFill xmlns:a14="http://schemas.microsoft.com/office/drawing/2010/main">
+                <a:solidFill>
+                  <a:srgbClr val="FFFFFF"/>
+                </a:solidFill>
+              </a14:hiddenFill>
+            </a:ext>
+          </a:extLst>
+        </p:spPr>
+      </p:pic>
+    </p:spTree>
+    <p:extLst>
+      <p:ext uri="{BB962C8B-B14F-4D97-AF65-F5344CB8AC3E}">
+        <p14:creationId xmlns:p14="http://schemas.microsoft.com/office/powerpoint/2010/main" val="2664430401"/>
+      </p:ext>
+    </p:extLst>
+  </p:cSld>
+  <p:clrMapOvr>
+    <a:masterClrMapping/>
+  </p:clrMapOvr>
+</p:sld>
+</file>
+
+<file path=ppt/slides/slide5.xml><?xml version="1.0" encoding="utf-8"?>
+<p:sld xmlns:a="http://schemas.openxmlformats.org/drawingml/2006/main" xmlns:r="http://schemas.openxmlformats.org/officeDocument/2006/relationships" xmlns:p="http://schemas.openxmlformats.org/presentationml/2006/main">
+  <p:cSld>
+    <p:spTree>
+      <p:nvGrpSpPr>
+        <p:cNvPr id="1" name=""/>
+        <p:cNvGrpSpPr/>
+        <p:nvPr/>
+      </p:nvGrpSpPr>
+      <p:grpSpPr>
+        <a:xfrm>
+          <a:off x="0" y="0"/>
+          <a:ext cx="0" cy="0"/>
+          <a:chOff x="0" y="0"/>
+          <a:chExt cx="0" cy="0"/>
+        </a:xfrm>
+      </p:grpSpPr>
+      <p:sp useBgFill="1">
+        <p:nvSpPr>
+          <p:cNvPr id="10" name="Rounded Rectangle 14">
+            <a:extLst>
+              <a:ext uri="{FF2B5EF4-FFF2-40B4-BE49-F238E27FC236}">
+                <a16:creationId xmlns:a16="http://schemas.microsoft.com/office/drawing/2014/main" id="{12CC1C37-8BC7-4374-8300-E73C369150D7}"/>
+              </a:ext>
+              <a:ext uri="{C183D7F6-B498-43B3-948B-1728B52AA6E4}">
+                <adec:decorative xmlns:adec="http://schemas.microsoft.com/office/drawing/2017/decorative" val="1"/>
+              </a:ext>
+            </a:extLst>
+          </p:cNvPr>
+          <p:cNvSpPr>
+            <a:spLocks noGrp="1" noRot="1" noChangeAspect="1" noMove="1" noResize="1" noEditPoints="1" noAdjustHandles="1" noChangeArrowheads="1" noChangeShapeType="1" noTextEdit="1"/>
+          </p:cNvSpPr>
+          <p:nvPr>
+            <p:extLst>
+              <p:ext uri="{386F3935-93C4-4BCD-93E2-E3B085C9AB24}">
+                <p16:designElem xmlns:p16="http://schemas.microsoft.com/office/powerpoint/2015/main" val="1"/>
+              </p:ext>
+            </p:extLst>
+          </p:nvPr>
+        </p:nvSpPr>
+        <p:spPr>
+          <a:xfrm>
+            <a:off x="3477006" y="0"/>
+            <a:ext cx="5666994" cy="6858000"/>
+          </a:xfrm>
+          <a:prstGeom prst="roundRect">
+            <a:avLst>
+              <a:gd name="adj" fmla="val 0"/>
+            </a:avLst>
+          </a:prstGeom>
+          <a:ln>
+            <a:noFill/>
+          </a:ln>
+          <a:effectLst/>
+        </p:spPr>
+        <p:style>
+          <a:lnRef idx="2">
+            <a:schemeClr val="accent1">
+              <a:shade val="50000"/>
+            </a:schemeClr>
+          </a:lnRef>
+          <a:fillRef idx="1">
+            <a:schemeClr val="accent1"/>
+          </a:fillRef>
+          <a:effectRef idx="0">
+            <a:schemeClr val="accent1"/>
+          </a:effectRef>
+          <a:fontRef idx="minor">
+            <a:schemeClr val="lt1"/>
+          </a:fontRef>
+        </p:style>
+        <p:txBody>
+          <a:bodyPr rtlCol="0" anchor="ctr"/>
+          <a:lstStyle/>
+          <a:p>
+            <a:pPr algn="ctr"/>
+            <a:endParaRPr lang="en-US"/>
+          </a:p>
+        </p:txBody>
+      </p:sp>
+      <p:sp>
+        <p:nvSpPr>
+          <p:cNvPr id="12" name="Rectangle 11">
+            <a:extLst>
+              <a:ext uri="{FF2B5EF4-FFF2-40B4-BE49-F238E27FC236}">
+                <a16:creationId xmlns:a16="http://schemas.microsoft.com/office/drawing/2014/main" id="{8CC82757-F96F-41CB-B2B8-49689F4362A3}"/>
+              </a:ext>
+              <a:ext uri="{C183D7F6-B498-43B3-948B-1728B52AA6E4}">
+                <adec:decorative xmlns:adec="http://schemas.microsoft.com/office/drawing/2017/decorative" val="1"/>
+              </a:ext>
+            </a:extLst>
+          </p:cNvPr>
+          <p:cNvSpPr>
+            <a:spLocks noGrp="1" noRot="1" noChangeAspect="1" noMove="1" noResize="1" noEditPoints="1" noAdjustHandles="1" noChangeArrowheads="1" noChangeShapeType="1" noTextEdit="1"/>
+          </p:cNvSpPr>
+          <p:nvPr>
+            <p:extLst>
+              <p:ext uri="{386F3935-93C4-4BCD-93E2-E3B085C9AB24}">
+                <p16:designElem xmlns:p16="http://schemas.microsoft.com/office/powerpoint/2015/main" val="1"/>
+              </p:ext>
+            </p:extLst>
+          </p:nvPr>
+        </p:nvSpPr>
+        <p:spPr>
+          <a:xfrm>
+            <a:off x="0" y="0"/>
+            <a:ext cx="3477006" cy="6858000"/>
+          </a:xfrm>
+          <a:prstGeom prst="rect">
+            <a:avLst/>
+          </a:prstGeom>
+          <a:solidFill>
+            <a:schemeClr val="tx1"/>
+          </a:solidFill>
+          <a:ln>
+            <a:noFill/>
+          </a:ln>
+          <a:effectLst>
+            <a:outerShdw blurRad="63500" dist="38100" algn="l" rotWithShape="0">
+              <a:prstClr val="black">
+                <a:alpha val="40000"/>
+              </a:prstClr>
+            </a:outerShdw>
+          </a:effectLst>
+        </p:spPr>
+        <p:style>
+          <a:lnRef idx="2">
+            <a:schemeClr val="accent1">
+              <a:shade val="50000"/>
+            </a:schemeClr>
+          </a:lnRef>
+          <a:fillRef idx="1">
+            <a:schemeClr val="accent1"/>
+          </a:fillRef>
+          <a:effectRef idx="0">
+            <a:schemeClr val="accent1"/>
+          </a:effectRef>
+          <a:fontRef idx="minor">
+            <a:schemeClr val="lt1"/>
+          </a:fontRef>
+        </p:style>
+        <p:txBody>
+          <a:bodyPr rtlCol="0" anchor="ctr"/>
+          <a:lstStyle/>
+          <a:p>
+            <a:pPr algn="ctr"/>
+            <a:endParaRPr lang="en-US"/>
+          </a:p>
+        </p:txBody>
+      </p:sp>
+      <p:pic>
+        <p:nvPicPr>
+          <p:cNvPr id="14" name="Picture 13">
+            <a:extLst>
+              <a:ext uri="{FF2B5EF4-FFF2-40B4-BE49-F238E27FC236}">
+                <a16:creationId xmlns:a16="http://schemas.microsoft.com/office/drawing/2014/main" id="{FA37F53D-999D-4551-B3F8-064DBF315562}"/>
+              </a:ext>
+              <a:ext uri="{C183D7F6-B498-43B3-948B-1728B52AA6E4}">
+                <adec:decorative xmlns:adec="http://schemas.microsoft.com/office/drawing/2017/decorative" val="1"/>
+              </a:ext>
+            </a:extLst>
+          </p:cNvPr>
+          <p:cNvPicPr>
+            <a:picLocks noGrp="1" noRot="1" noChangeAspect="1" noMove="1" noResize="1" noEditPoints="1" noAdjustHandles="1" noChangeArrowheads="1" noChangeShapeType="1" noCrop="1"/>
+          </p:cNvPicPr>
+          <p:nvPr>
+            <p:extLst>
+              <p:ext uri="{386F3935-93C4-4BCD-93E2-E3B085C9AB24}">
+                <p16:designElem xmlns:p16="http://schemas.microsoft.com/office/powerpoint/2015/main" val="1"/>
+              </p:ext>
+            </p:extLst>
+          </p:nvPr>
+        </p:nvPicPr>
+        <p:blipFill rotWithShape="1">
+          <a:blip r:embed="rId2">
+            <a:extLst>
+              <a:ext uri="{28A0092B-C50C-407E-A947-70E740481C1C}">
+                <a14:useLocalDpi xmlns:a14="http://schemas.microsoft.com/office/drawing/2010/main" val="0"/>
+              </a:ext>
+            </a:extLst>
+          </a:blip>
+          <a:srcRect r="61975"/>
+          <a:stretch/>
+        </p:blipFill>
+        <p:spPr>
+          <a:xfrm>
+            <a:off x="0" y="0"/>
+            <a:ext cx="3477006" cy="1441450"/>
+          </a:xfrm>
+          <a:prstGeom prst="rect">
+            <a:avLst/>
+          </a:prstGeom>
+        </p:spPr>
+      </p:pic>
+      <p:pic>
+        <p:nvPicPr>
+          <p:cNvPr id="16" name="Picture 15">
+            <a:extLst>
+              <a:ext uri="{FF2B5EF4-FFF2-40B4-BE49-F238E27FC236}">
+                <a16:creationId xmlns:a16="http://schemas.microsoft.com/office/drawing/2014/main" id="{A9C99389-A1E4-4A6F-BF8E-9013FF049140}"/>
+              </a:ext>
+              <a:ext uri="{C183D7F6-B498-43B3-948B-1728B52AA6E4}">
+                <adec:decorative xmlns:adec="http://schemas.microsoft.com/office/drawing/2017/decorative" val="1"/>
+              </a:ext>
+            </a:extLst>
+          </p:cNvPr>
+          <p:cNvPicPr>
+            <a:picLocks noGrp="1" noRot="1" noChangeAspect="1" noMove="1" noResize="1" noEditPoints="1" noAdjustHandles="1" noChangeArrowheads="1" noChangeShapeType="1" noCrop="1"/>
+          </p:cNvPicPr>
+          <p:nvPr>
+            <p:extLst>
+              <p:ext uri="{386F3935-93C4-4BCD-93E2-E3B085C9AB24}">
+                <p16:designElem xmlns:p16="http://schemas.microsoft.com/office/powerpoint/2015/main" val="1"/>
+              </p:ext>
+            </p:extLst>
+          </p:nvPr>
+        </p:nvPicPr>
+        <p:blipFill rotWithShape="1">
+          <a:blip r:embed="rId3">
+            <a:extLst>
+              <a:ext uri="{28A0092B-C50C-407E-A947-70E740481C1C}">
+                <a14:useLocalDpi xmlns:a14="http://schemas.microsoft.com/office/drawing/2010/main" val="0"/>
+              </a:ext>
+            </a:extLst>
+          </a:blip>
+          <a:srcRect r="61975"/>
+          <a:stretch/>
+        </p:blipFill>
+        <p:spPr>
+          <a:xfrm>
+            <a:off x="0" y="4375150"/>
+            <a:ext cx="3477006" cy="2482850"/>
+          </a:xfrm>
+          <a:prstGeom prst="rect">
+            <a:avLst/>
+          </a:prstGeom>
+        </p:spPr>
+      </p:pic>
+      <p:sp>
+        <p:nvSpPr>
+          <p:cNvPr id="2" name="Title 1"/>
+          <p:cNvSpPr>
+            <a:spLocks noGrp="1"/>
+          </p:cNvSpPr>
+          <p:nvPr>
+            <p:ph type="title"/>
+          </p:nvPr>
+        </p:nvSpPr>
+        <p:spPr>
+          <a:xfrm>
+            <a:off x="514350" y="1066163"/>
+            <a:ext cx="2480058" cy="5148371"/>
+          </a:xfrm>
+        </p:spPr>
+        <p:txBody>
+          <a:bodyPr>
+            <a:normAutofit/>
+          </a:bodyPr>
+          <a:lstStyle/>
+          <a:p>
+            <a:r>
+              <a:rPr lang="en-US" sz="3100">
+                <a:solidFill>
+                  <a:schemeClr val="bg1"/>
+                </a:solidFill>
+              </a:rPr>
+              <a:t>Why Power Platform?</a:t>
+            </a:r>
+          </a:p>
+        </p:txBody>
+      </p:sp>
+      <p:graphicFrame>
+        <p:nvGraphicFramePr>
+          <p:cNvPr id="5" name="Content Placeholder 2">
+            <a:extLst>
+              <a:ext uri="{FF2B5EF4-FFF2-40B4-BE49-F238E27FC236}">
+                <a16:creationId xmlns:a16="http://schemas.microsoft.com/office/drawing/2014/main" id="{0CC465D9-97BE-8D99-949F-5DA1F4A8E5DF}"/>
+              </a:ext>
+            </a:extLst>
+          </p:cNvPr>
+          <p:cNvGraphicFramePr>
+            <a:graphicFrameLocks noGrp="1"/>
+          </p:cNvGraphicFramePr>
+          <p:nvPr>
+            <p:ph idx="1"/>
+            <p:extLst>
+              <p:ext uri="{D42A27DB-BD31-4B8C-83A1-F6EECF244321}">
+                <p14:modId xmlns:p14="http://schemas.microsoft.com/office/powerpoint/2010/main" val="150751754"/>
+              </p:ext>
+            </p:extLst>
+          </p:nvPr>
+        </p:nvGraphicFramePr>
+        <p:xfrm>
+          <a:off x="3959604" y="746125"/>
+          <a:ext cx="4717669" cy="5447745"/>
+        </p:xfrm>
+        <a:graphic>
+          <a:graphicData uri="http://schemas.openxmlformats.org/drawingml/2006/diagram">
+            <dgm:relIds xmlns:dgm="http://schemas.openxmlformats.org/drawingml/2006/diagram" xmlns:r="http://schemas.openxmlformats.org/officeDocument/2006/relationships" r:dm="rId4" r:lo="rId5" r:qs="rId6" r:cs="rId7"/>
+          </a:graphicData>
+        </a:graphic>
+      </p:graphicFrame>
+    </p:spTree>
+  </p:cSld>
+  <p:clrMapOvr>
+    <a:masterClrMapping/>
+  </p:clrMapOvr>
+</p:sld>
+</file>
+
+<file path=ppt/slides/slide6.xml><?xml version="1.0" encoding="utf-8"?>
+<p:sld xmlns:a="http://schemas.openxmlformats.org/drawingml/2006/main" xmlns:r="http://schemas.openxmlformats.org/officeDocument/2006/relationships" xmlns:p="http://schemas.openxmlformats.org/presentationml/2006/main">
+  <p:cSld>
+    <p:spTree>
+      <p:nvGrpSpPr>
+        <p:cNvPr id="1" name=""/>
+        <p:cNvGrpSpPr/>
+        <p:nvPr/>
+      </p:nvGrpSpPr>
+      <p:grpSpPr>
+        <a:xfrm>
+          <a:off x="0" y="0"/>
+          <a:ext cx="0" cy="0"/>
+          <a:chOff x="0" y="0"/>
+          <a:chExt cx="0" cy="0"/>
+        </a:xfrm>
+      </p:grpSpPr>
+      <p:sp>
+        <p:nvSpPr>
+          <p:cNvPr id="2" name="Title 1"/>
+          <p:cNvSpPr>
+            <a:spLocks noGrp="1"/>
+          </p:cNvSpPr>
+          <p:nvPr>
+            <p:ph type="title"/>
+          </p:nvPr>
+        </p:nvSpPr>
+        <p:spPr>
+          <a:xfrm>
+            <a:off x="2171700" y="764373"/>
+            <a:ext cx="6457950" cy="1293028"/>
+          </a:xfrm>
+        </p:spPr>
+        <p:txBody>
+          <a:bodyPr>
+            <a:normAutofit/>
+          </a:bodyPr>
+          <a:lstStyle/>
+          <a:p>
+            <a:r>
+              <a:t>Solution Overview</a:t>
+            </a:r>
+          </a:p>
+        </p:txBody>
+      </p:sp>
+      <p:grpSp>
+        <p:nvGrpSpPr>
+          <p:cNvPr id="4" name="Group 3">
+            <a:extLst>
+              <a:ext uri="{FF2B5EF4-FFF2-40B4-BE49-F238E27FC236}">
+                <a16:creationId xmlns:a16="http://schemas.microsoft.com/office/drawing/2014/main" id="{94A89275-86B2-D7BB-5335-D0F0FFA88C0D}"/>
+              </a:ext>
+            </a:extLst>
+          </p:cNvPr>
+          <p:cNvGrpSpPr/>
+          <p:nvPr/>
+        </p:nvGrpSpPr>
+        <p:grpSpPr>
+          <a:xfrm>
+            <a:off x="514350" y="966464"/>
+            <a:ext cx="8110550" cy="4729914"/>
+            <a:chOff x="2190032" y="972812"/>
+            <a:chExt cx="6434868" cy="4058275"/>
+          </a:xfrm>
+        </p:grpSpPr>
+        <p:sp>
+          <p:nvSpPr>
+            <p:cNvPr id="6" name="Oval 5">
+              <a:extLst>
+                <a:ext uri="{FF2B5EF4-FFF2-40B4-BE49-F238E27FC236}">
+                  <a16:creationId xmlns:a16="http://schemas.microsoft.com/office/drawing/2014/main" id="{9838B867-4F3B-49AB-2F00-096FBE51F427}"/>
+                </a:ext>
+              </a:extLst>
+            </p:cNvPr>
+            <p:cNvSpPr/>
+            <p:nvPr/>
+          </p:nvSpPr>
+          <p:spPr>
+            <a:xfrm>
+              <a:off x="3331491" y="972812"/>
+              <a:ext cx="991647" cy="1046232"/>
+            </a:xfrm>
+            <a:prstGeom prst="ellipse">
+              <a:avLst/>
+            </a:prstGeom>
+          </p:spPr>
+          <p:style>
+            <a:lnRef idx="0">
+              <a:schemeClr val="lt1">
+                <a:alpha val="0"/>
+                <a:hueOff val="0"/>
+                <a:satOff val="0"/>
+                <a:lumOff val="0"/>
+                <a:alphaOff val="0"/>
+              </a:schemeClr>
+            </a:lnRef>
+            <a:fillRef idx="1">
+              <a:schemeClr val="accent2">
+                <a:hueOff val="0"/>
+                <a:satOff val="0"/>
+                <a:lumOff val="0"/>
+                <a:alphaOff val="0"/>
+              </a:schemeClr>
+            </a:fillRef>
+            <a:effectRef idx="0">
+              <a:schemeClr val="accent2">
+                <a:hueOff val="0"/>
+                <a:satOff val="0"/>
+                <a:lumOff val="0"/>
+                <a:alphaOff val="0"/>
+              </a:schemeClr>
+            </a:effectRef>
+            <a:fontRef idx="minor"/>
+          </p:style>
+          <p:txBody>
+            <a:bodyPr/>
+            <a:lstStyle/>
+            <a:p>
+              <a:endParaRPr lang="en-US"/>
+            </a:p>
+          </p:txBody>
+        </p:sp>
+        <p:sp>
+          <p:nvSpPr>
+            <p:cNvPr id="7" name="Rectangle 6" descr="Tools">
+              <a:extLst>
+                <a:ext uri="{FF2B5EF4-FFF2-40B4-BE49-F238E27FC236}">
+                  <a16:creationId xmlns:a16="http://schemas.microsoft.com/office/drawing/2014/main" id="{7DCC7A75-EE83-21BA-1257-0F983CC16936}"/>
+                </a:ext>
+              </a:extLst>
+            </p:cNvPr>
+            <p:cNvSpPr/>
+            <p:nvPr/>
+          </p:nvSpPr>
+          <p:spPr>
+            <a:xfrm>
+              <a:off x="3542825" y="1153071"/>
+              <a:ext cx="568978" cy="600297"/>
+            </a:xfrm>
+            <a:prstGeom prst="rect">
+              <a:avLst/>
+            </a:prstGeom>
+            <a:blipFill>
+              <a:blip r:embed="rId2">
+                <a:extLst>
+                  <a:ext uri="{28A0092B-C50C-407E-A947-70E740481C1C}">
+                    <a14:useLocalDpi xmlns:a14="http://schemas.microsoft.com/office/drawing/2010/main" val="0"/>
+                  </a:ext>
+                  <a:ext uri="{96DAC541-7B7A-43D3-8B79-37D633B846F1}">
+                    <asvg:svgBlip xmlns:asvg="http://schemas.microsoft.com/office/drawing/2016/SVG/main" r:embed="rId3"/>
+                  </a:ext>
+                </a:extLst>
+              </a:blip>
+              <a:stretch>
+                <a:fillRect/>
+              </a:stretch>
+            </a:blipFill>
+            <a:ln>
+              <a:noFill/>
+            </a:ln>
+          </p:spPr>
+          <p:style>
+            <a:lnRef idx="2">
+              <a:scrgbClr r="0" g="0" b="0"/>
+            </a:lnRef>
+            <a:fillRef idx="1">
+              <a:scrgbClr r="0" g="0" b="0"/>
+            </a:fillRef>
+            <a:effectRef idx="0">
+              <a:schemeClr val="bg1">
+                <a:hueOff val="0"/>
+                <a:satOff val="0"/>
+                <a:lumOff val="0"/>
+                <a:alphaOff val="0"/>
+              </a:schemeClr>
+            </a:effectRef>
+            <a:fontRef idx="minor">
+              <a:schemeClr val="dk1">
+                <a:hueOff val="0"/>
+                <a:satOff val="0"/>
+                <a:lumOff val="0"/>
+                <a:alphaOff val="0"/>
+              </a:schemeClr>
+            </a:fontRef>
+          </p:style>
+          <p:txBody>
+            <a:bodyPr/>
+            <a:lstStyle/>
+            <a:p>
+              <a:endParaRPr lang="en-US"/>
+            </a:p>
+          </p:txBody>
+        </p:sp>
+        <p:sp>
+          <p:nvSpPr>
+            <p:cNvPr id="9" name="Oval 8">
+              <a:extLst>
+                <a:ext uri="{FF2B5EF4-FFF2-40B4-BE49-F238E27FC236}">
+                  <a16:creationId xmlns:a16="http://schemas.microsoft.com/office/drawing/2014/main" id="{87D61943-5A17-89E1-F3E8-C229D7DFE797}"/>
+                </a:ext>
+              </a:extLst>
+            </p:cNvPr>
+            <p:cNvSpPr/>
+            <p:nvPr/>
+          </p:nvSpPr>
+          <p:spPr>
+            <a:xfrm>
+              <a:off x="2467335" y="2784011"/>
+              <a:ext cx="867462" cy="867462"/>
+            </a:xfrm>
+            <a:prstGeom prst="ellipse">
+              <a:avLst/>
+            </a:prstGeom>
+          </p:spPr>
+          <p:style>
+            <a:lnRef idx="0">
+              <a:schemeClr val="lt1">
+                <a:alpha val="0"/>
+                <a:hueOff val="0"/>
+                <a:satOff val="0"/>
+                <a:lumOff val="0"/>
+                <a:alphaOff val="0"/>
+              </a:schemeClr>
+            </a:lnRef>
+            <a:fillRef idx="1">
+              <a:schemeClr val="accent3">
+                <a:hueOff val="0"/>
+                <a:satOff val="0"/>
+                <a:lumOff val="0"/>
+                <a:alphaOff val="0"/>
+              </a:schemeClr>
+            </a:fillRef>
+            <a:effectRef idx="0">
+              <a:schemeClr val="accent3">
+                <a:hueOff val="0"/>
+                <a:satOff val="0"/>
+                <a:lumOff val="0"/>
+                <a:alphaOff val="0"/>
+              </a:schemeClr>
+            </a:effectRef>
+            <a:fontRef idx="minor"/>
+          </p:style>
+          <p:txBody>
+            <a:bodyPr/>
+            <a:lstStyle/>
+            <a:p>
+              <a:endParaRPr lang="en-US" dirty="0"/>
+            </a:p>
+          </p:txBody>
+        </p:sp>
+        <p:sp>
+          <p:nvSpPr>
+            <p:cNvPr id="10" name="Rectangle 9" descr="Easel">
+              <a:extLst>
+                <a:ext uri="{FF2B5EF4-FFF2-40B4-BE49-F238E27FC236}">
+                  <a16:creationId xmlns:a16="http://schemas.microsoft.com/office/drawing/2014/main" id="{3816C0F1-A01B-B7C8-01A1-672CC7026E9F}"/>
+                </a:ext>
+              </a:extLst>
+            </p:cNvPr>
+            <p:cNvSpPr/>
+            <p:nvPr/>
+          </p:nvSpPr>
+          <p:spPr>
+            <a:xfrm>
+              <a:off x="2652205" y="2968880"/>
+              <a:ext cx="497724" cy="497724"/>
+            </a:xfrm>
+            <a:prstGeom prst="rect">
+              <a:avLst/>
+            </a:prstGeom>
+            <a:blipFill>
+              <a:blip r:embed="rId4">
+                <a:extLst>
+                  <a:ext uri="{28A0092B-C50C-407E-A947-70E740481C1C}">
+                    <a14:useLocalDpi xmlns:a14="http://schemas.microsoft.com/office/drawing/2010/main" val="0"/>
+                  </a:ext>
+                  <a:ext uri="{96DAC541-7B7A-43D3-8B79-37D633B846F1}">
+                    <asvg:svgBlip xmlns:asvg="http://schemas.microsoft.com/office/drawing/2016/SVG/main" r:embed="rId5"/>
+                  </a:ext>
+                </a:extLst>
+              </a:blip>
+              <a:stretch>
+                <a:fillRect/>
+              </a:stretch>
+            </a:blipFill>
+            <a:ln>
+              <a:noFill/>
+            </a:ln>
+          </p:spPr>
+          <p:style>
+            <a:lnRef idx="2">
+              <a:scrgbClr r="0" g="0" b="0"/>
+            </a:lnRef>
+            <a:fillRef idx="1">
+              <a:scrgbClr r="0" g="0" b="0"/>
+            </a:fillRef>
+            <a:effectRef idx="0">
+              <a:schemeClr val="bg1">
+                <a:hueOff val="0"/>
+                <a:satOff val="0"/>
+                <a:lumOff val="0"/>
+                <a:alphaOff val="0"/>
+              </a:schemeClr>
+            </a:effectRef>
+            <a:fontRef idx="minor">
+              <a:schemeClr val="dk1">
+                <a:hueOff val="0"/>
+                <a:satOff val="0"/>
+                <a:lumOff val="0"/>
+                <a:alphaOff val="0"/>
+              </a:schemeClr>
+            </a:fontRef>
+          </p:style>
+          <p:txBody>
+            <a:bodyPr/>
+            <a:lstStyle/>
+            <a:p>
+              <a:endParaRPr lang="en-US"/>
+            </a:p>
+          </p:txBody>
+        </p:sp>
+        <p:sp>
+          <p:nvSpPr>
+            <p:cNvPr id="11" name="Freeform: Shape 10">
+              <a:extLst>
+                <a:ext uri="{FF2B5EF4-FFF2-40B4-BE49-F238E27FC236}">
+                  <a16:creationId xmlns:a16="http://schemas.microsoft.com/office/drawing/2014/main" id="{95AE05D3-3643-5A8F-B060-9CE96498AFB1}"/>
+                </a:ext>
+              </a:extLst>
+            </p:cNvPr>
+            <p:cNvSpPr/>
+            <p:nvPr/>
+          </p:nvSpPr>
+          <p:spPr>
+            <a:xfrm>
+              <a:off x="2190032" y="3921667"/>
+              <a:ext cx="1422070" cy="1109420"/>
+            </a:xfrm>
+            <a:custGeom>
+              <a:avLst/>
+              <a:gdLst>
+                <a:gd name="connsiteX0" fmla="*/ 0 w 1422070"/>
+                <a:gd name="connsiteY0" fmla="*/ 0 h 568828"/>
+                <a:gd name="connsiteX1" fmla="*/ 1422070 w 1422070"/>
+                <a:gd name="connsiteY1" fmla="*/ 0 h 568828"/>
+                <a:gd name="connsiteX2" fmla="*/ 1422070 w 1422070"/>
+                <a:gd name="connsiteY2" fmla="*/ 568828 h 568828"/>
+                <a:gd name="connsiteX3" fmla="*/ 0 w 1422070"/>
+                <a:gd name="connsiteY3" fmla="*/ 568828 h 568828"/>
+                <a:gd name="connsiteX4" fmla="*/ 0 w 1422070"/>
+                <a:gd name="connsiteY4" fmla="*/ 0 h 568828"/>
+              </a:gdLst>
+              <a:ahLst/>
+              <a:cxnLst>
+                <a:cxn ang="0">
+                  <a:pos x="connsiteX0" y="connsiteY0"/>
+                </a:cxn>
+                <a:cxn ang="0">
+                  <a:pos x="connsiteX1" y="connsiteY1"/>
+                </a:cxn>
+                <a:cxn ang="0">
+                  <a:pos x="connsiteX2" y="connsiteY2"/>
+                </a:cxn>
+                <a:cxn ang="0">
+                  <a:pos x="connsiteX3" y="connsiteY3"/>
+                </a:cxn>
+                <a:cxn ang="0">
+                  <a:pos x="connsiteX4" y="connsiteY4"/>
+                </a:cxn>
+              </a:cxnLst>
+              <a:rect l="l" t="t" r="r" b="b"/>
+              <a:pathLst>
+                <a:path w="1422070" h="568828">
+                  <a:moveTo>
+                    <a:pt x="0" y="0"/>
+                  </a:moveTo>
+                  <a:lnTo>
+                    <a:pt x="1422070" y="0"/>
+                  </a:lnTo>
+                  <a:lnTo>
+                    <a:pt x="1422070" y="568828"/>
+                  </a:lnTo>
+                  <a:lnTo>
+                    <a:pt x="0" y="568828"/>
+                  </a:lnTo>
+                  <a:lnTo>
+                    <a:pt x="0" y="0"/>
+                  </a:lnTo>
+                  <a:close/>
+                </a:path>
+              </a:pathLst>
+            </a:custGeom>
+          </p:spPr>
+          <p:style>
+            <a:lnRef idx="0">
+              <a:schemeClr val="dk1">
+                <a:alpha val="0"/>
+                <a:hueOff val="0"/>
+                <a:satOff val="0"/>
+                <a:lumOff val="0"/>
+                <a:alphaOff val="0"/>
+              </a:schemeClr>
+            </a:lnRef>
+            <a:fillRef idx="0">
+              <a:schemeClr val="lt1">
+                <a:alpha val="0"/>
+                <a:hueOff val="0"/>
+                <a:satOff val="0"/>
+                <a:lumOff val="0"/>
+                <a:alphaOff val="0"/>
+              </a:schemeClr>
+            </a:fillRef>
+            <a:effectRef idx="0">
+              <a:schemeClr val="lt1">
+                <a:alpha val="0"/>
+                <a:hueOff val="0"/>
+                <a:satOff val="0"/>
+                <a:lumOff val="0"/>
+                <a:alphaOff val="0"/>
+              </a:schemeClr>
+            </a:effectRef>
+            <a:fontRef idx="minor">
+              <a:schemeClr val="tx1">
+                <a:hueOff val="0"/>
+                <a:satOff val="0"/>
+                <a:lumOff val="0"/>
+                <a:alphaOff val="0"/>
+              </a:schemeClr>
+            </a:fontRef>
+          </p:style>
+          <p:txBody>
+            <a:bodyPr spcFirstLastPara="0" vert="horz" wrap="square" lIns="0" tIns="0" rIns="0" bIns="0" numCol="1" spcCol="1270" anchor="t" anchorCtr="0">
+              <a:noAutofit/>
+            </a:bodyPr>
+            <a:lstStyle/>
+            <a:p>
+              <a:pPr marL="0" lvl="0" indent="0" algn="ctr" defTabSz="488950">
+                <a:lnSpc>
+                  <a:spcPct val="90000"/>
+                </a:lnSpc>
+                <a:spcBef>
+                  <a:spcPct val="0"/>
+                </a:spcBef>
+                <a:spcAft>
+                  <a:spcPct val="35000"/>
+                </a:spcAft>
+                <a:buNone/>
+                <a:defRPr cap="all"/>
+              </a:pPr>
+              <a:r>
+                <a:rPr lang="en-US" sz="1600" b="1" kern="1200" dirty="0"/>
+                <a:t>Power Apps (Canvas App): Customer-facing order system</a:t>
+              </a:r>
+            </a:p>
+          </p:txBody>
+        </p:sp>
+        <p:sp>
+          <p:nvSpPr>
+            <p:cNvPr id="12" name="Oval 11">
+              <a:extLst>
+                <a:ext uri="{FF2B5EF4-FFF2-40B4-BE49-F238E27FC236}">
+                  <a16:creationId xmlns:a16="http://schemas.microsoft.com/office/drawing/2014/main" id="{4E5524BD-EE5E-34F7-1A31-7F56AACF63F4}"/>
+                </a:ext>
+              </a:extLst>
+            </p:cNvPr>
+            <p:cNvSpPr/>
+            <p:nvPr/>
+          </p:nvSpPr>
+          <p:spPr>
+            <a:xfrm>
+              <a:off x="4138268" y="2784011"/>
+              <a:ext cx="867462" cy="867462"/>
+            </a:xfrm>
+            <a:prstGeom prst="ellipse">
+              <a:avLst/>
+            </a:prstGeom>
+          </p:spPr>
+          <p:style>
+            <a:lnRef idx="0">
+              <a:schemeClr val="lt1">
+                <a:alpha val="0"/>
+                <a:hueOff val="0"/>
+                <a:satOff val="0"/>
+                <a:lumOff val="0"/>
+                <a:alphaOff val="0"/>
+              </a:schemeClr>
+            </a:lnRef>
+            <a:fillRef idx="1">
+              <a:schemeClr val="accent4">
+                <a:hueOff val="0"/>
+                <a:satOff val="0"/>
+                <a:lumOff val="0"/>
+                <a:alphaOff val="0"/>
+              </a:schemeClr>
+            </a:fillRef>
+            <a:effectRef idx="0">
+              <a:schemeClr val="accent4">
+                <a:hueOff val="0"/>
+                <a:satOff val="0"/>
+                <a:lumOff val="0"/>
+                <a:alphaOff val="0"/>
+              </a:schemeClr>
+            </a:effectRef>
+            <a:fontRef idx="minor"/>
+          </p:style>
+          <p:txBody>
+            <a:bodyPr/>
+            <a:lstStyle/>
+            <a:p>
+              <a:endParaRPr lang="en-US"/>
+            </a:p>
+          </p:txBody>
+        </p:sp>
+        <p:sp>
+          <p:nvSpPr>
+            <p:cNvPr id="13" name="Rectangle 12" descr="Robot">
+              <a:extLst>
+                <a:ext uri="{FF2B5EF4-FFF2-40B4-BE49-F238E27FC236}">
+                  <a16:creationId xmlns:a16="http://schemas.microsoft.com/office/drawing/2014/main" id="{0DE21868-5CBC-D8A3-7979-4B68639F2AE9}"/>
+                </a:ext>
+              </a:extLst>
+            </p:cNvPr>
+            <p:cNvSpPr/>
+            <p:nvPr/>
+          </p:nvSpPr>
+          <p:spPr>
+            <a:xfrm>
+              <a:off x="4323137" y="2968880"/>
+              <a:ext cx="497724" cy="497724"/>
+            </a:xfrm>
+            <a:prstGeom prst="rect">
+              <a:avLst/>
+            </a:prstGeom>
+            <a:blipFill>
+              <a:blip r:embed="rId6">
+                <a:extLst>
+                  <a:ext uri="{28A0092B-C50C-407E-A947-70E740481C1C}">
+                    <a14:useLocalDpi xmlns:a14="http://schemas.microsoft.com/office/drawing/2010/main" val="0"/>
+                  </a:ext>
+                  <a:ext uri="{96DAC541-7B7A-43D3-8B79-37D633B846F1}">
+                    <asvg:svgBlip xmlns:asvg="http://schemas.microsoft.com/office/drawing/2016/SVG/main" r:embed="rId7"/>
+                  </a:ext>
+                </a:extLst>
+              </a:blip>
+              <a:stretch>
+                <a:fillRect/>
+              </a:stretch>
+            </a:blipFill>
+            <a:ln>
+              <a:noFill/>
+            </a:ln>
+          </p:spPr>
+          <p:style>
+            <a:lnRef idx="2">
+              <a:scrgbClr r="0" g="0" b="0"/>
+            </a:lnRef>
+            <a:fillRef idx="1">
+              <a:scrgbClr r="0" g="0" b="0"/>
+            </a:fillRef>
+            <a:effectRef idx="0">
+              <a:schemeClr val="bg1">
+                <a:hueOff val="0"/>
+                <a:satOff val="0"/>
+                <a:lumOff val="0"/>
+                <a:alphaOff val="0"/>
+              </a:schemeClr>
+            </a:effectRef>
+            <a:fontRef idx="minor">
+              <a:schemeClr val="dk1">
+                <a:hueOff val="0"/>
+                <a:satOff val="0"/>
+                <a:lumOff val="0"/>
+                <a:alphaOff val="0"/>
+              </a:schemeClr>
+            </a:fontRef>
+          </p:style>
+          <p:txBody>
+            <a:bodyPr/>
+            <a:lstStyle/>
+            <a:p>
+              <a:endParaRPr lang="en-US"/>
+            </a:p>
+          </p:txBody>
+        </p:sp>
+        <p:sp>
+          <p:nvSpPr>
+            <p:cNvPr id="14" name="Freeform: Shape 13">
+              <a:extLst>
+                <a:ext uri="{FF2B5EF4-FFF2-40B4-BE49-F238E27FC236}">
+                  <a16:creationId xmlns:a16="http://schemas.microsoft.com/office/drawing/2014/main" id="{AA86B0E0-EC0D-C1A8-1F26-D943050E26B8}"/>
+                </a:ext>
+              </a:extLst>
+            </p:cNvPr>
+            <p:cNvSpPr/>
+            <p:nvPr/>
+          </p:nvSpPr>
+          <p:spPr>
+            <a:xfrm>
+              <a:off x="3860964" y="3921667"/>
+              <a:ext cx="1422070" cy="1109420"/>
+            </a:xfrm>
+            <a:custGeom>
+              <a:avLst/>
+              <a:gdLst>
+                <a:gd name="connsiteX0" fmla="*/ 0 w 1422070"/>
+                <a:gd name="connsiteY0" fmla="*/ 0 h 568828"/>
+                <a:gd name="connsiteX1" fmla="*/ 1422070 w 1422070"/>
+                <a:gd name="connsiteY1" fmla="*/ 0 h 568828"/>
+                <a:gd name="connsiteX2" fmla="*/ 1422070 w 1422070"/>
+                <a:gd name="connsiteY2" fmla="*/ 568828 h 568828"/>
+                <a:gd name="connsiteX3" fmla="*/ 0 w 1422070"/>
+                <a:gd name="connsiteY3" fmla="*/ 568828 h 568828"/>
+                <a:gd name="connsiteX4" fmla="*/ 0 w 1422070"/>
+                <a:gd name="connsiteY4" fmla="*/ 0 h 568828"/>
+              </a:gdLst>
+              <a:ahLst/>
+              <a:cxnLst>
+                <a:cxn ang="0">
+                  <a:pos x="connsiteX0" y="connsiteY0"/>
+                </a:cxn>
+                <a:cxn ang="0">
+                  <a:pos x="connsiteX1" y="connsiteY1"/>
+                </a:cxn>
+                <a:cxn ang="0">
+                  <a:pos x="connsiteX2" y="connsiteY2"/>
+                </a:cxn>
+                <a:cxn ang="0">
+                  <a:pos x="connsiteX3" y="connsiteY3"/>
+                </a:cxn>
+                <a:cxn ang="0">
+                  <a:pos x="connsiteX4" y="connsiteY4"/>
+                </a:cxn>
+              </a:cxnLst>
+              <a:rect l="l" t="t" r="r" b="b"/>
+              <a:pathLst>
+                <a:path w="1422070" h="568828">
+                  <a:moveTo>
+                    <a:pt x="0" y="0"/>
+                  </a:moveTo>
+                  <a:lnTo>
+                    <a:pt x="1422070" y="0"/>
+                  </a:lnTo>
+                  <a:lnTo>
+                    <a:pt x="1422070" y="568828"/>
+                  </a:lnTo>
+                  <a:lnTo>
+                    <a:pt x="0" y="568828"/>
+                  </a:lnTo>
+                  <a:lnTo>
+                    <a:pt x="0" y="0"/>
+                  </a:lnTo>
+                  <a:close/>
+                </a:path>
+              </a:pathLst>
+            </a:custGeom>
+          </p:spPr>
+          <p:style>
+            <a:lnRef idx="0">
+              <a:schemeClr val="dk1">
+                <a:alpha val="0"/>
+                <a:hueOff val="0"/>
+                <a:satOff val="0"/>
+                <a:lumOff val="0"/>
+                <a:alphaOff val="0"/>
+              </a:schemeClr>
+            </a:lnRef>
+            <a:fillRef idx="0">
+              <a:schemeClr val="lt1">
+                <a:alpha val="0"/>
+                <a:hueOff val="0"/>
+                <a:satOff val="0"/>
+                <a:lumOff val="0"/>
+                <a:alphaOff val="0"/>
+              </a:schemeClr>
+            </a:fillRef>
+            <a:effectRef idx="0">
+              <a:schemeClr val="lt1">
+                <a:alpha val="0"/>
+                <a:hueOff val="0"/>
+                <a:satOff val="0"/>
+                <a:lumOff val="0"/>
+                <a:alphaOff val="0"/>
+              </a:schemeClr>
+            </a:effectRef>
+            <a:fontRef idx="minor">
+              <a:schemeClr val="tx1">
+                <a:hueOff val="0"/>
+                <a:satOff val="0"/>
+                <a:lumOff val="0"/>
+                <a:alphaOff val="0"/>
+              </a:schemeClr>
+            </a:fontRef>
+          </p:style>
+          <p:txBody>
+            <a:bodyPr spcFirstLastPara="0" vert="horz" wrap="square" lIns="0" tIns="0" rIns="0" bIns="0" numCol="1" spcCol="1270" anchor="t" anchorCtr="0">
+              <a:noAutofit/>
+            </a:bodyPr>
+            <a:lstStyle/>
+            <a:p>
+              <a:pPr marL="0" lvl="0" indent="0" algn="ctr" defTabSz="488950">
+                <a:lnSpc>
+                  <a:spcPct val="90000"/>
+                </a:lnSpc>
+                <a:spcBef>
+                  <a:spcPct val="0"/>
+                </a:spcBef>
+                <a:spcAft>
+                  <a:spcPct val="35000"/>
+                </a:spcAft>
+                <a:buNone/>
+                <a:defRPr cap="all"/>
+              </a:pPr>
+              <a:r>
+                <a:rPr lang="en-US" sz="1600" b="1" kern="1200" dirty="0"/>
+                <a:t>Power Automate: Automating approvals &amp; data syncing</a:t>
+              </a:r>
+            </a:p>
+          </p:txBody>
+        </p:sp>
+        <p:sp>
+          <p:nvSpPr>
+            <p:cNvPr id="15" name="Oval 14">
+              <a:extLst>
+                <a:ext uri="{FF2B5EF4-FFF2-40B4-BE49-F238E27FC236}">
+                  <a16:creationId xmlns:a16="http://schemas.microsoft.com/office/drawing/2014/main" id="{E167F796-C9CB-E74C-9187-C029769401AE}"/>
+                </a:ext>
+              </a:extLst>
+            </p:cNvPr>
+            <p:cNvSpPr/>
+            <p:nvPr/>
+          </p:nvSpPr>
+          <p:spPr>
+            <a:xfrm>
+              <a:off x="5809201" y="2784011"/>
+              <a:ext cx="867462" cy="867462"/>
+            </a:xfrm>
+            <a:prstGeom prst="ellipse">
+              <a:avLst/>
+            </a:prstGeom>
+          </p:spPr>
+          <p:style>
+            <a:lnRef idx="0">
+              <a:schemeClr val="lt1">
+                <a:alpha val="0"/>
+                <a:hueOff val="0"/>
+                <a:satOff val="0"/>
+                <a:lumOff val="0"/>
+                <a:alphaOff val="0"/>
+              </a:schemeClr>
+            </a:lnRef>
+            <a:fillRef idx="1">
+              <a:schemeClr val="accent5">
+                <a:hueOff val="0"/>
+                <a:satOff val="0"/>
+                <a:lumOff val="0"/>
+                <a:alphaOff val="0"/>
+              </a:schemeClr>
+            </a:fillRef>
+            <a:effectRef idx="0">
+              <a:schemeClr val="accent5">
+                <a:hueOff val="0"/>
+                <a:satOff val="0"/>
+                <a:lumOff val="0"/>
+                <a:alphaOff val="0"/>
+              </a:schemeClr>
+            </a:effectRef>
+            <a:fontRef idx="minor"/>
+          </p:style>
+          <p:txBody>
+            <a:bodyPr/>
+            <a:lstStyle/>
+            <a:p>
+              <a:endParaRPr lang="en-US" dirty="0"/>
+            </a:p>
+          </p:txBody>
+        </p:sp>
+        <p:sp>
+          <p:nvSpPr>
+            <p:cNvPr id="16" name="Rectangle 15" descr="Statistics">
+              <a:extLst>
+                <a:ext uri="{FF2B5EF4-FFF2-40B4-BE49-F238E27FC236}">
+                  <a16:creationId xmlns:a16="http://schemas.microsoft.com/office/drawing/2014/main" id="{77B8B8A9-75C1-7471-5DDF-46F0C29B3D4E}"/>
+                </a:ext>
+              </a:extLst>
+            </p:cNvPr>
+            <p:cNvSpPr/>
+            <p:nvPr/>
+          </p:nvSpPr>
+          <p:spPr>
+            <a:xfrm>
+              <a:off x="5994070" y="2968880"/>
+              <a:ext cx="497724" cy="497724"/>
+            </a:xfrm>
+            <a:prstGeom prst="rect">
+              <a:avLst/>
+            </a:prstGeom>
+            <a:blipFill>
+              <a:blip r:embed="rId8">
+                <a:extLst>
+                  <a:ext uri="{28A0092B-C50C-407E-A947-70E740481C1C}">
+                    <a14:useLocalDpi xmlns:a14="http://schemas.microsoft.com/office/drawing/2010/main" val="0"/>
+                  </a:ext>
+                  <a:ext uri="{96DAC541-7B7A-43D3-8B79-37D633B846F1}">
+                    <asvg:svgBlip xmlns:asvg="http://schemas.microsoft.com/office/drawing/2016/SVG/main" r:embed="rId9"/>
+                  </a:ext>
+                </a:extLst>
+              </a:blip>
+              <a:stretch>
+                <a:fillRect/>
+              </a:stretch>
+            </a:blipFill>
+            <a:ln>
+              <a:noFill/>
+            </a:ln>
+          </p:spPr>
+          <p:style>
+            <a:lnRef idx="2">
+              <a:scrgbClr r="0" g="0" b="0"/>
+            </a:lnRef>
+            <a:fillRef idx="1">
+              <a:scrgbClr r="0" g="0" b="0"/>
+            </a:fillRef>
+            <a:effectRef idx="0">
+              <a:schemeClr val="bg1">
+                <a:hueOff val="0"/>
+                <a:satOff val="0"/>
+                <a:lumOff val="0"/>
+                <a:alphaOff val="0"/>
+              </a:schemeClr>
+            </a:effectRef>
+            <a:fontRef idx="minor">
+              <a:schemeClr val="dk1">
+                <a:hueOff val="0"/>
+                <a:satOff val="0"/>
+                <a:lumOff val="0"/>
+                <a:alphaOff val="0"/>
+              </a:schemeClr>
+            </a:fontRef>
+          </p:style>
+          <p:txBody>
+            <a:bodyPr/>
+            <a:lstStyle/>
+            <a:p>
+              <a:endParaRPr lang="en-US"/>
+            </a:p>
+          </p:txBody>
+        </p:sp>
+        <p:sp>
+          <p:nvSpPr>
+            <p:cNvPr id="17" name="Freeform: Shape 16">
+              <a:extLst>
+                <a:ext uri="{FF2B5EF4-FFF2-40B4-BE49-F238E27FC236}">
+                  <a16:creationId xmlns:a16="http://schemas.microsoft.com/office/drawing/2014/main" id="{C09ABD30-C0B5-1C4B-F57C-FB948F053261}"/>
+                </a:ext>
+              </a:extLst>
+            </p:cNvPr>
+            <p:cNvSpPr/>
+            <p:nvPr/>
+          </p:nvSpPr>
+          <p:spPr>
+            <a:xfrm>
+              <a:off x="5531897" y="3921667"/>
+              <a:ext cx="1422070" cy="1109420"/>
+            </a:xfrm>
+            <a:custGeom>
+              <a:avLst/>
+              <a:gdLst>
+                <a:gd name="connsiteX0" fmla="*/ 0 w 1422070"/>
+                <a:gd name="connsiteY0" fmla="*/ 0 h 568828"/>
+                <a:gd name="connsiteX1" fmla="*/ 1422070 w 1422070"/>
+                <a:gd name="connsiteY1" fmla="*/ 0 h 568828"/>
+                <a:gd name="connsiteX2" fmla="*/ 1422070 w 1422070"/>
+                <a:gd name="connsiteY2" fmla="*/ 568828 h 568828"/>
+                <a:gd name="connsiteX3" fmla="*/ 0 w 1422070"/>
+                <a:gd name="connsiteY3" fmla="*/ 568828 h 568828"/>
+                <a:gd name="connsiteX4" fmla="*/ 0 w 1422070"/>
+                <a:gd name="connsiteY4" fmla="*/ 0 h 568828"/>
+              </a:gdLst>
+              <a:ahLst/>
+              <a:cxnLst>
+                <a:cxn ang="0">
+                  <a:pos x="connsiteX0" y="connsiteY0"/>
+                </a:cxn>
+                <a:cxn ang="0">
+                  <a:pos x="connsiteX1" y="connsiteY1"/>
+                </a:cxn>
+                <a:cxn ang="0">
+                  <a:pos x="connsiteX2" y="connsiteY2"/>
+                </a:cxn>
+                <a:cxn ang="0">
+                  <a:pos x="connsiteX3" y="connsiteY3"/>
+                </a:cxn>
+                <a:cxn ang="0">
+                  <a:pos x="connsiteX4" y="connsiteY4"/>
+                </a:cxn>
+              </a:cxnLst>
+              <a:rect l="l" t="t" r="r" b="b"/>
+              <a:pathLst>
+                <a:path w="1422070" h="568828">
+                  <a:moveTo>
+                    <a:pt x="0" y="0"/>
+                  </a:moveTo>
+                  <a:lnTo>
+                    <a:pt x="1422070" y="0"/>
+                  </a:lnTo>
+                  <a:lnTo>
+                    <a:pt x="1422070" y="568828"/>
+                  </a:lnTo>
+                  <a:lnTo>
+                    <a:pt x="0" y="568828"/>
+                  </a:lnTo>
+                  <a:lnTo>
+                    <a:pt x="0" y="0"/>
+                  </a:lnTo>
+                  <a:close/>
+                </a:path>
+              </a:pathLst>
+            </a:custGeom>
+          </p:spPr>
+          <p:style>
+            <a:lnRef idx="0">
+              <a:schemeClr val="dk1">
+                <a:alpha val="0"/>
+                <a:hueOff val="0"/>
+                <a:satOff val="0"/>
+                <a:lumOff val="0"/>
+                <a:alphaOff val="0"/>
+              </a:schemeClr>
+            </a:lnRef>
+            <a:fillRef idx="0">
+              <a:schemeClr val="lt1">
+                <a:alpha val="0"/>
+                <a:hueOff val="0"/>
+                <a:satOff val="0"/>
+                <a:lumOff val="0"/>
+                <a:alphaOff val="0"/>
+              </a:schemeClr>
+            </a:fillRef>
+            <a:effectRef idx="0">
+              <a:schemeClr val="lt1">
+                <a:alpha val="0"/>
+                <a:hueOff val="0"/>
+                <a:satOff val="0"/>
+                <a:lumOff val="0"/>
+                <a:alphaOff val="0"/>
+              </a:schemeClr>
+            </a:effectRef>
+            <a:fontRef idx="minor">
+              <a:schemeClr val="tx1">
+                <a:hueOff val="0"/>
+                <a:satOff val="0"/>
+                <a:lumOff val="0"/>
+                <a:alphaOff val="0"/>
+              </a:schemeClr>
+            </a:fontRef>
+          </p:style>
+          <p:txBody>
+            <a:bodyPr spcFirstLastPara="0" vert="horz" wrap="square" lIns="0" tIns="0" rIns="0" bIns="0" numCol="1" spcCol="1270" anchor="t" anchorCtr="0">
+              <a:noAutofit/>
+            </a:bodyPr>
+            <a:lstStyle/>
+            <a:p>
+              <a:pPr marL="0" lvl="0" indent="0" algn="ctr" defTabSz="488950">
+                <a:lnSpc>
+                  <a:spcPct val="90000"/>
+                </a:lnSpc>
+                <a:spcBef>
+                  <a:spcPct val="0"/>
+                </a:spcBef>
+                <a:spcAft>
+                  <a:spcPct val="35000"/>
+                </a:spcAft>
+                <a:buNone/>
+                <a:defRPr cap="all"/>
+              </a:pPr>
+              <a:r>
+                <a:rPr lang="en-US" sz="1600" b="1" kern="1200" dirty="0"/>
+                <a:t>Power BI: Real-time reports &amp; analytics</a:t>
+              </a:r>
+            </a:p>
+          </p:txBody>
+        </p:sp>
+        <p:sp>
+          <p:nvSpPr>
+            <p:cNvPr id="18" name="Oval 17">
+              <a:extLst>
+                <a:ext uri="{FF2B5EF4-FFF2-40B4-BE49-F238E27FC236}">
+                  <a16:creationId xmlns:a16="http://schemas.microsoft.com/office/drawing/2014/main" id="{3065DCFB-EA2A-F193-547D-52BC6C748488}"/>
+                </a:ext>
+              </a:extLst>
+            </p:cNvPr>
+            <p:cNvSpPr/>
+            <p:nvPr/>
+          </p:nvSpPr>
+          <p:spPr>
+            <a:xfrm>
+              <a:off x="7480133" y="2784011"/>
+              <a:ext cx="867462" cy="867462"/>
+            </a:xfrm>
+            <a:prstGeom prst="ellipse">
+              <a:avLst/>
+            </a:prstGeom>
+          </p:spPr>
+          <p:style>
+            <a:lnRef idx="0">
+              <a:schemeClr val="lt1">
+                <a:alpha val="0"/>
+                <a:hueOff val="0"/>
+                <a:satOff val="0"/>
+                <a:lumOff val="0"/>
+                <a:alphaOff val="0"/>
+              </a:schemeClr>
+            </a:lnRef>
+            <a:fillRef idx="1">
+              <a:schemeClr val="accent6">
+                <a:hueOff val="0"/>
+                <a:satOff val="0"/>
+                <a:lumOff val="0"/>
+                <a:alphaOff val="0"/>
+              </a:schemeClr>
+            </a:fillRef>
+            <a:effectRef idx="0">
+              <a:schemeClr val="accent6">
+                <a:hueOff val="0"/>
+                <a:satOff val="0"/>
+                <a:lumOff val="0"/>
+                <a:alphaOff val="0"/>
+              </a:schemeClr>
+            </a:effectRef>
+            <a:fontRef idx="minor"/>
+          </p:style>
+          <p:txBody>
+            <a:bodyPr/>
+            <a:lstStyle/>
+            <a:p>
+              <a:endParaRPr lang="en-US"/>
+            </a:p>
+          </p:txBody>
+        </p:sp>
+        <p:sp>
+          <p:nvSpPr>
+            <p:cNvPr id="19" name="Rectangle 18" descr="Lock">
+              <a:extLst>
+                <a:ext uri="{FF2B5EF4-FFF2-40B4-BE49-F238E27FC236}">
+                  <a16:creationId xmlns:a16="http://schemas.microsoft.com/office/drawing/2014/main" id="{BEEDF20D-980F-D622-CD84-BBE12E014C34}"/>
+                </a:ext>
+              </a:extLst>
+            </p:cNvPr>
+            <p:cNvSpPr/>
+            <p:nvPr/>
+          </p:nvSpPr>
+          <p:spPr>
+            <a:xfrm>
+              <a:off x="7665002" y="2968880"/>
+              <a:ext cx="497724" cy="497724"/>
+            </a:xfrm>
+            <a:prstGeom prst="rect">
+              <a:avLst/>
+            </a:prstGeom>
+            <a:blipFill>
+              <a:blip r:embed="rId10">
+                <a:extLst>
+                  <a:ext uri="{28A0092B-C50C-407E-A947-70E740481C1C}">
+                    <a14:useLocalDpi xmlns:a14="http://schemas.microsoft.com/office/drawing/2010/main" val="0"/>
+                  </a:ext>
+                  <a:ext uri="{96DAC541-7B7A-43D3-8B79-37D633B846F1}">
+                    <asvg:svgBlip xmlns:asvg="http://schemas.microsoft.com/office/drawing/2016/SVG/main" r:embed="rId11"/>
+                  </a:ext>
+                </a:extLst>
+              </a:blip>
+              <a:stretch>
+                <a:fillRect/>
+              </a:stretch>
+            </a:blipFill>
+            <a:ln>
+              <a:noFill/>
+            </a:ln>
+          </p:spPr>
+          <p:style>
+            <a:lnRef idx="2">
+              <a:scrgbClr r="0" g="0" b="0"/>
+            </a:lnRef>
+            <a:fillRef idx="1">
+              <a:scrgbClr r="0" g="0" b="0"/>
+            </a:fillRef>
+            <a:effectRef idx="0">
+              <a:schemeClr val="bg1">
+                <a:hueOff val="0"/>
+                <a:satOff val="0"/>
+                <a:lumOff val="0"/>
+                <a:alphaOff val="0"/>
+              </a:schemeClr>
+            </a:effectRef>
+            <a:fontRef idx="minor">
+              <a:schemeClr val="dk1">
+                <a:hueOff val="0"/>
+                <a:satOff val="0"/>
+                <a:lumOff val="0"/>
+                <a:alphaOff val="0"/>
+              </a:schemeClr>
+            </a:fontRef>
+          </p:style>
+          <p:txBody>
+            <a:bodyPr/>
+            <a:lstStyle/>
+            <a:p>
+              <a:endParaRPr lang="en-US"/>
+            </a:p>
+          </p:txBody>
+        </p:sp>
+        <p:sp>
+          <p:nvSpPr>
+            <p:cNvPr id="20" name="Freeform: Shape 19">
+              <a:extLst>
+                <a:ext uri="{FF2B5EF4-FFF2-40B4-BE49-F238E27FC236}">
+                  <a16:creationId xmlns:a16="http://schemas.microsoft.com/office/drawing/2014/main" id="{8CAD690A-C1DD-2817-174B-C818B63861EC}"/>
+                </a:ext>
+              </a:extLst>
+            </p:cNvPr>
+            <p:cNvSpPr/>
+            <p:nvPr/>
+          </p:nvSpPr>
+          <p:spPr>
+            <a:xfrm>
+              <a:off x="7202830" y="3921667"/>
+              <a:ext cx="1422070" cy="1109420"/>
+            </a:xfrm>
+            <a:custGeom>
+              <a:avLst/>
+              <a:gdLst>
+                <a:gd name="connsiteX0" fmla="*/ 0 w 1422070"/>
+                <a:gd name="connsiteY0" fmla="*/ 0 h 568828"/>
+                <a:gd name="connsiteX1" fmla="*/ 1422070 w 1422070"/>
+                <a:gd name="connsiteY1" fmla="*/ 0 h 568828"/>
+                <a:gd name="connsiteX2" fmla="*/ 1422070 w 1422070"/>
+                <a:gd name="connsiteY2" fmla="*/ 568828 h 568828"/>
+                <a:gd name="connsiteX3" fmla="*/ 0 w 1422070"/>
+                <a:gd name="connsiteY3" fmla="*/ 568828 h 568828"/>
+                <a:gd name="connsiteX4" fmla="*/ 0 w 1422070"/>
+                <a:gd name="connsiteY4" fmla="*/ 0 h 568828"/>
+              </a:gdLst>
+              <a:ahLst/>
+              <a:cxnLst>
+                <a:cxn ang="0">
+                  <a:pos x="connsiteX0" y="connsiteY0"/>
+                </a:cxn>
+                <a:cxn ang="0">
+                  <a:pos x="connsiteX1" y="connsiteY1"/>
+                </a:cxn>
+                <a:cxn ang="0">
+                  <a:pos x="connsiteX2" y="connsiteY2"/>
+                </a:cxn>
+                <a:cxn ang="0">
+                  <a:pos x="connsiteX3" y="connsiteY3"/>
+                </a:cxn>
+                <a:cxn ang="0">
+                  <a:pos x="connsiteX4" y="connsiteY4"/>
+                </a:cxn>
+              </a:cxnLst>
+              <a:rect l="l" t="t" r="r" b="b"/>
+              <a:pathLst>
+                <a:path w="1422070" h="568828">
+                  <a:moveTo>
+                    <a:pt x="0" y="0"/>
+                  </a:moveTo>
+                  <a:lnTo>
+                    <a:pt x="1422070" y="0"/>
+                  </a:lnTo>
+                  <a:lnTo>
+                    <a:pt x="1422070" y="568828"/>
+                  </a:lnTo>
+                  <a:lnTo>
+                    <a:pt x="0" y="568828"/>
+                  </a:lnTo>
+                  <a:lnTo>
+                    <a:pt x="0" y="0"/>
+                  </a:lnTo>
+                  <a:close/>
+                </a:path>
+              </a:pathLst>
+            </a:custGeom>
+          </p:spPr>
+          <p:style>
+            <a:lnRef idx="0">
+              <a:schemeClr val="dk1">
+                <a:alpha val="0"/>
+                <a:hueOff val="0"/>
+                <a:satOff val="0"/>
+                <a:lumOff val="0"/>
+                <a:alphaOff val="0"/>
+              </a:schemeClr>
+            </a:lnRef>
+            <a:fillRef idx="0">
+              <a:schemeClr val="lt1">
+                <a:alpha val="0"/>
+                <a:hueOff val="0"/>
+                <a:satOff val="0"/>
+                <a:lumOff val="0"/>
+                <a:alphaOff val="0"/>
+              </a:schemeClr>
+            </a:fillRef>
+            <a:effectRef idx="0">
+              <a:schemeClr val="lt1">
+                <a:alpha val="0"/>
+                <a:hueOff val="0"/>
+                <a:satOff val="0"/>
+                <a:lumOff val="0"/>
+                <a:alphaOff val="0"/>
+              </a:schemeClr>
+            </a:effectRef>
+            <a:fontRef idx="minor">
+              <a:schemeClr val="tx1">
+                <a:hueOff val="0"/>
+                <a:satOff val="0"/>
+                <a:lumOff val="0"/>
+                <a:alphaOff val="0"/>
+              </a:schemeClr>
+            </a:fontRef>
+          </p:style>
+          <p:txBody>
+            <a:bodyPr spcFirstLastPara="0" vert="horz" wrap="square" lIns="0" tIns="0" rIns="0" bIns="0" numCol="1" spcCol="1270" anchor="t" anchorCtr="0">
+              <a:noAutofit/>
+            </a:bodyPr>
+            <a:lstStyle/>
+            <a:p>
+              <a:pPr marL="0" lvl="0" indent="0" algn="ctr" defTabSz="488950">
+                <a:lnSpc>
+                  <a:spcPct val="90000"/>
+                </a:lnSpc>
+                <a:spcBef>
+                  <a:spcPct val="0"/>
+                </a:spcBef>
+                <a:spcAft>
+                  <a:spcPct val="35000"/>
+                </a:spcAft>
+                <a:buNone/>
+                <a:defRPr cap="all"/>
+              </a:pPr>
+              <a:r>
+                <a:rPr lang="en-US" sz="1600" b="1" kern="1200" dirty="0"/>
+                <a:t>Dataverse: Secure data storage</a:t>
+              </a:r>
+            </a:p>
+          </p:txBody>
+        </p:sp>
+      </p:grpSp>
+    </p:spTree>
+  </p:cSld>
+  <p:clrMapOvr>
+    <a:masterClrMapping/>
+  </p:clrMapOvr>
+</p:sld>
+</file>
+
+<file path=ppt/slides/slide7.xml><?xml version="1.0" encoding="utf-8"?>
+<p:sld xmlns:a="http://schemas.openxmlformats.org/drawingml/2006/main" xmlns:r="http://schemas.openxmlformats.org/officeDocument/2006/relationships" xmlns:p="http://schemas.openxmlformats.org/presentationml/2006/main">
+  <p:cSld>
+    <p:spTree>
+      <p:nvGrpSpPr>
+        <p:cNvPr id="1" name="">
+          <a:extLst>
+            <a:ext uri="{FF2B5EF4-FFF2-40B4-BE49-F238E27FC236}">
+              <a16:creationId xmlns:a16="http://schemas.microsoft.com/office/drawing/2014/main" id="{09318EC6-BE66-3713-95BB-57E24DA3E325}"/>
+            </a:ext>
+          </a:extLst>
+        </p:cNvPr>
+        <p:cNvGrpSpPr/>
+        <p:nvPr/>
+      </p:nvGrpSpPr>
+      <p:grpSpPr>
+        <a:xfrm>
+          <a:off x="0" y="0"/>
+          <a:ext cx="0" cy="0"/>
+          <a:chOff x="0" y="0"/>
+          <a:chExt cx="0" cy="0"/>
+        </a:xfrm>
+      </p:grpSpPr>
+      <p:sp useBgFill="1">
+        <p:nvSpPr>
+          <p:cNvPr id="20" name="Rounded Rectangle 14">
+            <a:extLst>
+              <a:ext uri="{FF2B5EF4-FFF2-40B4-BE49-F238E27FC236}">
+                <a16:creationId xmlns:a16="http://schemas.microsoft.com/office/drawing/2014/main" id="{12CC1C37-8BC7-4374-8300-E73C369150D7}"/>
+              </a:ext>
+              <a:ext uri="{C183D7F6-B498-43B3-948B-1728B52AA6E4}">
+                <adec:decorative xmlns:adec="http://schemas.microsoft.com/office/drawing/2017/decorative" val="1"/>
+              </a:ext>
+            </a:extLst>
+          </p:cNvPr>
+          <p:cNvSpPr>
+            <a:spLocks noGrp="1" noRot="1" noChangeAspect="1" noMove="1" noResize="1" noEditPoints="1" noAdjustHandles="1" noChangeArrowheads="1" noChangeShapeType="1" noTextEdit="1"/>
+          </p:cNvSpPr>
+          <p:nvPr>
+            <p:extLst>
+              <p:ext uri="{386F3935-93C4-4BCD-93E2-E3B085C9AB24}">
+                <p16:designElem xmlns:p16="http://schemas.microsoft.com/office/powerpoint/2015/main" val="1"/>
+              </p:ext>
+            </p:extLst>
+          </p:nvPr>
+        </p:nvSpPr>
+        <p:spPr>
+          <a:xfrm>
+            <a:off x="3477006" y="0"/>
+            <a:ext cx="5666994" cy="6858000"/>
+          </a:xfrm>
+          <a:prstGeom prst="roundRect">
+            <a:avLst>
+              <a:gd name="adj" fmla="val 0"/>
+            </a:avLst>
+          </a:prstGeom>
+          <a:ln>
+            <a:noFill/>
+          </a:ln>
+          <a:effectLst/>
+        </p:spPr>
+        <p:style>
+          <a:lnRef idx="2">
+            <a:schemeClr val="accent1">
+              <a:shade val="50000"/>
+            </a:schemeClr>
+          </a:lnRef>
+          <a:fillRef idx="1">
+            <a:schemeClr val="accent1"/>
+          </a:fillRef>
+          <a:effectRef idx="0">
+            <a:schemeClr val="accent1"/>
+          </a:effectRef>
+          <a:fontRef idx="minor">
+            <a:schemeClr val="lt1"/>
+          </a:fontRef>
+        </p:style>
+        <p:txBody>
+          <a:bodyPr rtlCol="0" anchor="ctr"/>
+          <a:lstStyle/>
+          <a:p>
+            <a:pPr algn="ctr"/>
+            <a:endParaRPr lang="en-US"/>
+          </a:p>
+        </p:txBody>
+      </p:sp>
+      <p:sp>
+        <p:nvSpPr>
+          <p:cNvPr id="22" name="Rectangle 21">
+            <a:extLst>
+              <a:ext uri="{FF2B5EF4-FFF2-40B4-BE49-F238E27FC236}">
+                <a16:creationId xmlns:a16="http://schemas.microsoft.com/office/drawing/2014/main" id="{8CC82757-F96F-41CB-B2B8-49689F4362A3}"/>
+              </a:ext>
+              <a:ext uri="{C183D7F6-B498-43B3-948B-1728B52AA6E4}">
+                <adec:decorative xmlns:adec="http://schemas.microsoft.com/office/drawing/2017/decorative" val="1"/>
+              </a:ext>
+            </a:extLst>
+          </p:cNvPr>
+          <p:cNvSpPr>
+            <a:spLocks noGrp="1" noRot="1" noChangeAspect="1" noMove="1" noResize="1" noEditPoints="1" noAdjustHandles="1" noChangeArrowheads="1" noChangeShapeType="1" noTextEdit="1"/>
+          </p:cNvSpPr>
+          <p:nvPr>
+            <p:extLst>
+              <p:ext uri="{386F3935-93C4-4BCD-93E2-E3B085C9AB24}">
+                <p16:designElem xmlns:p16="http://schemas.microsoft.com/office/powerpoint/2015/main" val="1"/>
+              </p:ext>
+            </p:extLst>
+          </p:nvPr>
+        </p:nvSpPr>
+        <p:spPr>
+          <a:xfrm>
+            <a:off x="0" y="0"/>
+            <a:ext cx="3477006" cy="6858000"/>
+          </a:xfrm>
+          <a:prstGeom prst="rect">
+            <a:avLst/>
+          </a:prstGeom>
+          <a:solidFill>
+            <a:schemeClr val="tx1"/>
+          </a:solidFill>
+          <a:ln>
+            <a:noFill/>
+          </a:ln>
+          <a:effectLst>
+            <a:outerShdw blurRad="63500" dist="38100" algn="l" rotWithShape="0">
+              <a:prstClr val="black">
+                <a:alpha val="40000"/>
+              </a:prstClr>
+            </a:outerShdw>
+          </a:effectLst>
+        </p:spPr>
+        <p:style>
+          <a:lnRef idx="2">
+            <a:schemeClr val="accent1">
+              <a:shade val="50000"/>
+            </a:schemeClr>
+          </a:lnRef>
+          <a:fillRef idx="1">
+            <a:schemeClr val="accent1"/>
+          </a:fillRef>
+          <a:effectRef idx="0">
+            <a:schemeClr val="accent1"/>
+          </a:effectRef>
+          <a:fontRef idx="minor">
+            <a:schemeClr val="lt1"/>
+          </a:fontRef>
+        </p:style>
+        <p:txBody>
+          <a:bodyPr rtlCol="0" anchor="ctr"/>
+          <a:lstStyle/>
+          <a:p>
+            <a:pPr algn="ctr"/>
+            <a:endParaRPr lang="en-US"/>
+          </a:p>
+        </p:txBody>
+      </p:sp>
+      <p:pic>
+        <p:nvPicPr>
+          <p:cNvPr id="24" name="Picture 23">
+            <a:extLst>
+              <a:ext uri="{FF2B5EF4-FFF2-40B4-BE49-F238E27FC236}">
+                <a16:creationId xmlns:a16="http://schemas.microsoft.com/office/drawing/2014/main" id="{FA37F53D-999D-4551-B3F8-064DBF315562}"/>
+              </a:ext>
+              <a:ext uri="{C183D7F6-B498-43B3-948B-1728B52AA6E4}">
+                <adec:decorative xmlns:adec="http://schemas.microsoft.com/office/drawing/2017/decorative" val="1"/>
+              </a:ext>
+            </a:extLst>
+          </p:cNvPr>
+          <p:cNvPicPr>
+            <a:picLocks noGrp="1" noRot="1" noChangeAspect="1" noMove="1" noResize="1" noEditPoints="1" noAdjustHandles="1" noChangeArrowheads="1" noChangeShapeType="1" noCrop="1"/>
+          </p:cNvPicPr>
+          <p:nvPr>
+            <p:extLst>
+              <p:ext uri="{386F3935-93C4-4BCD-93E2-E3B085C9AB24}">
+                <p16:designElem xmlns:p16="http://schemas.microsoft.com/office/powerpoint/2015/main" val="1"/>
+              </p:ext>
+            </p:extLst>
+          </p:nvPr>
+        </p:nvPicPr>
+        <p:blipFill rotWithShape="1">
+          <a:blip r:embed="rId2">
+            <a:extLst>
+              <a:ext uri="{28A0092B-C50C-407E-A947-70E740481C1C}">
+                <a14:useLocalDpi xmlns:a14="http://schemas.microsoft.com/office/drawing/2010/main" val="0"/>
+              </a:ext>
+            </a:extLst>
+          </a:blip>
+          <a:srcRect r="61975"/>
+          <a:stretch/>
+        </p:blipFill>
+        <p:spPr>
+          <a:xfrm>
+            <a:off x="0" y="0"/>
+            <a:ext cx="3477006" cy="1441450"/>
+          </a:xfrm>
+          <a:prstGeom prst="rect">
+            <a:avLst/>
+          </a:prstGeom>
+        </p:spPr>
+      </p:pic>
+      <p:pic>
+        <p:nvPicPr>
+          <p:cNvPr id="26" name="Picture 25">
+            <a:extLst>
+              <a:ext uri="{FF2B5EF4-FFF2-40B4-BE49-F238E27FC236}">
+                <a16:creationId xmlns:a16="http://schemas.microsoft.com/office/drawing/2014/main" id="{A9C99389-A1E4-4A6F-BF8E-9013FF049140}"/>
+              </a:ext>
+              <a:ext uri="{C183D7F6-B498-43B3-948B-1728B52AA6E4}">
+                <adec:decorative xmlns:adec="http://schemas.microsoft.com/office/drawing/2017/decorative" val="1"/>
+              </a:ext>
+            </a:extLst>
+          </p:cNvPr>
+          <p:cNvPicPr>
+            <a:picLocks noGrp="1" noRot="1" noChangeAspect="1" noMove="1" noResize="1" noEditPoints="1" noAdjustHandles="1" noChangeArrowheads="1" noChangeShapeType="1" noCrop="1"/>
+          </p:cNvPicPr>
+          <p:nvPr>
+            <p:extLst>
+              <p:ext uri="{386F3935-93C4-4BCD-93E2-E3B085C9AB24}">
+                <p16:designElem xmlns:p16="http://schemas.microsoft.com/office/powerpoint/2015/main" val="1"/>
+              </p:ext>
+            </p:extLst>
+          </p:nvPr>
+        </p:nvPicPr>
+        <p:blipFill rotWithShape="1">
+          <a:blip r:embed="rId3">
+            <a:extLst>
+              <a:ext uri="{28A0092B-C50C-407E-A947-70E740481C1C}">
+                <a14:useLocalDpi xmlns:a14="http://schemas.microsoft.com/office/drawing/2010/main" val="0"/>
+              </a:ext>
+            </a:extLst>
+          </a:blip>
+          <a:srcRect r="61975"/>
+          <a:stretch/>
+        </p:blipFill>
+        <p:spPr>
+          <a:xfrm>
+            <a:off x="0" y="4375150"/>
+            <a:ext cx="3477006" cy="2482850"/>
+          </a:xfrm>
+          <a:prstGeom prst="rect">
+            <a:avLst/>
+          </a:prstGeom>
+        </p:spPr>
+      </p:pic>
+      <p:sp>
+        <p:nvSpPr>
+          <p:cNvPr id="2" name="Title 1">
+            <a:extLst>
+              <a:ext uri="{FF2B5EF4-FFF2-40B4-BE49-F238E27FC236}">
+                <a16:creationId xmlns:a16="http://schemas.microsoft.com/office/drawing/2014/main" id="{B56AD49A-B3F7-4779-2D4A-A3263182062E}"/>
+              </a:ext>
+            </a:extLst>
+          </p:cNvPr>
+          <p:cNvSpPr>
+            <a:spLocks noGrp="1"/>
+          </p:cNvSpPr>
+          <p:nvPr>
+            <p:ph type="title"/>
+          </p:nvPr>
+        </p:nvSpPr>
+        <p:spPr>
+          <a:xfrm>
+            <a:off x="514350" y="1066163"/>
+            <a:ext cx="2480058" cy="5148371"/>
+          </a:xfrm>
+        </p:spPr>
+        <p:txBody>
+          <a:bodyPr>
+            <a:normAutofit/>
+          </a:bodyPr>
+          <a:lstStyle/>
+          <a:p>
+            <a:r>
+              <a:rPr lang="en-US" sz="3400" dirty="0">
+                <a:solidFill>
+                  <a:schemeClr val="bg1"/>
+                </a:solidFill>
+              </a:rPr>
+              <a:t>Power Apps – Customer Order Interface : how it works</a:t>
+            </a:r>
+          </a:p>
+        </p:txBody>
+      </p:sp>
+      <p:graphicFrame>
+        <p:nvGraphicFramePr>
+          <p:cNvPr id="5" name="Content Placeholder 2">
+            <a:extLst>
+              <a:ext uri="{FF2B5EF4-FFF2-40B4-BE49-F238E27FC236}">
+                <a16:creationId xmlns:a16="http://schemas.microsoft.com/office/drawing/2014/main" id="{BFBF27FC-7DCD-D247-89B1-C772DCF982A4}"/>
+              </a:ext>
+            </a:extLst>
+          </p:cNvPr>
+          <p:cNvGraphicFramePr>
+            <a:graphicFrameLocks noGrp="1"/>
+          </p:cNvGraphicFramePr>
+          <p:nvPr>
+            <p:ph idx="1"/>
+            <p:extLst>
+              <p:ext uri="{D42A27DB-BD31-4B8C-83A1-F6EECF244321}">
+                <p14:modId xmlns:p14="http://schemas.microsoft.com/office/powerpoint/2010/main" val="335192601"/>
+              </p:ext>
+            </p:extLst>
+          </p:nvPr>
+        </p:nvGraphicFramePr>
+        <p:xfrm>
+          <a:off x="3959604" y="746125"/>
+          <a:ext cx="4717669" cy="5447745"/>
+        </p:xfrm>
+        <a:graphic>
+          <a:graphicData uri="http://schemas.openxmlformats.org/drawingml/2006/diagram">
+            <dgm:relIds xmlns:dgm="http://schemas.openxmlformats.org/drawingml/2006/diagram" xmlns:r="http://schemas.openxmlformats.org/officeDocument/2006/relationships" r:dm="rId4" r:lo="rId5" r:qs="rId6" r:cs="rId7"/>
+          </a:graphicData>
+        </a:graphic>
+      </p:graphicFrame>
+    </p:spTree>
+    <p:extLst>
+      <p:ext uri="{BB962C8B-B14F-4D97-AF65-F5344CB8AC3E}">
+        <p14:creationId xmlns:p14="http://schemas.microsoft.com/office/powerpoint/2010/main" val="143495126"/>
+      </p:ext>
+    </p:extLst>
+  </p:cSld>
+  <p:clrMapOvr>
+    <a:masterClrMapping/>
+  </p:clrMapOvr>
+</p:sld>
+</file>
+
+<file path=ppt/slides/slide8.xml><?xml version="1.0" encoding="utf-8"?>
+<p:sld xmlns:a="http://schemas.openxmlformats.org/drawingml/2006/main" xmlns:r="http://schemas.openxmlformats.org/officeDocument/2006/relationships" xmlns:p="http://schemas.openxmlformats.org/presentationml/2006/main">
+  <p:cSld>
+    <p:spTree>
+      <p:nvGrpSpPr>
+        <p:cNvPr id="1" name=""/>
+        <p:cNvGrpSpPr/>
+        <p:nvPr/>
+      </p:nvGrpSpPr>
+      <p:grpSpPr>
+        <a:xfrm>
+          <a:off x="0" y="0"/>
+          <a:ext cx="0" cy="0"/>
+          <a:chOff x="0" y="0"/>
+          <a:chExt cx="0" cy="0"/>
+        </a:xfrm>
+      </p:grpSpPr>
+      <p:sp useBgFill="1">
+        <p:nvSpPr>
+          <p:cNvPr id="9" name="Rounded Rectangle 14">
+            <a:extLst>
+              <a:ext uri="{FF2B5EF4-FFF2-40B4-BE49-F238E27FC236}">
+                <a16:creationId xmlns:a16="http://schemas.microsoft.com/office/drawing/2014/main" id="{12CC1C37-8BC7-4374-8300-E73C369150D7}"/>
+              </a:ext>
+              <a:ext uri="{C183D7F6-B498-43B3-948B-1728B52AA6E4}">
+                <adec:decorative xmlns:adec="http://schemas.microsoft.com/office/drawing/2017/decorative" val="1"/>
+              </a:ext>
+            </a:extLst>
+          </p:cNvPr>
+          <p:cNvSpPr>
+            <a:spLocks noGrp="1" noRot="1" noChangeAspect="1" noMove="1" noResize="1" noEditPoints="1" noAdjustHandles="1" noChangeArrowheads="1" noChangeShapeType="1" noTextEdit="1"/>
+          </p:cNvSpPr>
+          <p:nvPr>
+            <p:extLst>
+              <p:ext uri="{386F3935-93C4-4BCD-93E2-E3B085C9AB24}">
+                <p16:designElem xmlns:p16="http://schemas.microsoft.com/office/powerpoint/2015/main" val="1"/>
+              </p:ext>
+            </p:extLst>
+          </p:nvPr>
+        </p:nvSpPr>
+        <p:spPr>
+          <a:xfrm>
+            <a:off x="3477006" y="0"/>
+            <a:ext cx="5666994" cy="6858000"/>
+          </a:xfrm>
+          <a:prstGeom prst="roundRect">
+            <a:avLst>
+              <a:gd name="adj" fmla="val 0"/>
+            </a:avLst>
+          </a:prstGeom>
+          <a:ln>
+            <a:noFill/>
+          </a:ln>
+          <a:effectLst/>
+        </p:spPr>
+        <p:style>
+          <a:lnRef idx="2">
+            <a:schemeClr val="accent1">
+              <a:shade val="50000"/>
+            </a:schemeClr>
+          </a:lnRef>
+          <a:fillRef idx="1">
+            <a:schemeClr val="accent1"/>
+          </a:fillRef>
+          <a:effectRef idx="0">
+            <a:schemeClr val="accent1"/>
+          </a:effectRef>
+          <a:fontRef idx="minor">
+            <a:schemeClr val="lt1"/>
+          </a:fontRef>
+        </p:style>
+        <p:txBody>
+          <a:bodyPr rtlCol="0" anchor="ctr"/>
+          <a:lstStyle/>
+          <a:p>
+            <a:pPr algn="ctr"/>
+            <a:endParaRPr lang="en-US"/>
+          </a:p>
+        </p:txBody>
+      </p:sp>
+      <p:sp>
+        <p:nvSpPr>
+          <p:cNvPr id="11" name="Rectangle 10">
+            <a:extLst>
+              <a:ext uri="{FF2B5EF4-FFF2-40B4-BE49-F238E27FC236}">
+                <a16:creationId xmlns:a16="http://schemas.microsoft.com/office/drawing/2014/main" id="{8CC82757-F96F-41CB-B2B8-49689F4362A3}"/>
+              </a:ext>
+              <a:ext uri="{C183D7F6-B498-43B3-948B-1728B52AA6E4}">
+                <adec:decorative xmlns:adec="http://schemas.microsoft.com/office/drawing/2017/decorative" val="1"/>
+              </a:ext>
+            </a:extLst>
+          </p:cNvPr>
+          <p:cNvSpPr>
+            <a:spLocks noGrp="1" noRot="1" noChangeAspect="1" noMove="1" noResize="1" noEditPoints="1" noAdjustHandles="1" noChangeArrowheads="1" noChangeShapeType="1" noTextEdit="1"/>
+          </p:cNvSpPr>
+          <p:nvPr>
+            <p:extLst>
+              <p:ext uri="{386F3935-93C4-4BCD-93E2-E3B085C9AB24}">
+                <p16:designElem xmlns:p16="http://schemas.microsoft.com/office/powerpoint/2015/main" val="1"/>
+              </p:ext>
+            </p:extLst>
+          </p:nvPr>
+        </p:nvSpPr>
+        <p:spPr>
+          <a:xfrm>
+            <a:off x="0" y="0"/>
+            <a:ext cx="3477006" cy="6858000"/>
+          </a:xfrm>
+          <a:prstGeom prst="rect">
+            <a:avLst/>
+          </a:prstGeom>
+          <a:solidFill>
+            <a:schemeClr val="tx1"/>
+          </a:solidFill>
+          <a:ln>
+            <a:noFill/>
+          </a:ln>
+          <a:effectLst>
+            <a:outerShdw blurRad="63500" dist="38100" algn="l" rotWithShape="0">
+              <a:prstClr val="black">
+                <a:alpha val="40000"/>
+              </a:prstClr>
+            </a:outerShdw>
+          </a:effectLst>
+        </p:spPr>
+        <p:style>
+          <a:lnRef idx="2">
+            <a:schemeClr val="accent1">
+              <a:shade val="50000"/>
+            </a:schemeClr>
+          </a:lnRef>
+          <a:fillRef idx="1">
+            <a:schemeClr val="accent1"/>
+          </a:fillRef>
+          <a:effectRef idx="0">
+            <a:schemeClr val="accent1"/>
+          </a:effectRef>
+          <a:fontRef idx="minor">
+            <a:schemeClr val="lt1"/>
+          </a:fontRef>
+        </p:style>
+        <p:txBody>
+          <a:bodyPr rtlCol="0" anchor="ctr"/>
+          <a:lstStyle/>
+          <a:p>
+            <a:pPr algn="ctr"/>
+            <a:endParaRPr lang="en-US"/>
+          </a:p>
+        </p:txBody>
+      </p:sp>
+      <p:pic>
+        <p:nvPicPr>
+          <p:cNvPr id="13" name="Picture 12">
+            <a:extLst>
+              <a:ext uri="{FF2B5EF4-FFF2-40B4-BE49-F238E27FC236}">
+                <a16:creationId xmlns:a16="http://schemas.microsoft.com/office/drawing/2014/main" id="{FA37F53D-999D-4551-B3F8-064DBF315562}"/>
+              </a:ext>
+              <a:ext uri="{C183D7F6-B498-43B3-948B-1728B52AA6E4}">
+                <adec:decorative xmlns:adec="http://schemas.microsoft.com/office/drawing/2017/decorative" val="1"/>
+              </a:ext>
+            </a:extLst>
+          </p:cNvPr>
+          <p:cNvPicPr>
+            <a:picLocks noGrp="1" noRot="1" noChangeAspect="1" noMove="1" noResize="1" noEditPoints="1" noAdjustHandles="1" noChangeArrowheads="1" noChangeShapeType="1" noCrop="1"/>
+          </p:cNvPicPr>
+          <p:nvPr>
+            <p:extLst>
+              <p:ext uri="{386F3935-93C4-4BCD-93E2-E3B085C9AB24}">
+                <p16:designElem xmlns:p16="http://schemas.microsoft.com/office/powerpoint/2015/main" val="1"/>
+              </p:ext>
+            </p:extLst>
+          </p:nvPr>
+        </p:nvPicPr>
+        <p:blipFill rotWithShape="1">
+          <a:blip r:embed="rId2">
+            <a:extLst>
+              <a:ext uri="{28A0092B-C50C-407E-A947-70E740481C1C}">
+                <a14:useLocalDpi xmlns:a14="http://schemas.microsoft.com/office/drawing/2010/main" val="0"/>
+              </a:ext>
+            </a:extLst>
+          </a:blip>
+          <a:srcRect r="61975"/>
+          <a:stretch/>
+        </p:blipFill>
+        <p:spPr>
+          <a:xfrm>
+            <a:off x="0" y="0"/>
+            <a:ext cx="3477006" cy="1441450"/>
+          </a:xfrm>
+          <a:prstGeom prst="rect">
+            <a:avLst/>
+          </a:prstGeom>
+        </p:spPr>
+      </p:pic>
+      <p:pic>
+        <p:nvPicPr>
+          <p:cNvPr id="15" name="Picture 14">
+            <a:extLst>
+              <a:ext uri="{FF2B5EF4-FFF2-40B4-BE49-F238E27FC236}">
+                <a16:creationId xmlns:a16="http://schemas.microsoft.com/office/drawing/2014/main" id="{A9C99389-A1E4-4A6F-BF8E-9013FF049140}"/>
+              </a:ext>
+              <a:ext uri="{C183D7F6-B498-43B3-948B-1728B52AA6E4}">
+                <adec:decorative xmlns:adec="http://schemas.microsoft.com/office/drawing/2017/decorative" val="1"/>
+              </a:ext>
+            </a:extLst>
+          </p:cNvPr>
+          <p:cNvPicPr>
+            <a:picLocks noGrp="1" noRot="1" noChangeAspect="1" noMove="1" noResize="1" noEditPoints="1" noAdjustHandles="1" noChangeArrowheads="1" noChangeShapeType="1" noCrop="1"/>
+          </p:cNvPicPr>
+          <p:nvPr>
+            <p:extLst>
+              <p:ext uri="{386F3935-93C4-4BCD-93E2-E3B085C9AB24}">
+                <p16:designElem xmlns:p16="http://schemas.microsoft.com/office/powerpoint/2015/main" val="1"/>
+              </p:ext>
+            </p:extLst>
+          </p:nvPr>
+        </p:nvPicPr>
+        <p:blipFill rotWithShape="1">
+          <a:blip r:embed="rId3">
+            <a:extLst>
+              <a:ext uri="{28A0092B-C50C-407E-A947-70E740481C1C}">
+                <a14:useLocalDpi xmlns:a14="http://schemas.microsoft.com/office/drawing/2010/main" val="0"/>
+              </a:ext>
+            </a:extLst>
+          </a:blip>
+          <a:srcRect r="61975"/>
+          <a:stretch/>
+        </p:blipFill>
+        <p:spPr>
+          <a:xfrm>
+            <a:off x="0" y="4375150"/>
+            <a:ext cx="3477006" cy="2482850"/>
+          </a:xfrm>
+          <a:prstGeom prst="rect">
+            <a:avLst/>
+          </a:prstGeom>
+        </p:spPr>
+      </p:pic>
+      <p:sp>
+        <p:nvSpPr>
+          <p:cNvPr id="2" name="Title 1"/>
+          <p:cNvSpPr>
+            <a:spLocks noGrp="1"/>
+          </p:cNvSpPr>
+          <p:nvPr>
+            <p:ph type="title"/>
+          </p:nvPr>
+        </p:nvSpPr>
+        <p:spPr>
+          <a:xfrm>
+            <a:off x="1" y="1066163"/>
+            <a:ext cx="3492876" cy="5148371"/>
+          </a:xfrm>
+        </p:spPr>
+        <p:txBody>
+          <a:bodyPr>
+            <a:normAutofit/>
+          </a:bodyPr>
+          <a:lstStyle/>
+          <a:p>
+            <a:r>
+              <a:rPr lang="en-US" sz="3400" dirty="0">
+                <a:solidFill>
+                  <a:schemeClr val="bg1"/>
+                </a:solidFill>
+              </a:rPr>
+              <a:t>Power Apps – Customer Order Interface: </a:t>
+            </a:r>
+            <a:r>
+              <a:rPr lang="en-US" sz="2800" dirty="0">
+                <a:solidFill>
+                  <a:schemeClr val="bg1"/>
+                </a:solidFill>
+              </a:rPr>
+              <a:t>Implementation Steps</a:t>
+            </a:r>
+            <a:br>
+              <a:rPr lang="en-US" sz="3400" dirty="0">
+                <a:solidFill>
+                  <a:schemeClr val="bg1"/>
+                </a:solidFill>
+              </a:rPr>
+            </a:br>
+            <a:endParaRPr lang="en-US" sz="3400" dirty="0">
+              <a:solidFill>
+                <a:schemeClr val="bg1"/>
+              </a:solidFill>
+            </a:endParaRPr>
+          </a:p>
+        </p:txBody>
+      </p:sp>
+      <p:graphicFrame>
+        <p:nvGraphicFramePr>
+          <p:cNvPr id="5" name="Content Placeholder 2">
+            <a:extLst>
+              <a:ext uri="{FF2B5EF4-FFF2-40B4-BE49-F238E27FC236}">
+                <a16:creationId xmlns:a16="http://schemas.microsoft.com/office/drawing/2014/main" id="{B1331D99-8CCB-75D1-B597-8C98144AF27F}"/>
+              </a:ext>
+            </a:extLst>
+          </p:cNvPr>
+          <p:cNvGraphicFramePr>
+            <a:graphicFrameLocks noGrp="1"/>
+          </p:cNvGraphicFramePr>
+          <p:nvPr>
+            <p:ph idx="1"/>
+            <p:extLst>
+              <p:ext uri="{D42A27DB-BD31-4B8C-83A1-F6EECF244321}">
+                <p14:modId xmlns:p14="http://schemas.microsoft.com/office/powerpoint/2010/main" val="2403556282"/>
+              </p:ext>
+            </p:extLst>
+          </p:nvPr>
+        </p:nvGraphicFramePr>
+        <p:xfrm>
+          <a:off x="3959604" y="746125"/>
+          <a:ext cx="4717669" cy="5447745"/>
+        </p:xfrm>
+        <a:graphic>
+          <a:graphicData uri="http://schemas.openxmlformats.org/drawingml/2006/diagram">
+            <dgm:relIds xmlns:dgm="http://schemas.openxmlformats.org/drawingml/2006/diagram" xmlns:r="http://schemas.openxmlformats.org/officeDocument/2006/relationships" r:dm="rId4" r:lo="rId5" r:qs="rId6" r:cs="rId7"/>
+          </a:graphicData>
+        </a:graphic>
+      </p:graphicFrame>
+    </p:spTree>
+  </p:cSld>
+  <p:clrMapOvr>
+    <a:masterClrMapping/>
+  </p:clrMapOvr>
+</p:sld>
+</file>
+
+<file path=ppt/slides/slide9.xml><?xml version="1.0" encoding="utf-8"?>
+<p:sld xmlns:a="http://schemas.openxmlformats.org/drawingml/2006/main" xmlns:r="http://schemas.openxmlformats.org/officeDocument/2006/relationships" xmlns:p="http://schemas.openxmlformats.org/presentationml/2006/main">
+  <p:cSld>
+    <p:spTree>
+      <p:nvGrpSpPr>
+        <p:cNvPr id="1" name="">
+          <a:extLst>
+            <a:ext uri="{FF2B5EF4-FFF2-40B4-BE49-F238E27FC236}">
+              <a16:creationId xmlns:a16="http://schemas.microsoft.com/office/drawing/2014/main" id="{28256058-EEEE-0DE1-2913-7BDEF2C93627}"/>
+            </a:ext>
+          </a:extLst>
+        </p:cNvPr>
+        <p:cNvGrpSpPr/>
+        <p:nvPr/>
+      </p:nvGrpSpPr>
+      <p:grpSpPr>
+        <a:xfrm>
+          <a:off x="0" y="0"/>
+          <a:ext cx="0" cy="0"/>
+          <a:chOff x="0" y="0"/>
+          <a:chExt cx="0" cy="0"/>
+        </a:xfrm>
+      </p:grpSpPr>
+      <p:sp>
+        <p:nvSpPr>
+          <p:cNvPr id="2" name="Title 1">
+            <a:extLst>
+              <a:ext uri="{FF2B5EF4-FFF2-40B4-BE49-F238E27FC236}">
+                <a16:creationId xmlns:a16="http://schemas.microsoft.com/office/drawing/2014/main" id="{315A6F7E-2CF8-BF69-EA23-0986FB9CF673}"/>
+              </a:ext>
+            </a:extLst>
+          </p:cNvPr>
+          <p:cNvSpPr>
+            <a:spLocks noGrp="1"/>
+          </p:cNvSpPr>
+          <p:nvPr>
+            <p:ph type="title"/>
+          </p:nvPr>
+        </p:nvSpPr>
+        <p:spPr>
+          <a:xfrm>
+            <a:off x="2171700" y="764373"/>
+            <a:ext cx="6457950" cy="1293028"/>
+          </a:xfrm>
+        </p:spPr>
+        <p:txBody>
+          <a:bodyPr>
+            <a:normAutofit/>
+          </a:bodyPr>
+          <a:lstStyle/>
+          <a:p>
+            <a:r>
+              <a:rPr lang="en-US" sz="2800" dirty="0"/>
+              <a:t>Power Automate – Workflow Automation: HOW IT WORKS </a:t>
+            </a:r>
+          </a:p>
+        </p:txBody>
+      </p:sp>
+      <p:graphicFrame>
+        <p:nvGraphicFramePr>
+          <p:cNvPr id="5" name="Content Placeholder 2">
+            <a:extLst>
+              <a:ext uri="{FF2B5EF4-FFF2-40B4-BE49-F238E27FC236}">
+                <a16:creationId xmlns:a16="http://schemas.microsoft.com/office/drawing/2014/main" id="{15E83C9D-B118-A1D7-BE23-686BBB2542A2}"/>
+              </a:ext>
+            </a:extLst>
+          </p:cNvPr>
+          <p:cNvGraphicFramePr>
+            <a:graphicFrameLocks noGrp="1"/>
+          </p:cNvGraphicFramePr>
+          <p:nvPr>
+            <p:ph idx="1"/>
+            <p:extLst>
+              <p:ext uri="{D42A27DB-BD31-4B8C-83A1-F6EECF244321}">
+                <p14:modId xmlns:p14="http://schemas.microsoft.com/office/powerpoint/2010/main" val="3900834135"/>
+              </p:ext>
+            </p:extLst>
+          </p:nvPr>
+        </p:nvGraphicFramePr>
+        <p:xfrm>
+          <a:off x="514350" y="2441051"/>
+          <a:ext cx="8115300" cy="3530062"/>
+        </p:xfrm>
+        <a:graphic>
+          <a:graphicData uri="http://schemas.openxmlformats.org/drawingml/2006/diagram">
+            <dgm:relIds xmlns:dgm="http://schemas.openxmlformats.org/drawingml/2006/diagram" xmlns:r="http://schemas.openxmlformats.org/officeDocument/2006/relationships" r:dm="rId2" r:lo="rId3" r:qs="rId4" r:cs="rId5"/>
+          </a:graphicData>
+        </a:graphic>
+      </p:graphicFrame>
+    </p:spTree>
+    <p:extLst>
+      <p:ext uri="{BB962C8B-B14F-4D97-AF65-F5344CB8AC3E}">
+        <p14:creationId xmlns:p14="http://schemas.microsoft.com/office/powerpoint/2010/main" val="1325157806"/>
+      </p:ext>
+    </p:extLst>
+  </p:cSld>
+  <p:clrMapOvr>
+    <a:masterClrMapping/>
+  </p:clrMapOvr>
+</p:sld>
+</file>
+
 <file path=ppt/theme/theme1.xml><?xml version="1.0" encoding="utf-8"?>
 <a:theme xmlns:a="http://schemas.openxmlformats.org/drawingml/2006/main" name="Vapor Trail">
   <a:themeElements>
